--- a/Unidad 4- Spring MVC.pptx
+++ b/Unidad 4- Spring MVC.pptx
@@ -5,7 +5,7 @@
     <p:sldMasterId id="2147483660" r:id="rId1"/>
   </p:sldMasterIdLst>
   <p:notesMasterIdLst>
-    <p:notesMasterId r:id="rId22"/>
+    <p:notesMasterId r:id="rId24"/>
   </p:notesMasterIdLst>
   <p:sldIdLst>
     <p:sldId id="256" r:id="rId2"/>
@@ -21,13 +21,15 @@
     <p:sldId id="282" r:id="rId12"/>
     <p:sldId id="283" r:id="rId13"/>
     <p:sldId id="284" r:id="rId14"/>
-    <p:sldId id="278" r:id="rId15"/>
-    <p:sldId id="285" r:id="rId16"/>
-    <p:sldId id="286" r:id="rId17"/>
-    <p:sldId id="287" r:id="rId18"/>
-    <p:sldId id="288" r:id="rId19"/>
-    <p:sldId id="289" r:id="rId20"/>
-    <p:sldId id="290" r:id="rId21"/>
+    <p:sldId id="292" r:id="rId15"/>
+    <p:sldId id="291" r:id="rId16"/>
+    <p:sldId id="278" r:id="rId17"/>
+    <p:sldId id="285" r:id="rId18"/>
+    <p:sldId id="286" r:id="rId19"/>
+    <p:sldId id="287" r:id="rId20"/>
+    <p:sldId id="288" r:id="rId21"/>
+    <p:sldId id="289" r:id="rId22"/>
+    <p:sldId id="290" r:id="rId23"/>
   </p:sldIdLst>
   <p:sldSz cx="12192000" cy="6858000"/>
   <p:notesSz cx="6858000" cy="9144000"/>
@@ -216,7 +218,7 @@
           <a:p>
             <a:fld id="{C5E4E8B3-BC3D-4B17-AD72-6EEF0757A344}" type="datetimeFigureOut">
               <a:rPr lang="es-ES" smtClean="0"/>
-              <a:t>28/12/2023</a:t>
+              <a:t>15/01/2024</a:t>
             </a:fld>
             <a:endParaRPr lang="es-ES"/>
           </a:p>
@@ -953,7 +955,7 @@
     </p:spTree>
     <p:extLst>
       <p:ext uri="{BB962C8B-B14F-4D97-AF65-F5344CB8AC3E}">
-        <p14:creationId xmlns:p14="http://schemas.microsoft.com/office/powerpoint/2010/main" val="1023319128"/>
+        <p14:creationId xmlns:p14="http://schemas.microsoft.com/office/powerpoint/2010/main" val="500310945"/>
       </p:ext>
     </p:extLst>
   </p:cSld>
@@ -1049,7 +1051,7 @@
     </p:spTree>
     <p:extLst>
       <p:ext uri="{BB962C8B-B14F-4D97-AF65-F5344CB8AC3E}">
-        <p14:creationId xmlns:p14="http://schemas.microsoft.com/office/powerpoint/2010/main" val="3002653863"/>
+        <p14:creationId xmlns:p14="http://schemas.microsoft.com/office/powerpoint/2010/main" val="250277374"/>
       </p:ext>
     </p:extLst>
   </p:cSld>
@@ -1145,7 +1147,7 @@
     </p:spTree>
     <p:extLst>
       <p:ext uri="{BB962C8B-B14F-4D97-AF65-F5344CB8AC3E}">
-        <p14:creationId xmlns:p14="http://schemas.microsoft.com/office/powerpoint/2010/main" val="2717362667"/>
+        <p14:creationId xmlns:p14="http://schemas.microsoft.com/office/powerpoint/2010/main" val="1023319128"/>
       </p:ext>
     </p:extLst>
   </p:cSld>
@@ -1241,7 +1243,7 @@
     </p:spTree>
     <p:extLst>
       <p:ext uri="{BB962C8B-B14F-4D97-AF65-F5344CB8AC3E}">
-        <p14:creationId xmlns:p14="http://schemas.microsoft.com/office/powerpoint/2010/main" val="343939108"/>
+        <p14:creationId xmlns:p14="http://schemas.microsoft.com/office/powerpoint/2010/main" val="3002653863"/>
       </p:ext>
     </p:extLst>
   </p:cSld>
@@ -1337,7 +1339,7 @@
     </p:spTree>
     <p:extLst>
       <p:ext uri="{BB962C8B-B14F-4D97-AF65-F5344CB8AC3E}">
-        <p14:creationId xmlns:p14="http://schemas.microsoft.com/office/powerpoint/2010/main" val="3148476397"/>
+        <p14:creationId xmlns:p14="http://schemas.microsoft.com/office/powerpoint/2010/main" val="2717362667"/>
       </p:ext>
     </p:extLst>
   </p:cSld>
@@ -1433,7 +1435,7 @@
     </p:spTree>
     <p:extLst>
       <p:ext uri="{BB962C8B-B14F-4D97-AF65-F5344CB8AC3E}">
-        <p14:creationId xmlns:p14="http://schemas.microsoft.com/office/powerpoint/2010/main" val="4122550168"/>
+        <p14:creationId xmlns:p14="http://schemas.microsoft.com/office/powerpoint/2010/main" val="343939108"/>
       </p:ext>
     </p:extLst>
   </p:cSld>
@@ -1529,7 +1531,7 @@
     </p:spTree>
     <p:extLst>
       <p:ext uri="{BB962C8B-B14F-4D97-AF65-F5344CB8AC3E}">
-        <p14:creationId xmlns:p14="http://schemas.microsoft.com/office/powerpoint/2010/main" val="3364731706"/>
+        <p14:creationId xmlns:p14="http://schemas.microsoft.com/office/powerpoint/2010/main" val="3148476397"/>
       </p:ext>
     </p:extLst>
   </p:cSld>
@@ -1626,6 +1628,198 @@
     <p:extLst>
       <p:ext uri="{BB962C8B-B14F-4D97-AF65-F5344CB8AC3E}">
         <p14:creationId xmlns:p14="http://schemas.microsoft.com/office/powerpoint/2010/main" val="2346505701"/>
+      </p:ext>
+    </p:extLst>
+  </p:cSld>
+  <p:clrMapOvr>
+    <a:masterClrMapping/>
+  </p:clrMapOvr>
+</p:notes>
+</file>
+
+<file path=ppt/notesSlides/notesSlide20.xml><?xml version="1.0" encoding="utf-8"?>
+<p:notes xmlns:a="http://schemas.openxmlformats.org/drawingml/2006/main" xmlns:r="http://schemas.openxmlformats.org/officeDocument/2006/relationships" xmlns:p="http://schemas.openxmlformats.org/presentationml/2006/main">
+  <p:cSld>
+    <p:spTree>
+      <p:nvGrpSpPr>
+        <p:cNvPr id="1" name=""/>
+        <p:cNvGrpSpPr/>
+        <p:nvPr/>
+      </p:nvGrpSpPr>
+      <p:grpSpPr>
+        <a:xfrm>
+          <a:off x="0" y="0"/>
+          <a:ext cx="0" cy="0"/>
+          <a:chOff x="0" y="0"/>
+          <a:chExt cx="0" cy="0"/>
+        </a:xfrm>
+      </p:grpSpPr>
+      <p:sp>
+        <p:nvSpPr>
+          <p:cNvPr id="2" name="Marcador de imagen de diapositiva 1"/>
+          <p:cNvSpPr>
+            <a:spLocks noGrp="1" noRot="1" noChangeAspect="1"/>
+          </p:cNvSpPr>
+          <p:nvPr>
+            <p:ph type="sldImg"/>
+          </p:nvPr>
+        </p:nvSpPr>
+        <p:spPr/>
+      </p:sp>
+      <p:sp>
+        <p:nvSpPr>
+          <p:cNvPr id="3" name="Marcador de notas 2"/>
+          <p:cNvSpPr>
+            <a:spLocks noGrp="1"/>
+          </p:cNvSpPr>
+          <p:nvPr>
+            <p:ph type="body" idx="1"/>
+          </p:nvPr>
+        </p:nvSpPr>
+        <p:spPr/>
+        <p:txBody>
+          <a:bodyPr/>
+          <a:lstStyle/>
+          <a:p>
+            <a:r>
+              <a:rPr lang="es-ES" dirty="0"/>
+              <a:t>Si buscamos cualquier definición de inteligencia artificial veremos que la inteligencia es:</a:t>
+            </a:r>
+          </a:p>
+          <a:p>
+            <a:r>
+              <a:rPr lang="es-ES" dirty="0"/>
+              <a:t>Es la capacidad o facultad de entender, razonar, saber, aprender y de resolver problemas. </a:t>
+            </a:r>
+          </a:p>
+          <a:p>
+            <a:endParaRPr lang="es-ES" dirty="0"/>
+          </a:p>
+        </p:txBody>
+      </p:sp>
+      <p:sp>
+        <p:nvSpPr>
+          <p:cNvPr id="4" name="Marcador de número de diapositiva 3"/>
+          <p:cNvSpPr>
+            <a:spLocks noGrp="1"/>
+          </p:cNvSpPr>
+          <p:nvPr>
+            <p:ph type="sldNum" sz="quarter" idx="5"/>
+          </p:nvPr>
+        </p:nvSpPr>
+        <p:spPr/>
+        <p:txBody>
+          <a:bodyPr/>
+          <a:lstStyle/>
+          <a:p>
+            <a:fld id="{D5712D9C-889D-4610-A762-E75BDBE57ED2}" type="slidenum">
+              <a:rPr lang="es-ES" smtClean="0"/>
+              <a:t>21</a:t>
+            </a:fld>
+            <a:endParaRPr lang="es-ES"/>
+          </a:p>
+        </p:txBody>
+      </p:sp>
+    </p:spTree>
+    <p:extLst>
+      <p:ext uri="{BB962C8B-B14F-4D97-AF65-F5344CB8AC3E}">
+        <p14:creationId xmlns:p14="http://schemas.microsoft.com/office/powerpoint/2010/main" val="4122550168"/>
+      </p:ext>
+    </p:extLst>
+  </p:cSld>
+  <p:clrMapOvr>
+    <a:masterClrMapping/>
+  </p:clrMapOvr>
+</p:notes>
+</file>
+
+<file path=ppt/notesSlides/notesSlide21.xml><?xml version="1.0" encoding="utf-8"?>
+<p:notes xmlns:a="http://schemas.openxmlformats.org/drawingml/2006/main" xmlns:r="http://schemas.openxmlformats.org/officeDocument/2006/relationships" xmlns:p="http://schemas.openxmlformats.org/presentationml/2006/main">
+  <p:cSld>
+    <p:spTree>
+      <p:nvGrpSpPr>
+        <p:cNvPr id="1" name=""/>
+        <p:cNvGrpSpPr/>
+        <p:nvPr/>
+      </p:nvGrpSpPr>
+      <p:grpSpPr>
+        <a:xfrm>
+          <a:off x="0" y="0"/>
+          <a:ext cx="0" cy="0"/>
+          <a:chOff x="0" y="0"/>
+          <a:chExt cx="0" cy="0"/>
+        </a:xfrm>
+      </p:grpSpPr>
+      <p:sp>
+        <p:nvSpPr>
+          <p:cNvPr id="2" name="Marcador de imagen de diapositiva 1"/>
+          <p:cNvSpPr>
+            <a:spLocks noGrp="1" noRot="1" noChangeAspect="1"/>
+          </p:cNvSpPr>
+          <p:nvPr>
+            <p:ph type="sldImg"/>
+          </p:nvPr>
+        </p:nvSpPr>
+        <p:spPr/>
+      </p:sp>
+      <p:sp>
+        <p:nvSpPr>
+          <p:cNvPr id="3" name="Marcador de notas 2"/>
+          <p:cNvSpPr>
+            <a:spLocks noGrp="1"/>
+          </p:cNvSpPr>
+          <p:nvPr>
+            <p:ph type="body" idx="1"/>
+          </p:nvPr>
+        </p:nvSpPr>
+        <p:spPr/>
+        <p:txBody>
+          <a:bodyPr/>
+          <a:lstStyle/>
+          <a:p>
+            <a:r>
+              <a:rPr lang="es-ES" dirty="0"/>
+              <a:t>Si buscamos cualquier definición de inteligencia artificial veremos que la inteligencia es:</a:t>
+            </a:r>
+          </a:p>
+          <a:p>
+            <a:r>
+              <a:rPr lang="es-ES" dirty="0"/>
+              <a:t>Es la capacidad o facultad de entender, razonar, saber, aprender y de resolver problemas. </a:t>
+            </a:r>
+          </a:p>
+          <a:p>
+            <a:endParaRPr lang="es-ES" dirty="0"/>
+          </a:p>
+        </p:txBody>
+      </p:sp>
+      <p:sp>
+        <p:nvSpPr>
+          <p:cNvPr id="4" name="Marcador de número de diapositiva 3"/>
+          <p:cNvSpPr>
+            <a:spLocks noGrp="1"/>
+          </p:cNvSpPr>
+          <p:nvPr>
+            <p:ph type="sldNum" sz="quarter" idx="5"/>
+          </p:nvPr>
+        </p:nvSpPr>
+        <p:spPr/>
+        <p:txBody>
+          <a:bodyPr/>
+          <a:lstStyle/>
+          <a:p>
+            <a:fld id="{D5712D9C-889D-4610-A762-E75BDBE57ED2}" type="slidenum">
+              <a:rPr lang="es-ES" smtClean="0"/>
+              <a:t>22</a:t>
+            </a:fld>
+            <a:endParaRPr lang="es-ES"/>
+          </a:p>
+        </p:txBody>
+      </p:sp>
+    </p:spTree>
+    <p:extLst>
+      <p:ext uri="{BB962C8B-B14F-4D97-AF65-F5344CB8AC3E}">
+        <p14:creationId xmlns:p14="http://schemas.microsoft.com/office/powerpoint/2010/main" val="3364731706"/>
       </p:ext>
     </p:extLst>
   </p:cSld>
@@ -2520,7 +2714,7 @@
           <a:p>
             <a:fld id="{CD7214D7-428D-4601-A337-8B3EF9271EE1}" type="datetimeFigureOut">
               <a:rPr lang="es-ES" smtClean="0"/>
-              <a:t>28/12/2023</a:t>
+              <a:t>15/01/2024</a:t>
             </a:fld>
             <a:endParaRPr lang="es-ES"/>
           </a:p>
@@ -2811,7 +3005,7 @@
           <a:p>
             <a:fld id="{CD7214D7-428D-4601-A337-8B3EF9271EE1}" type="datetimeFigureOut">
               <a:rPr lang="es-ES" smtClean="0"/>
-              <a:t>28/12/2023</a:t>
+              <a:t>15/01/2024</a:t>
             </a:fld>
             <a:endParaRPr lang="es-ES"/>
           </a:p>
@@ -3070,7 +3264,7 @@
           <a:p>
             <a:fld id="{CD7214D7-428D-4601-A337-8B3EF9271EE1}" type="datetimeFigureOut">
               <a:rPr lang="es-ES" smtClean="0"/>
-              <a:t>28/12/2023</a:t>
+              <a:t>15/01/2024</a:t>
             </a:fld>
             <a:endParaRPr lang="es-ES"/>
           </a:p>
@@ -3539,7 +3733,7 @@
           <a:p>
             <a:fld id="{CD7214D7-428D-4601-A337-8B3EF9271EE1}" type="datetimeFigureOut">
               <a:rPr lang="es-ES" smtClean="0"/>
-              <a:t>28/12/2023</a:t>
+              <a:t>15/01/2024</a:t>
             </a:fld>
             <a:endParaRPr lang="es-ES"/>
           </a:p>
@@ -3719,7 +3913,7 @@
           <a:p>
             <a:fld id="{CD7214D7-428D-4601-A337-8B3EF9271EE1}" type="datetimeFigureOut">
               <a:rPr lang="es-ES" smtClean="0"/>
-              <a:t>28/12/2023</a:t>
+              <a:t>15/01/2024</a:t>
             </a:fld>
             <a:endParaRPr lang="es-ES"/>
           </a:p>
@@ -4295,7 +4489,7 @@
           <a:p>
             <a:fld id="{CD7214D7-428D-4601-A337-8B3EF9271EE1}" type="datetimeFigureOut">
               <a:rPr lang="es-ES" smtClean="0"/>
-              <a:t>28/12/2023</a:t>
+              <a:t>15/01/2024</a:t>
             </a:fld>
             <a:endParaRPr lang="es-ES"/>
           </a:p>
@@ -4627,7 +4821,7 @@
           <a:p>
             <a:fld id="{CD7214D7-428D-4601-A337-8B3EF9271EE1}" type="datetimeFigureOut">
               <a:rPr lang="es-ES" smtClean="0"/>
-              <a:t>28/12/2023</a:t>
+              <a:t>15/01/2024</a:t>
             </a:fld>
             <a:endParaRPr lang="es-ES"/>
           </a:p>
@@ -4802,7 +4996,7 @@
           <a:p>
             <a:fld id="{CD7214D7-428D-4601-A337-8B3EF9271EE1}" type="datetimeFigureOut">
               <a:rPr lang="es-ES" smtClean="0"/>
-              <a:t>28/12/2023</a:t>
+              <a:t>15/01/2024</a:t>
             </a:fld>
             <a:endParaRPr lang="es-ES"/>
           </a:p>
@@ -4982,7 +5176,7 @@
           <a:p>
             <a:fld id="{CD7214D7-428D-4601-A337-8B3EF9271EE1}" type="datetimeFigureOut">
               <a:rPr lang="es-ES" smtClean="0"/>
-              <a:t>28/12/2023</a:t>
+              <a:t>15/01/2024</a:t>
             </a:fld>
             <a:endParaRPr lang="es-ES"/>
           </a:p>
@@ -5152,7 +5346,7 @@
           <a:p>
             <a:fld id="{CD7214D7-428D-4601-A337-8B3EF9271EE1}" type="datetimeFigureOut">
               <a:rPr lang="es-ES" smtClean="0"/>
-              <a:t>28/12/2023</a:t>
+              <a:t>15/01/2024</a:t>
             </a:fld>
             <a:endParaRPr lang="es-ES"/>
           </a:p>
@@ -5409,7 +5603,7 @@
           <a:p>
             <a:fld id="{CD7214D7-428D-4601-A337-8B3EF9271EE1}" type="datetimeFigureOut">
               <a:rPr lang="es-ES" smtClean="0"/>
-              <a:t>28/12/2023</a:t>
+              <a:t>15/01/2024</a:t>
             </a:fld>
             <a:endParaRPr lang="es-ES"/>
           </a:p>
@@ -5701,7 +5895,7 @@
           <a:p>
             <a:fld id="{CD7214D7-428D-4601-A337-8B3EF9271EE1}" type="datetimeFigureOut">
               <a:rPr lang="es-ES" smtClean="0"/>
-              <a:t>28/12/2023</a:t>
+              <a:t>15/01/2024</a:t>
             </a:fld>
             <a:endParaRPr lang="es-ES"/>
           </a:p>
@@ -6131,7 +6325,7 @@
           <a:p>
             <a:fld id="{CD7214D7-428D-4601-A337-8B3EF9271EE1}" type="datetimeFigureOut">
               <a:rPr lang="es-ES" smtClean="0"/>
-              <a:t>28/12/2023</a:t>
+              <a:t>15/01/2024</a:t>
             </a:fld>
             <a:endParaRPr lang="es-ES"/>
           </a:p>
@@ -6249,7 +6443,7 @@
           <a:p>
             <a:fld id="{CD7214D7-428D-4601-A337-8B3EF9271EE1}" type="datetimeFigureOut">
               <a:rPr lang="es-ES" smtClean="0"/>
-              <a:t>28/12/2023</a:t>
+              <a:t>15/01/2024</a:t>
             </a:fld>
             <a:endParaRPr lang="es-ES"/>
           </a:p>
@@ -6344,7 +6538,7 @@
           <a:p>
             <a:fld id="{CD7214D7-428D-4601-A337-8B3EF9271EE1}" type="datetimeFigureOut">
               <a:rPr lang="es-ES" smtClean="0"/>
-              <a:t>28/12/2023</a:t>
+              <a:t>15/01/2024</a:t>
             </a:fld>
             <a:endParaRPr lang="es-ES"/>
           </a:p>
@@ -6627,7 +6821,7 @@
           <a:p>
             <a:fld id="{CD7214D7-428D-4601-A337-8B3EF9271EE1}" type="datetimeFigureOut">
               <a:rPr lang="es-ES" smtClean="0"/>
-              <a:t>28/12/2023</a:t>
+              <a:t>15/01/2024</a:t>
             </a:fld>
             <a:endParaRPr lang="es-ES"/>
           </a:p>
@@ -6918,7 +7112,7 @@
           <a:p>
             <a:fld id="{CD7214D7-428D-4601-A337-8B3EF9271EE1}" type="datetimeFigureOut">
               <a:rPr lang="es-ES" smtClean="0"/>
-              <a:t>28/12/2023</a:t>
+              <a:t>15/01/2024</a:t>
             </a:fld>
             <a:endParaRPr lang="es-ES"/>
           </a:p>
@@ -7149,7 +7343,7 @@
           <a:p>
             <a:fld id="{CD7214D7-428D-4601-A337-8B3EF9271EE1}" type="datetimeFigureOut">
               <a:rPr lang="es-ES" smtClean="0"/>
-              <a:t>28/12/2023</a:t>
+              <a:t>15/01/2024</a:t>
             </a:fld>
             <a:endParaRPr lang="es-ES"/>
           </a:p>
@@ -11222,7 +11416,7 @@
         </p:nvSpPr>
         <p:spPr>
           <a:xfrm>
-            <a:off x="1253654" y="901200"/>
+            <a:off x="1253654" y="935650"/>
             <a:ext cx="9079954" cy="2031325"/>
           </a:xfrm>
           <a:prstGeom prst="rect">
@@ -11409,8 +11603,8 @@
         </p:nvSpPr>
         <p:spPr>
           <a:xfrm>
-            <a:off x="1253654" y="1840662"/>
-            <a:ext cx="9079954" cy="5262979"/>
+            <a:off x="1253654" y="1951312"/>
+            <a:ext cx="9079954" cy="5447645"/>
           </a:xfrm>
           <a:prstGeom prst="rect">
             <a:avLst/>
@@ -11432,247 +11626,246 @@
           <a:p>
             <a:pPr lvl="1"/>
             <a:r>
-              <a:rPr lang="es-ES" sz="1200" dirty="0">
-                <a:latin typeface="Titillium Web" panose="00000500000000000000" pitchFamily="2" charset="0"/>
-                <a:sym typeface="Wingdings" panose="05000000000000000000" pitchFamily="2" charset="2"/>
-              </a:rPr>
-              <a:t>Aplicación 1: </a:t>
-            </a:r>
-            <a:r>
               <a:rPr lang="es-ES" sz="1200" dirty="0" err="1">
                 <a:latin typeface="Titillium Web" panose="00000500000000000000" pitchFamily="2" charset="0"/>
                 <a:sym typeface="Wingdings" panose="05000000000000000000" pitchFamily="2" charset="2"/>
               </a:rPr>
-              <a:t>DemoMVC</a:t>
-            </a:r>
-            <a:endParaRPr lang="es-ES" sz="1200" dirty="0">
-              <a:latin typeface="Titillium Web" panose="00000500000000000000" pitchFamily="2" charset="0"/>
-              <a:sym typeface="Wingdings" panose="05000000000000000000" pitchFamily="2" charset="2"/>
-            </a:endParaRPr>
-          </a:p>
-          <a:p>
-            <a:pPr lvl="1"/>
-            <a:endParaRPr lang="es-ES" sz="1200" dirty="0">
-              <a:latin typeface="Titillium Web" panose="00000500000000000000" pitchFamily="2" charset="0"/>
-              <a:sym typeface="Wingdings" panose="05000000000000000000" pitchFamily="2" charset="2"/>
-            </a:endParaRPr>
-          </a:p>
-          <a:p>
-            <a:pPr lvl="1"/>
-            <a:r>
-              <a:rPr lang="es-ES" sz="1200" dirty="0">
-                <a:latin typeface="Titillium Web" panose="00000500000000000000" pitchFamily="2" charset="0"/>
-                <a:sym typeface="Wingdings" panose="05000000000000000000" pitchFamily="2" charset="2"/>
-              </a:rPr>
-              <a:t>La vista</a:t>
-            </a:r>
-          </a:p>
-          <a:p>
-            <a:pPr lvl="1"/>
-            <a:endParaRPr lang="es-ES" sz="1200" dirty="0">
-              <a:latin typeface="Titillium Web" panose="00000500000000000000" pitchFamily="2" charset="0"/>
-              <a:sym typeface="Wingdings" panose="05000000000000000000" pitchFamily="2" charset="2"/>
-            </a:endParaRPr>
-          </a:p>
-          <a:p>
-            <a:pPr lvl="1"/>
-            <a:r>
-              <a:rPr lang="es-ES" sz="1200" dirty="0">
-                <a:latin typeface="Titillium Web" panose="00000500000000000000" pitchFamily="2" charset="0"/>
-                <a:sym typeface="Wingdings" panose="05000000000000000000" pitchFamily="2" charset="2"/>
-              </a:rPr>
-              <a:t>Desde VSC si pinchamos y ponemos </a:t>
+              <a:t>Condfigurar</a:t>
+            </a:r>
+            <a:r>
+              <a:rPr lang="es-ES" sz="1200" dirty="0">
+                <a:latin typeface="Titillium Web" panose="00000500000000000000" pitchFamily="2" charset="0"/>
+                <a:sym typeface="Wingdings" panose="05000000000000000000" pitchFamily="2" charset="2"/>
+              </a:rPr>
+              <a:t> el </a:t>
             </a:r>
             <a:r>
               <a:rPr lang="es-ES" sz="1200" dirty="0" err="1">
                 <a:latin typeface="Titillium Web" panose="00000500000000000000" pitchFamily="2" charset="0"/>
                 <a:sym typeface="Wingdings" panose="05000000000000000000" pitchFamily="2" charset="2"/>
               </a:rPr>
-              <a:t>html</a:t>
-            </a:r>
-            <a:r>
-              <a:rPr lang="es-ES" sz="1200" dirty="0">
-                <a:latin typeface="Titillium Web" panose="00000500000000000000" pitchFamily="2" charset="0"/>
-                <a:sym typeface="Wingdings" panose="05000000000000000000" pitchFamily="2" charset="2"/>
-              </a:rPr>
-              <a:t>: Nos permitirá seleccionar la estructura y ya nos generará el  archivo de </a:t>
+              <a:t>Application.Properties</a:t>
+            </a:r>
+            <a:r>
+              <a:rPr lang="es-ES" sz="1200" dirty="0">
+                <a:latin typeface="Titillium Web" panose="00000500000000000000" pitchFamily="2" charset="0"/>
+                <a:sym typeface="Wingdings" panose="05000000000000000000" pitchFamily="2" charset="2"/>
+              </a:rPr>
+              <a:t>.</a:t>
+            </a:r>
+          </a:p>
+          <a:p>
+            <a:pPr lvl="1"/>
+            <a:endParaRPr lang="es-ES" sz="1200" dirty="0">
+              <a:latin typeface="Titillium Web" panose="00000500000000000000" pitchFamily="2" charset="0"/>
+              <a:sym typeface="Wingdings" panose="05000000000000000000" pitchFamily="2" charset="2"/>
+            </a:endParaRPr>
+          </a:p>
+          <a:p>
+            <a:pPr lvl="1"/>
+            <a:endParaRPr lang="es-ES" sz="1200" dirty="0">
+              <a:latin typeface="Titillium Web" panose="00000500000000000000" pitchFamily="2" charset="0"/>
+              <a:sym typeface="Wingdings" panose="05000000000000000000" pitchFamily="2" charset="2"/>
+            </a:endParaRPr>
+          </a:p>
+          <a:p>
+            <a:pPr lvl="1"/>
+            <a:endParaRPr lang="es-ES" sz="1200" dirty="0">
+              <a:latin typeface="Titillium Web" panose="00000500000000000000" pitchFamily="2" charset="0"/>
+              <a:sym typeface="Wingdings" panose="05000000000000000000" pitchFamily="2" charset="2"/>
+            </a:endParaRPr>
+          </a:p>
+          <a:p>
+            <a:pPr marL="628650" lvl="1" indent="-171450">
+              <a:buFont typeface="Arial" panose="020B0604020202020204" pitchFamily="34" charset="0"/>
+              <a:buChar char="•"/>
+            </a:pPr>
+            <a:r>
+              <a:rPr lang="es-ES" sz="1200" dirty="0">
+                <a:latin typeface="Titillium Web" panose="00000500000000000000" pitchFamily="2" charset="0"/>
+                <a:sym typeface="Wingdings" panose="05000000000000000000" pitchFamily="2" charset="2"/>
+              </a:rPr>
+              <a:t>Por defecto Spring provee dentro de la dependencia de Spring </a:t>
             </a:r>
             <a:r>
               <a:rPr lang="es-ES" sz="1200" dirty="0" err="1">
                 <a:latin typeface="Titillium Web" panose="00000500000000000000" pitchFamily="2" charset="0"/>
                 <a:sym typeface="Wingdings" panose="05000000000000000000" pitchFamily="2" charset="2"/>
               </a:rPr>
-              <a:t>html</a:t>
-            </a:r>
-            <a:r>
-              <a:rPr lang="es-ES" sz="1200" dirty="0">
-                <a:latin typeface="Titillium Web" panose="00000500000000000000" pitchFamily="2" charset="0"/>
-                <a:sym typeface="Wingdings" panose="05000000000000000000" pitchFamily="2" charset="2"/>
-              </a:rPr>
-              <a:t>.</a:t>
-            </a:r>
-          </a:p>
-          <a:p>
-            <a:pPr lvl="1"/>
-            <a:endParaRPr lang="es-ES" sz="1200" dirty="0">
-              <a:latin typeface="Titillium Web" panose="00000500000000000000" pitchFamily="2" charset="0"/>
-              <a:sym typeface="Wingdings" panose="05000000000000000000" pitchFamily="2" charset="2"/>
-            </a:endParaRPr>
-          </a:p>
-          <a:p>
-            <a:pPr lvl="1"/>
+              <a:t>DevTools</a:t>
+            </a:r>
+            <a:r>
+              <a:rPr lang="es-ES" sz="1200" dirty="0">
+                <a:latin typeface="Titillium Web" panose="00000500000000000000" pitchFamily="2" charset="0"/>
+                <a:sym typeface="Wingdings" panose="05000000000000000000" pitchFamily="2" charset="2"/>
+              </a:rPr>
+              <a:t> un servidor embebido. Por defecto el se ejecutara en la ruta:</a:t>
+            </a:r>
+          </a:p>
+          <a:p>
+            <a:pPr lvl="1"/>
+            <a:r>
+              <a:rPr lang="es-ES" sz="1200" dirty="0">
+                <a:latin typeface="Titillium Web" panose="00000500000000000000" pitchFamily="2" charset="0"/>
+                <a:sym typeface="Wingdings" panose="05000000000000000000" pitchFamily="2" charset="2"/>
+              </a:rPr>
+              <a:t>        </a:t>
+            </a:r>
+            <a:r>
+              <a:rPr lang="es-ES" sz="1200" dirty="0">
+                <a:latin typeface="Titillium Web" panose="00000500000000000000" pitchFamily="2" charset="0"/>
+                <a:sym typeface="Wingdings" panose="05000000000000000000" pitchFamily="2" charset="2"/>
+                <a:hlinkClick r:id="rId5"/>
+              </a:rPr>
+              <a:t>http://localhost:8080</a:t>
+            </a:r>
+            <a:endParaRPr lang="es-ES" sz="1200" dirty="0">
+              <a:latin typeface="Titillium Web" panose="00000500000000000000" pitchFamily="2" charset="0"/>
+              <a:sym typeface="Wingdings" panose="05000000000000000000" pitchFamily="2" charset="2"/>
+            </a:endParaRPr>
+          </a:p>
+          <a:p>
+            <a:pPr lvl="1"/>
+            <a:endParaRPr lang="es-ES" sz="1200" dirty="0">
+              <a:latin typeface="Titillium Web" panose="00000500000000000000" pitchFamily="2" charset="0"/>
+              <a:sym typeface="Wingdings" panose="05000000000000000000" pitchFamily="2" charset="2"/>
+            </a:endParaRPr>
+          </a:p>
+          <a:p>
+            <a:pPr marL="628650" lvl="1" indent="-171450">
+              <a:buFont typeface="Arial" panose="020B0604020202020204" pitchFamily="34" charset="0"/>
+              <a:buChar char="•"/>
+            </a:pPr>
+            <a:r>
+              <a:rPr lang="es-ES" sz="1200" dirty="0">
+                <a:latin typeface="Titillium Web" panose="00000500000000000000" pitchFamily="2" charset="0"/>
+                <a:sym typeface="Wingdings" panose="05000000000000000000" pitchFamily="2" charset="2"/>
+              </a:rPr>
+              <a:t>Si queremos manipularlo para que no arranque en ese puerto lo configuraremos en el </a:t>
+            </a:r>
             <a:r>
               <a:rPr lang="es-ES" sz="1200" dirty="0" err="1">
                 <a:latin typeface="Titillium Web" panose="00000500000000000000" pitchFamily="2" charset="0"/>
                 <a:sym typeface="Wingdings" panose="05000000000000000000" pitchFamily="2" charset="2"/>
               </a:rPr>
-              <a:t>Thymeleaf</a:t>
-            </a:r>
-            <a:endParaRPr lang="es-ES" sz="1200" dirty="0">
-              <a:latin typeface="Titillium Web" panose="00000500000000000000" pitchFamily="2" charset="0"/>
-              <a:sym typeface="Wingdings" panose="05000000000000000000" pitchFamily="2" charset="2"/>
-            </a:endParaRPr>
-          </a:p>
-          <a:p>
-            <a:pPr lvl="1"/>
-            <a:endParaRPr lang="es-ES" sz="1200" dirty="0">
-              <a:latin typeface="Titillium Web" panose="00000500000000000000" pitchFamily="2" charset="0"/>
-              <a:sym typeface="Wingdings" panose="05000000000000000000" pitchFamily="2" charset="2"/>
-            </a:endParaRPr>
-          </a:p>
-          <a:p>
-            <a:pPr lvl="1"/>
-            <a:r>
-              <a:rPr lang="es-ES" sz="1200" dirty="0">
-                <a:latin typeface="Titillium Web" panose="00000500000000000000" pitchFamily="2" charset="0"/>
-                <a:sym typeface="Wingdings" panose="05000000000000000000" pitchFamily="2" charset="2"/>
-              </a:rPr>
-              <a:t>¿Qué es </a:t>
+              <a:t>aplication.properties</a:t>
+            </a:r>
+            <a:r>
+              <a:rPr lang="es-ES" sz="1200" dirty="0">
+                <a:latin typeface="Titillium Web" panose="00000500000000000000" pitchFamily="2" charset="0"/>
+                <a:sym typeface="Wingdings" panose="05000000000000000000" pitchFamily="2" charset="2"/>
+              </a:rPr>
+              <a:t> como un clave-valor</a:t>
+            </a:r>
+          </a:p>
+          <a:p>
+            <a:pPr lvl="1"/>
+            <a:r>
+              <a:rPr lang="es-ES" sz="1200" dirty="0">
+                <a:latin typeface="Titillium Web" panose="00000500000000000000" pitchFamily="2" charset="0"/>
+                <a:sym typeface="Wingdings" panose="05000000000000000000" pitchFamily="2" charset="2"/>
+              </a:rPr>
+              <a:t>	</a:t>
             </a:r>
             <a:r>
               <a:rPr lang="es-ES" sz="1200" dirty="0" err="1">
                 <a:latin typeface="Titillium Web" panose="00000500000000000000" pitchFamily="2" charset="0"/>
                 <a:sym typeface="Wingdings" panose="05000000000000000000" pitchFamily="2" charset="2"/>
               </a:rPr>
-              <a:t>Thymeleaf</a:t>
-            </a:r>
-            <a:r>
-              <a:rPr lang="es-ES" sz="1200" dirty="0">
-                <a:latin typeface="Titillium Web" panose="00000500000000000000" pitchFamily="2" charset="0"/>
-                <a:sym typeface="Wingdings" panose="05000000000000000000" pitchFamily="2" charset="2"/>
-              </a:rPr>
-              <a:t>?</a:t>
-            </a:r>
-          </a:p>
-          <a:p>
-            <a:pPr lvl="1"/>
-            <a:endParaRPr lang="es-ES" sz="1200" dirty="0">
-              <a:latin typeface="Titillium Web" panose="00000500000000000000" pitchFamily="2" charset="0"/>
-              <a:sym typeface="Wingdings" panose="05000000000000000000" pitchFamily="2" charset="2"/>
-            </a:endParaRPr>
-          </a:p>
-          <a:p>
-            <a:pPr lvl="1"/>
-            <a:r>
-              <a:rPr lang="es-ES" sz="1200" dirty="0">
-                <a:solidFill>
-                  <a:schemeClr val="accent3">
-                    <a:lumMod val="60000"/>
-                    <a:lumOff val="40000"/>
-                  </a:schemeClr>
-                </a:solidFill>
-                <a:latin typeface="Titillium Web" panose="00000500000000000000" pitchFamily="2" charset="0"/>
-                <a:sym typeface="Wingdings" panose="05000000000000000000" pitchFamily="2" charset="2"/>
-              </a:rPr>
-              <a:t>Es un motor de plantillas o </a:t>
+              <a:t>server.port</a:t>
+            </a:r>
+            <a:r>
+              <a:rPr lang="es-ES" sz="1200" dirty="0">
+                <a:latin typeface="Titillium Web" panose="00000500000000000000" pitchFamily="2" charset="0"/>
+                <a:sym typeface="Wingdings" panose="05000000000000000000" pitchFamily="2" charset="2"/>
+              </a:rPr>
+              <a:t> = 8080</a:t>
+            </a:r>
+          </a:p>
+          <a:p>
+            <a:pPr lvl="1"/>
+            <a:r>
+              <a:rPr lang="es-ES" sz="1200" dirty="0">
+                <a:latin typeface="Titillium Web" panose="00000500000000000000" pitchFamily="2" charset="0"/>
+                <a:sym typeface="Wingdings" panose="05000000000000000000" pitchFamily="2" charset="2"/>
+              </a:rPr>
+              <a:t>	</a:t>
             </a:r>
             <a:r>
               <a:rPr lang="es-ES" sz="1200" dirty="0" err="1">
-                <a:solidFill>
-                  <a:schemeClr val="accent3">
-                    <a:lumMod val="60000"/>
-                    <a:lumOff val="40000"/>
-                  </a:schemeClr>
-                </a:solidFill>
-                <a:latin typeface="Titillium Web" panose="00000500000000000000" pitchFamily="2" charset="0"/>
-                <a:sym typeface="Wingdings" panose="05000000000000000000" pitchFamily="2" charset="2"/>
-              </a:rPr>
-              <a:t>template</a:t>
-            </a:r>
-            <a:r>
-              <a:rPr lang="es-ES" sz="1200" dirty="0">
-                <a:solidFill>
-                  <a:schemeClr val="accent3">
-                    <a:lumMod val="60000"/>
-                    <a:lumOff val="40000"/>
-                  </a:schemeClr>
-                </a:solidFill>
-                <a:latin typeface="Titillium Web" panose="00000500000000000000" pitchFamily="2" charset="0"/>
-                <a:sym typeface="Wingdings" panose="05000000000000000000" pitchFamily="2" charset="2"/>
-              </a:rPr>
-              <a:t> que permite la creación de plantillas HTML que pueden ser procesadas al lado del servidor para poder integrar datos dinámicos provenientes de una aplicación Java. </a:t>
-            </a:r>
-          </a:p>
-          <a:p>
-            <a:pPr lvl="1"/>
-            <a:endParaRPr lang="es-ES" sz="1200" dirty="0">
-              <a:solidFill>
-                <a:schemeClr val="accent3">
-                  <a:lumMod val="60000"/>
-                  <a:lumOff val="40000"/>
-                </a:schemeClr>
-              </a:solidFill>
-              <a:latin typeface="Titillium Web" panose="00000500000000000000" pitchFamily="2" charset="0"/>
-              <a:sym typeface="Wingdings" panose="05000000000000000000" pitchFamily="2" charset="2"/>
-            </a:endParaRPr>
-          </a:p>
-          <a:p>
-            <a:pPr lvl="1"/>
-            <a:r>
-              <a:rPr lang="es-ES" sz="1200" dirty="0">
-                <a:solidFill>
-                  <a:schemeClr val="accent3">
-                    <a:lumMod val="60000"/>
-                    <a:lumOff val="40000"/>
-                  </a:schemeClr>
-                </a:solidFill>
-                <a:latin typeface="Titillium Web" panose="00000500000000000000" pitchFamily="2" charset="0"/>
-                <a:sym typeface="Wingdings" panose="05000000000000000000" pitchFamily="2" charset="2"/>
-              </a:rPr>
-              <a:t>Si accedemos a su URL podremos ver ciertas características o formas de poder definir nuestra vista y la comunicación con la aplicación en el servidor de JAVA. </a:t>
-            </a:r>
-          </a:p>
-          <a:p>
-            <a:pPr lvl="1"/>
-            <a:endParaRPr lang="es-ES" sz="1200" dirty="0">
-              <a:latin typeface="Titillium Web" panose="00000500000000000000" pitchFamily="2" charset="0"/>
-              <a:sym typeface="Wingdings" panose="05000000000000000000" pitchFamily="2" charset="2"/>
-            </a:endParaRPr>
-          </a:p>
-          <a:p>
-            <a:pPr lvl="1"/>
-            <a:r>
-              <a:rPr lang="es-ES" sz="1200" dirty="0">
-                <a:latin typeface="Titillium Web" panose="00000500000000000000" pitchFamily="2" charset="0"/>
-                <a:sym typeface="Wingdings" panose="05000000000000000000" pitchFamily="2" charset="2"/>
-                <a:hlinkClick r:id="rId5"/>
-              </a:rPr>
-              <a:t>https://www.thymeleaf.org/doc/articles/standardurlsyntax.html</a:t>
-            </a:r>
-            <a:endParaRPr lang="es-ES" sz="1200" dirty="0">
-              <a:latin typeface="Titillium Web" panose="00000500000000000000" pitchFamily="2" charset="0"/>
-              <a:sym typeface="Wingdings" panose="05000000000000000000" pitchFamily="2" charset="2"/>
-            </a:endParaRPr>
-          </a:p>
-          <a:p>
-            <a:pPr lvl="1"/>
-            <a:endParaRPr lang="es-ES" sz="1200" dirty="0">
-              <a:latin typeface="Titillium Web" panose="00000500000000000000" pitchFamily="2" charset="0"/>
-              <a:sym typeface="Wingdings" panose="05000000000000000000" pitchFamily="2" charset="2"/>
-            </a:endParaRPr>
-          </a:p>
-          <a:p>
-            <a:pPr lvl="1"/>
+                <a:latin typeface="Titillium Web" panose="00000500000000000000" pitchFamily="2" charset="0"/>
+                <a:sym typeface="Wingdings" panose="05000000000000000000" pitchFamily="2" charset="2"/>
+              </a:rPr>
+              <a:t>server.port</a:t>
+            </a:r>
+            <a:r>
+              <a:rPr lang="es-ES" sz="1200" dirty="0">
+                <a:latin typeface="Titillium Web" panose="00000500000000000000" pitchFamily="2" charset="0"/>
+                <a:sym typeface="Wingdings" panose="05000000000000000000" pitchFamily="2" charset="2"/>
+              </a:rPr>
+              <a:t> = 8090</a:t>
+            </a:r>
+          </a:p>
+          <a:p>
+            <a:pPr lvl="1"/>
+            <a:endParaRPr lang="es-ES" sz="1200" dirty="0">
+              <a:latin typeface="Titillium Web" panose="00000500000000000000" pitchFamily="2" charset="0"/>
+              <a:sym typeface="Wingdings" panose="05000000000000000000" pitchFamily="2" charset="2"/>
+            </a:endParaRPr>
+          </a:p>
+          <a:p>
+            <a:pPr lvl="1"/>
+            <a:r>
+              <a:rPr lang="es-ES" sz="1200" dirty="0">
+                <a:latin typeface="Titillium Web" panose="00000500000000000000" pitchFamily="2" charset="0"/>
+                <a:sym typeface="Wingdings" panose="05000000000000000000" pitchFamily="2" charset="2"/>
+              </a:rPr>
+              <a:t>En este seleccionaremos el puerto donde se ejecutará nuestra aplicación. En este caso comprobamos donde se esta lanzando la aplicación.  </a:t>
+            </a:r>
+          </a:p>
+          <a:p>
+            <a:pPr lvl="1"/>
+            <a:endParaRPr lang="es-ES" sz="1200" dirty="0">
+              <a:latin typeface="Titillium Web" panose="00000500000000000000" pitchFamily="2" charset="0"/>
+              <a:sym typeface="Wingdings" panose="05000000000000000000" pitchFamily="2" charset="2"/>
+            </a:endParaRPr>
+          </a:p>
+          <a:p>
+            <a:pPr lvl="1"/>
+            <a:endParaRPr lang="es-ES" sz="1200" dirty="0">
+              <a:latin typeface="Titillium Web" panose="00000500000000000000" pitchFamily="2" charset="0"/>
+              <a:sym typeface="Wingdings" panose="05000000000000000000" pitchFamily="2" charset="2"/>
+            </a:endParaRPr>
+          </a:p>
+          <a:p>
+            <a:pPr lvl="3"/>
+            <a:endParaRPr lang="es-ES" sz="1200" dirty="0">
+              <a:latin typeface="Titillium Web" panose="00000500000000000000" pitchFamily="2" charset="0"/>
+              <a:sym typeface="Wingdings" panose="05000000000000000000" pitchFamily="2" charset="2"/>
+            </a:endParaRPr>
+          </a:p>
+          <a:p>
+            <a:pPr lvl="3"/>
+            <a:endParaRPr lang="es-ES" sz="1200" dirty="0">
+              <a:latin typeface="Titillium Web" panose="00000500000000000000" pitchFamily="2" charset="0"/>
+              <a:sym typeface="Wingdings" panose="05000000000000000000" pitchFamily="2" charset="2"/>
+            </a:endParaRPr>
+          </a:p>
+          <a:p>
+            <a:pPr marL="1085850" lvl="2" indent="-171450">
+              <a:buFont typeface="Arial" panose="020B0604020202020204" pitchFamily="34" charset="0"/>
+              <a:buChar char="•"/>
+            </a:pPr>
+            <a:endParaRPr lang="es-ES" sz="1200" dirty="0">
+              <a:latin typeface="Titillium Web" panose="00000500000000000000" pitchFamily="2" charset="0"/>
+              <a:sym typeface="Wingdings" panose="05000000000000000000" pitchFamily="2" charset="2"/>
+            </a:endParaRPr>
+          </a:p>
+          <a:p>
+            <a:pPr marL="628650" lvl="1" indent="-171450">
+              <a:buFont typeface="Arial" panose="020B0604020202020204" pitchFamily="34" charset="0"/>
+              <a:buChar char="•"/>
+            </a:pPr>
             <a:endParaRPr lang="es-ES" sz="1200" dirty="0">
               <a:latin typeface="Titillium Web" panose="00000500000000000000" pitchFamily="2" charset="0"/>
               <a:sym typeface="Wingdings" panose="05000000000000000000" pitchFamily="2" charset="2"/>
@@ -11766,10 +11959,10 @@
       </p:sp>
       <p:pic>
         <p:nvPicPr>
-          <p:cNvPr id="6" name="Imagen 5">
+          <p:cNvPr id="11" name="Imagen 10">
             <a:extLst>
               <a:ext uri="{FF2B5EF4-FFF2-40B4-BE49-F238E27FC236}">
-                <a16:creationId xmlns:a16="http://schemas.microsoft.com/office/drawing/2014/main" id="{19B8B63F-0AD0-F365-046E-B2EA057AC9E7}"/>
+                <a16:creationId xmlns:a16="http://schemas.microsoft.com/office/drawing/2014/main" id="{813EE4C3-28DC-324E-C974-47124F4EB916}"/>
               </a:ext>
             </a:extLst>
           </p:cNvPr>
@@ -11786,8 +11979,8 @@
         </p:blipFill>
         <p:spPr>
           <a:xfrm>
-            <a:off x="6427391" y="432400"/>
-            <a:ext cx="2599709" cy="468800"/>
+            <a:off x="6771725" y="1313048"/>
+            <a:ext cx="3229426" cy="1276528"/>
           </a:xfrm>
           <a:prstGeom prst="rect">
             <a:avLst/>
@@ -11796,10 +11989,10 @@
       </p:pic>
       <p:pic>
         <p:nvPicPr>
-          <p:cNvPr id="8" name="Imagen 7">
+          <p:cNvPr id="13" name="Imagen 12">
             <a:extLst>
               <a:ext uri="{FF2B5EF4-FFF2-40B4-BE49-F238E27FC236}">
-                <a16:creationId xmlns:a16="http://schemas.microsoft.com/office/drawing/2014/main" id="{F03340EB-236F-CA11-748B-151FD05D6CA8}"/>
+                <a16:creationId xmlns:a16="http://schemas.microsoft.com/office/drawing/2014/main" id="{8E9475DF-E24C-0B2C-C3A6-AD8015FD2C48}"/>
               </a:ext>
             </a:extLst>
           </p:cNvPr>
@@ -11816,8 +12009,8 @@
         </p:blipFill>
         <p:spPr>
           <a:xfrm>
-            <a:off x="6427391" y="1116661"/>
-            <a:ext cx="2715004" cy="724001"/>
+            <a:off x="1694408" y="4984060"/>
+            <a:ext cx="8639200" cy="560892"/>
           </a:xfrm>
           <a:prstGeom prst="rect">
             <a:avLst/>
@@ -11827,7 +12020,7 @@
     </p:spTree>
     <p:extLst>
       <p:ext uri="{BB962C8B-B14F-4D97-AF65-F5344CB8AC3E}">
-        <p14:creationId xmlns:p14="http://schemas.microsoft.com/office/powerpoint/2010/main" val="1371740013"/>
+        <p14:creationId xmlns:p14="http://schemas.microsoft.com/office/powerpoint/2010/main" val="1313630214"/>
       </p:ext>
     </p:extLst>
   </p:cSld>
@@ -12102,8 +12295,8 @@
         </p:nvSpPr>
         <p:spPr>
           <a:xfrm>
-            <a:off x="1253654" y="1952032"/>
-            <a:ext cx="9079954" cy="6186309"/>
+            <a:off x="1253654" y="1951312"/>
+            <a:ext cx="9079954" cy="4154984"/>
           </a:xfrm>
           <a:prstGeom prst="rect">
             <a:avLst/>
@@ -12124,295 +12317,143 @@
           </a:p>
           <a:p>
             <a:pPr lvl="1"/>
-            <a:r>
-              <a:rPr lang="es-ES" sz="1200" dirty="0">
-                <a:latin typeface="Titillium Web" panose="00000500000000000000" pitchFamily="2" charset="0"/>
-                <a:sym typeface="Wingdings" panose="05000000000000000000" pitchFamily="2" charset="2"/>
-              </a:rPr>
-              <a:t>Aplicación 1: </a:t>
-            </a:r>
-            <a:r>
-              <a:rPr lang="es-ES" sz="1200" dirty="0" err="1">
-                <a:latin typeface="Titillium Web" panose="00000500000000000000" pitchFamily="2" charset="0"/>
-                <a:sym typeface="Wingdings" panose="05000000000000000000" pitchFamily="2" charset="2"/>
-              </a:rPr>
-              <a:t>DemoMVC</a:t>
-            </a:r>
-            <a:endParaRPr lang="es-ES" sz="1200" dirty="0">
-              <a:latin typeface="Titillium Web" panose="00000500000000000000" pitchFamily="2" charset="0"/>
-              <a:sym typeface="Wingdings" panose="05000000000000000000" pitchFamily="2" charset="2"/>
-            </a:endParaRPr>
-          </a:p>
-          <a:p>
-            <a:pPr lvl="1"/>
-            <a:endParaRPr lang="es-ES" sz="1200" dirty="0">
-              <a:latin typeface="Titillium Web" panose="00000500000000000000" pitchFamily="2" charset="0"/>
-              <a:sym typeface="Wingdings" panose="05000000000000000000" pitchFamily="2" charset="2"/>
-            </a:endParaRPr>
-          </a:p>
-          <a:p>
-            <a:pPr lvl="1"/>
-            <a:r>
-              <a:rPr lang="es-ES" sz="1200" dirty="0">
-                <a:latin typeface="Titillium Web" panose="00000500000000000000" pitchFamily="2" charset="0"/>
-                <a:sym typeface="Wingdings" panose="05000000000000000000" pitchFamily="2" charset="2"/>
-              </a:rPr>
-              <a:t>Creación del Controlador:</a:t>
-            </a:r>
-          </a:p>
-          <a:p>
-            <a:pPr lvl="1"/>
-            <a:endParaRPr lang="es-ES" sz="1200" dirty="0">
-              <a:latin typeface="Titillium Web" panose="00000500000000000000" pitchFamily="2" charset="0"/>
-              <a:sym typeface="Wingdings" panose="05000000000000000000" pitchFamily="2" charset="2"/>
-            </a:endParaRPr>
-          </a:p>
-          <a:p>
-            <a:pPr lvl="1"/>
-            <a:endParaRPr lang="es-ES" sz="1200" dirty="0">
-              <a:latin typeface="Titillium Web" panose="00000500000000000000" pitchFamily="2" charset="0"/>
-              <a:sym typeface="Wingdings" panose="05000000000000000000" pitchFamily="2" charset="2"/>
-            </a:endParaRPr>
-          </a:p>
-          <a:p>
-            <a:pPr lvl="1"/>
-            <a:r>
-              <a:rPr lang="es-ES" sz="1200" dirty="0">
-                <a:latin typeface="Titillium Web" panose="00000500000000000000" pitchFamily="2" charset="0"/>
-                <a:sym typeface="Wingdings" panose="05000000000000000000" pitchFamily="2" charset="2"/>
-              </a:rPr>
-              <a:t>Para crear el controlador, lo que realizaremos es trabajar en la vista que nos proporciona VSC. </a:t>
-            </a:r>
+            <a:endParaRPr lang="es-ES" sz="1200" dirty="0">
+              <a:latin typeface="Titillium Web" panose="00000500000000000000" pitchFamily="2" charset="0"/>
+              <a:sym typeface="Wingdings" panose="05000000000000000000" pitchFamily="2" charset="2"/>
+            </a:endParaRPr>
+          </a:p>
+          <a:p>
+            <a:pPr lvl="1"/>
+            <a:r>
+              <a:rPr lang="es-ES" sz="1200" dirty="0">
+                <a:latin typeface="Titillium Web" panose="00000500000000000000" pitchFamily="2" charset="0"/>
+                <a:sym typeface="Wingdings" panose="05000000000000000000" pitchFamily="2" charset="2"/>
+              </a:rPr>
+              <a:t>Configurar nuestro </a:t>
+            </a:r>
+            <a:r>
+              <a:rPr lang="es-ES" sz="1200" b="1" dirty="0" err="1">
+                <a:latin typeface="Titillium Web" panose="00000500000000000000" pitchFamily="2" charset="0"/>
+                <a:sym typeface="Wingdings" panose="05000000000000000000" pitchFamily="2" charset="2"/>
+              </a:rPr>
+              <a:t>application.properties</a:t>
+            </a:r>
+            <a:r>
+              <a:rPr lang="es-ES" sz="1200" dirty="0">
+                <a:latin typeface="Titillium Web" panose="00000500000000000000" pitchFamily="2" charset="0"/>
+                <a:sym typeface="Wingdings" panose="05000000000000000000" pitchFamily="2" charset="2"/>
+              </a:rPr>
+              <a:t>.</a:t>
+            </a:r>
+          </a:p>
+          <a:p>
+            <a:pPr lvl="1"/>
+            <a:endParaRPr lang="es-ES" sz="1200" dirty="0">
+              <a:latin typeface="Titillium Web" panose="00000500000000000000" pitchFamily="2" charset="0"/>
+              <a:sym typeface="Wingdings" panose="05000000000000000000" pitchFamily="2" charset="2"/>
+            </a:endParaRPr>
+          </a:p>
+          <a:p>
+            <a:pPr lvl="1"/>
+            <a:endParaRPr lang="es-ES" sz="1200" dirty="0">
+              <a:latin typeface="Titillium Web" panose="00000500000000000000" pitchFamily="2" charset="0"/>
+              <a:sym typeface="Wingdings" panose="05000000000000000000" pitchFamily="2" charset="2"/>
+            </a:endParaRPr>
           </a:p>
           <a:p>
             <a:pPr marL="628650" lvl="1" indent="-171450">
               <a:buFont typeface="Arial" panose="020B0604020202020204" pitchFamily="34" charset="0"/>
               <a:buChar char="•"/>
             </a:pPr>
-            <a:endParaRPr lang="es-ES" sz="1200" dirty="0">
-              <a:latin typeface="Titillium Web" panose="00000500000000000000" pitchFamily="2" charset="0"/>
-              <a:sym typeface="Wingdings" panose="05000000000000000000" pitchFamily="2" charset="2"/>
-            </a:endParaRPr>
+            <a:r>
+              <a:rPr lang="es-ES" sz="1200" dirty="0">
+                <a:latin typeface="Titillium Web" panose="00000500000000000000" pitchFamily="2" charset="0"/>
+                <a:sym typeface="Wingdings" panose="05000000000000000000" pitchFamily="2" charset="2"/>
+              </a:rPr>
+              <a:t>En el caso de que quiera configurar mi proyecto en el arranque en otra ruta. O una ruta por defecto cuando arranque será:</a:t>
+            </a:r>
           </a:p>
           <a:p>
             <a:pPr marL="628650" lvl="1" indent="-171450">
               <a:buFont typeface="Arial" panose="020B0604020202020204" pitchFamily="34" charset="0"/>
               <a:buChar char="•"/>
             </a:pPr>
-            <a:r>
-              <a:rPr lang="es-ES" sz="1200" dirty="0">
-                <a:latin typeface="Titillium Web" panose="00000500000000000000" pitchFamily="2" charset="0"/>
-                <a:sym typeface="Wingdings" panose="05000000000000000000" pitchFamily="2" charset="2"/>
-              </a:rPr>
-              <a:t>Ahora creamos la vista: </a:t>
+            <a:endParaRPr lang="es-ES" sz="1200" dirty="0">
+              <a:latin typeface="Titillium Web" panose="00000500000000000000" pitchFamily="2" charset="0"/>
+              <a:sym typeface="Wingdings" panose="05000000000000000000" pitchFamily="2" charset="2"/>
+            </a:endParaRPr>
+          </a:p>
+          <a:p>
+            <a:pPr lvl="1"/>
+            <a:r>
+              <a:rPr lang="es-ES" sz="1200" dirty="0">
+                <a:latin typeface="Titillium Web" panose="00000500000000000000" pitchFamily="2" charset="0"/>
+                <a:sym typeface="Wingdings" panose="05000000000000000000" pitchFamily="2" charset="2"/>
+              </a:rPr>
+              <a:t>	</a:t>
             </a:r>
             <a:r>
               <a:rPr lang="es-ES" sz="1200" dirty="0" err="1">
-                <a:latin typeface="Titillium Web" panose="00000500000000000000" pitchFamily="2" charset="0"/>
-                <a:sym typeface="Wingdings" panose="05000000000000000000" pitchFamily="2" charset="2"/>
-              </a:rPr>
-              <a:t>Resources</a:t>
-            </a:r>
-            <a:r>
-              <a:rPr lang="es-ES" sz="1200" dirty="0">
-                <a:latin typeface="Titillium Web" panose="00000500000000000000" pitchFamily="2" charset="0"/>
-                <a:sym typeface="Wingdings" panose="05000000000000000000" pitchFamily="2" charset="2"/>
-              </a:rPr>
-              <a:t> </a:t>
+                <a:solidFill>
+                  <a:schemeClr val="accent5">
+                    <a:lumMod val="60000"/>
+                    <a:lumOff val="40000"/>
+                  </a:schemeClr>
+                </a:solidFill>
+                <a:latin typeface="Titillium Web" panose="00000500000000000000" pitchFamily="2" charset="0"/>
+                <a:sym typeface="Wingdings" panose="05000000000000000000" pitchFamily="2" charset="2"/>
+              </a:rPr>
+              <a:t>server.servlet.context-path</a:t>
+            </a:r>
+            <a:r>
+              <a:rPr lang="es-ES" sz="1200" dirty="0">
+                <a:solidFill>
+                  <a:schemeClr val="accent5">
+                    <a:lumMod val="60000"/>
+                    <a:lumOff val="40000"/>
+                  </a:schemeClr>
+                </a:solidFill>
+                <a:latin typeface="Titillium Web" panose="00000500000000000000" pitchFamily="2" charset="0"/>
+                <a:sym typeface="Wingdings" panose="05000000000000000000" pitchFamily="2" charset="2"/>
+              </a:rPr>
+              <a:t> =/</a:t>
             </a:r>
             <a:r>
               <a:rPr lang="es-ES" sz="1200" dirty="0" err="1">
-                <a:latin typeface="Titillium Web" panose="00000500000000000000" pitchFamily="2" charset="0"/>
-                <a:sym typeface="Wingdings" panose="05000000000000000000" pitchFamily="2" charset="2"/>
-              </a:rPr>
-              <a:t>Template</a:t>
-            </a:r>
-            <a:r>
-              <a:rPr lang="es-ES" sz="1200" dirty="0">
-                <a:latin typeface="Titillium Web" panose="00000500000000000000" pitchFamily="2" charset="0"/>
-                <a:sym typeface="Wingdings" panose="05000000000000000000" pitchFamily="2" charset="2"/>
-              </a:rPr>
-              <a:t>( login.html)</a:t>
-            </a:r>
+                <a:solidFill>
+                  <a:schemeClr val="accent5">
+                    <a:lumMod val="60000"/>
+                    <a:lumOff val="40000"/>
+                  </a:schemeClr>
+                </a:solidFill>
+                <a:latin typeface="Titillium Web" panose="00000500000000000000" pitchFamily="2" charset="0"/>
+                <a:sym typeface="Wingdings" panose="05000000000000000000" pitchFamily="2" charset="2"/>
+              </a:rPr>
+              <a:t>nombre_url</a:t>
+            </a:r>
+            <a:endParaRPr lang="es-ES" sz="1200" dirty="0">
+              <a:solidFill>
+                <a:schemeClr val="accent5">
+                  <a:lumMod val="60000"/>
+                  <a:lumOff val="40000"/>
+                </a:schemeClr>
+              </a:solidFill>
+              <a:latin typeface="Titillium Web" panose="00000500000000000000" pitchFamily="2" charset="0"/>
+              <a:sym typeface="Wingdings" panose="05000000000000000000" pitchFamily="2" charset="2"/>
+            </a:endParaRPr>
           </a:p>
           <a:p>
             <a:pPr marL="628650" lvl="1" indent="-171450">
               <a:buFont typeface="Arial" panose="020B0604020202020204" pitchFamily="34" charset="0"/>
               <a:buChar char="•"/>
             </a:pPr>
-            <a:r>
-              <a:rPr lang="es-ES" sz="1200" dirty="0">
-                <a:latin typeface="Titillium Web" panose="00000500000000000000" pitchFamily="2" charset="0"/>
-                <a:sym typeface="Wingdings" panose="05000000000000000000" pitchFamily="2" charset="2"/>
-              </a:rPr>
-              <a:t>Ahora  una vez que hemos creado nuestra vista similar a la parte superior. </a:t>
-            </a:r>
-          </a:p>
-          <a:p>
-            <a:pPr marL="628650" lvl="1" indent="-171450">
-              <a:buFont typeface="Arial" panose="020B0604020202020204" pitchFamily="34" charset="0"/>
-              <a:buChar char="•"/>
-            </a:pPr>
-            <a:r>
-              <a:rPr lang="es-ES" sz="1200" dirty="0">
-                <a:latin typeface="Titillium Web" panose="00000500000000000000" pitchFamily="2" charset="0"/>
-                <a:sym typeface="Wingdings" panose="05000000000000000000" pitchFamily="2" charset="2"/>
-              </a:rPr>
-              <a:t>Dos pasos:</a:t>
-            </a:r>
-          </a:p>
-          <a:p>
-            <a:pPr marL="1085850" lvl="2" indent="-171450">
-              <a:buFont typeface="Arial" panose="020B0604020202020204" pitchFamily="34" charset="0"/>
-              <a:buChar char="•"/>
-            </a:pPr>
-            <a:r>
-              <a:rPr lang="es-ES" sz="1200" dirty="0">
-                <a:latin typeface="Titillium Web" panose="00000500000000000000" pitchFamily="2" charset="0"/>
-                <a:sym typeface="Wingdings" panose="05000000000000000000" pitchFamily="2" charset="2"/>
-              </a:rPr>
-              <a:t>En nuestro controlador definir los datos de entrada de la vista.</a:t>
-            </a:r>
-          </a:p>
-          <a:p>
-            <a:pPr marL="1085850" lvl="2" indent="-171450">
-              <a:buFont typeface="Arial" panose="020B0604020202020204" pitchFamily="34" charset="0"/>
-              <a:buChar char="•"/>
-            </a:pPr>
-            <a:r>
-              <a:rPr lang="es-ES" sz="1200" dirty="0">
-                <a:latin typeface="Titillium Web" panose="00000500000000000000" pitchFamily="2" charset="0"/>
-                <a:sym typeface="Wingdings" panose="05000000000000000000" pitchFamily="2" charset="2"/>
-              </a:rPr>
-              <a:t>En nuestra vista definir la estructura </a:t>
-            </a:r>
-            <a:r>
-              <a:rPr lang="es-ES" sz="1200" dirty="0" err="1">
-                <a:latin typeface="Titillium Web" panose="00000500000000000000" pitchFamily="2" charset="0"/>
-                <a:sym typeface="Wingdings" panose="05000000000000000000" pitchFamily="2" charset="2"/>
-              </a:rPr>
-              <a:t>Thymeleaf</a:t>
-            </a:r>
-            <a:r>
-              <a:rPr lang="es-ES" sz="1200" dirty="0">
-                <a:latin typeface="Titillium Web" panose="00000500000000000000" pitchFamily="2" charset="0"/>
-                <a:sym typeface="Wingdings" panose="05000000000000000000" pitchFamily="2" charset="2"/>
-              </a:rPr>
-              <a:t> para poder recibir esos datos.</a:t>
-            </a:r>
-          </a:p>
-          <a:p>
-            <a:pPr marL="1085850" lvl="2" indent="-171450">
-              <a:buFont typeface="Arial" panose="020B0604020202020204" pitchFamily="34" charset="0"/>
-              <a:buChar char="•"/>
-            </a:pPr>
-            <a:r>
-              <a:rPr lang="es-ES" sz="1200" dirty="0">
-                <a:latin typeface="Titillium Web" panose="00000500000000000000" pitchFamily="2" charset="0"/>
-                <a:sym typeface="Wingdings" panose="05000000000000000000" pitchFamily="2" charset="2"/>
-              </a:rPr>
-              <a:t>@Controller: Utilizamos la clase </a:t>
-            </a:r>
-            <a:r>
-              <a:rPr lang="es-ES" sz="1200" dirty="0" err="1">
-                <a:latin typeface="Titillium Web" panose="00000500000000000000" pitchFamily="2" charset="0"/>
-                <a:sym typeface="Wingdings" panose="05000000000000000000" pitchFamily="2" charset="2"/>
-              </a:rPr>
-              <a:t>Model</a:t>
-            </a:r>
-            <a:r>
-              <a:rPr lang="es-ES" sz="1200" dirty="0">
-                <a:latin typeface="Titillium Web" panose="00000500000000000000" pitchFamily="2" charset="0"/>
-                <a:sym typeface="Wingdings" panose="05000000000000000000" pitchFamily="2" charset="2"/>
-              </a:rPr>
-              <a:t> para enviar los datos. Recuerden enviar los datos con un </a:t>
-            </a:r>
-            <a:r>
-              <a:rPr lang="es-ES" sz="1200" dirty="0" err="1">
-                <a:latin typeface="Titillium Web" panose="00000500000000000000" pitchFamily="2" charset="0"/>
-                <a:sym typeface="Wingdings" panose="05000000000000000000" pitchFamily="2" charset="2"/>
-              </a:rPr>
-              <a:t>String</a:t>
-            </a:r>
-            <a:r>
-              <a:rPr lang="es-ES" sz="1200" dirty="0">
-                <a:latin typeface="Titillium Web" panose="00000500000000000000" pitchFamily="2" charset="0"/>
-                <a:sym typeface="Wingdings" panose="05000000000000000000" pitchFamily="2" charset="2"/>
-              </a:rPr>
-              <a:t>, y en el </a:t>
-            </a:r>
-            <a:r>
-              <a:rPr lang="es-ES" sz="1200" dirty="0" err="1">
-                <a:latin typeface="Titillium Web" panose="00000500000000000000" pitchFamily="2" charset="0"/>
-                <a:sym typeface="Wingdings" panose="05000000000000000000" pitchFamily="2" charset="2"/>
-              </a:rPr>
-              <a:t>return</a:t>
-            </a:r>
-            <a:r>
-              <a:rPr lang="es-ES" sz="1200" dirty="0">
-                <a:latin typeface="Titillium Web" panose="00000500000000000000" pitchFamily="2" charset="0"/>
-                <a:sym typeface="Wingdings" panose="05000000000000000000" pitchFamily="2" charset="2"/>
-              </a:rPr>
-              <a:t> apuntar  a la página web recibirá los datos a partir del </a:t>
-            </a:r>
-            <a:r>
-              <a:rPr lang="es-ES" sz="1200" dirty="0" err="1">
-                <a:latin typeface="Titillium Web" panose="00000500000000000000" pitchFamily="2" charset="0"/>
-                <a:sym typeface="Wingdings" panose="05000000000000000000" pitchFamily="2" charset="2"/>
-              </a:rPr>
-              <a:t>Model</a:t>
-            </a:r>
-            <a:r>
-              <a:rPr lang="es-ES" sz="1200" dirty="0">
-                <a:latin typeface="Titillium Web" panose="00000500000000000000" pitchFamily="2" charset="0"/>
-                <a:sym typeface="Wingdings" panose="05000000000000000000" pitchFamily="2" charset="2"/>
-              </a:rPr>
-              <a:t>.</a:t>
-            </a:r>
-          </a:p>
-          <a:p>
-            <a:pPr lvl="3"/>
-            <a:endParaRPr lang="es-ES" sz="1200" dirty="0">
-              <a:latin typeface="Titillium Web" panose="00000500000000000000" pitchFamily="2" charset="0"/>
-              <a:sym typeface="Wingdings" panose="05000000000000000000" pitchFamily="2" charset="2"/>
-            </a:endParaRPr>
-          </a:p>
-          <a:p>
-            <a:pPr lvl="3"/>
-            <a:endParaRPr lang="es-ES" sz="1200" dirty="0">
-              <a:latin typeface="Titillium Web" panose="00000500000000000000" pitchFamily="2" charset="0"/>
-              <a:sym typeface="Wingdings" panose="05000000000000000000" pitchFamily="2" charset="2"/>
-            </a:endParaRPr>
-          </a:p>
-          <a:p>
-            <a:pPr lvl="3"/>
-            <a:endParaRPr lang="es-ES" sz="1200" dirty="0">
-              <a:latin typeface="Titillium Web" panose="00000500000000000000" pitchFamily="2" charset="0"/>
-              <a:sym typeface="Wingdings" panose="05000000000000000000" pitchFamily="2" charset="2"/>
-            </a:endParaRPr>
-          </a:p>
-          <a:p>
-            <a:pPr marL="1543050" lvl="3" indent="-171450">
-              <a:buFont typeface="Arial" panose="020B0604020202020204" pitchFamily="34" charset="0"/>
-              <a:buChar char="•"/>
-            </a:pPr>
-            <a:endParaRPr lang="es-ES" sz="1200" dirty="0">
-              <a:latin typeface="Titillium Web" panose="00000500000000000000" pitchFamily="2" charset="0"/>
-              <a:sym typeface="Wingdings" panose="05000000000000000000" pitchFamily="2" charset="2"/>
-            </a:endParaRPr>
-          </a:p>
-          <a:p>
-            <a:pPr marL="1543050" lvl="3" indent="-171450">
-              <a:buFont typeface="Arial" panose="020B0604020202020204" pitchFamily="34" charset="0"/>
-              <a:buChar char="•"/>
-            </a:pPr>
-            <a:endParaRPr lang="es-ES" sz="1200" dirty="0">
-              <a:latin typeface="Titillium Web" panose="00000500000000000000" pitchFamily="2" charset="0"/>
-              <a:sym typeface="Wingdings" panose="05000000000000000000" pitchFamily="2" charset="2"/>
-            </a:endParaRPr>
-          </a:p>
-          <a:p>
-            <a:pPr lvl="3"/>
+            <a:endParaRPr lang="es-ES" sz="1200" dirty="0">
+              <a:latin typeface="Titillium Web" panose="00000500000000000000" pitchFamily="2" charset="0"/>
+              <a:sym typeface="Wingdings" panose="05000000000000000000" pitchFamily="2" charset="2"/>
+            </a:endParaRPr>
+          </a:p>
+          <a:p>
+            <a:pPr lvl="1"/>
             <a:endParaRPr lang="es-ES" sz="1200" dirty="0">
               <a:latin typeface="Titillium Web" panose="00000500000000000000" pitchFamily="2" charset="0"/>
               <a:sym typeface="Wingdings" panose="05000000000000000000" pitchFamily="2" charset="2"/>
@@ -12540,10 +12581,10 @@
       </p:sp>
       <p:pic>
         <p:nvPicPr>
-          <p:cNvPr id="7" name="Imagen 6">
+          <p:cNvPr id="11" name="Imagen 10">
             <a:extLst>
               <a:ext uri="{FF2B5EF4-FFF2-40B4-BE49-F238E27FC236}">
-                <a16:creationId xmlns:a16="http://schemas.microsoft.com/office/drawing/2014/main" id="{CC9A87DA-5CCC-E5DD-DDBC-15DCCD207956}"/>
+                <a16:creationId xmlns:a16="http://schemas.microsoft.com/office/drawing/2014/main" id="{813EE4C3-28DC-324E-C974-47124F4EB916}"/>
               </a:ext>
             </a:extLst>
           </p:cNvPr>
@@ -12560,8 +12601,8 @@
         </p:blipFill>
         <p:spPr>
           <a:xfrm>
-            <a:off x="5699341" y="453239"/>
-            <a:ext cx="3337929" cy="738882"/>
+            <a:off x="6771725" y="1313048"/>
+            <a:ext cx="3229426" cy="1276528"/>
           </a:xfrm>
           <a:prstGeom prst="rect">
             <a:avLst/>
@@ -12570,10 +12611,10 @@
       </p:pic>
       <p:pic>
         <p:nvPicPr>
-          <p:cNvPr id="11" name="Imagen 10">
+          <p:cNvPr id="15" name="Imagen 14">
             <a:extLst>
               <a:ext uri="{FF2B5EF4-FFF2-40B4-BE49-F238E27FC236}">
-                <a16:creationId xmlns:a16="http://schemas.microsoft.com/office/drawing/2014/main" id="{2A350083-9A8D-EE7B-10A9-B226E32898E9}"/>
+                <a16:creationId xmlns:a16="http://schemas.microsoft.com/office/drawing/2014/main" id="{DFD85576-985E-2CC0-759F-2F4FF8F81A09}"/>
               </a:ext>
             </a:extLst>
           </p:cNvPr>
@@ -12590,8 +12631,68 @@
         </p:blipFill>
         <p:spPr>
           <a:xfrm>
-            <a:off x="3669669" y="4777480"/>
-            <a:ext cx="3825528" cy="1704010"/>
+            <a:off x="2214667" y="4147516"/>
+            <a:ext cx="3362794" cy="647790"/>
+          </a:xfrm>
+          <a:prstGeom prst="rect">
+            <a:avLst/>
+          </a:prstGeom>
+        </p:spPr>
+      </p:pic>
+      <p:pic>
+        <p:nvPicPr>
+          <p:cNvPr id="17" name="Imagen 16">
+            <a:extLst>
+              <a:ext uri="{FF2B5EF4-FFF2-40B4-BE49-F238E27FC236}">
+                <a16:creationId xmlns:a16="http://schemas.microsoft.com/office/drawing/2014/main" id="{A612ACC2-88C9-F590-C280-BD88E87EB0CD}"/>
+              </a:ext>
+            </a:extLst>
+          </p:cNvPr>
+          <p:cNvPicPr>
+            <a:picLocks noChangeAspect="1"/>
+          </p:cNvPicPr>
+          <p:nvPr/>
+        </p:nvPicPr>
+        <p:blipFill>
+          <a:blip r:embed="rId7"/>
+          <a:stretch>
+            <a:fillRect/>
+          </a:stretch>
+        </p:blipFill>
+        <p:spPr>
+          <a:xfrm>
+            <a:off x="6614540" y="3604515"/>
+            <a:ext cx="3543795" cy="543001"/>
+          </a:xfrm>
+          <a:prstGeom prst="rect">
+            <a:avLst/>
+          </a:prstGeom>
+        </p:spPr>
+      </p:pic>
+      <p:pic>
+        <p:nvPicPr>
+          <p:cNvPr id="19" name="Imagen 18">
+            <a:extLst>
+              <a:ext uri="{FF2B5EF4-FFF2-40B4-BE49-F238E27FC236}">
+                <a16:creationId xmlns:a16="http://schemas.microsoft.com/office/drawing/2014/main" id="{CDF6253D-AD21-BD83-7430-2A9F854DBDF4}"/>
+              </a:ext>
+            </a:extLst>
+          </p:cNvPr>
+          <p:cNvPicPr>
+            <a:picLocks noChangeAspect="1"/>
+          </p:cNvPicPr>
+          <p:nvPr/>
+        </p:nvPicPr>
+        <p:blipFill>
+          <a:blip r:embed="rId8"/>
+          <a:stretch>
+            <a:fillRect/>
+          </a:stretch>
+        </p:blipFill>
+        <p:spPr>
+          <a:xfrm>
+            <a:off x="6614540" y="4397406"/>
+            <a:ext cx="3464566" cy="1636182"/>
           </a:xfrm>
           <a:prstGeom prst="rect">
             <a:avLst/>
@@ -12601,7 +12702,7 @@
     </p:spTree>
     <p:extLst>
       <p:ext uri="{BB962C8B-B14F-4D97-AF65-F5344CB8AC3E}">
-        <p14:creationId xmlns:p14="http://schemas.microsoft.com/office/powerpoint/2010/main" val="4001750378"/>
+        <p14:creationId xmlns:p14="http://schemas.microsoft.com/office/powerpoint/2010/main" val="3415964081"/>
       </p:ext>
     </p:extLst>
   </p:cSld>
@@ -12689,7 +12790,7 @@
         </p:nvSpPr>
         <p:spPr>
           <a:xfrm>
-            <a:off x="1253654" y="935650"/>
+            <a:off x="1253654" y="901200"/>
             <a:ext cx="9079954" cy="2031325"/>
           </a:xfrm>
           <a:prstGeom prst="rect">
@@ -12876,8 +12977,8 @@
         </p:nvSpPr>
         <p:spPr>
           <a:xfrm>
-            <a:off x="1253654" y="1952032"/>
-            <a:ext cx="9079954" cy="7478970"/>
+            <a:off x="1253654" y="1840662"/>
+            <a:ext cx="9079954" cy="5262979"/>
           </a:xfrm>
           <a:prstGeom prst="rect">
             <a:avLst/>
@@ -12931,145 +13032,63 @@
                 <a:latin typeface="Titillium Web" panose="00000500000000000000" pitchFamily="2" charset="0"/>
                 <a:sym typeface="Wingdings" panose="05000000000000000000" pitchFamily="2" charset="2"/>
               </a:rPr>
-              <a:t>Creación del Controlador:</a:t>
-            </a:r>
-          </a:p>
-          <a:p>
-            <a:pPr lvl="1"/>
-            <a:endParaRPr lang="es-ES" sz="1200" dirty="0">
-              <a:latin typeface="Titillium Web" panose="00000500000000000000" pitchFamily="2" charset="0"/>
-              <a:sym typeface="Wingdings" panose="05000000000000000000" pitchFamily="2" charset="2"/>
-            </a:endParaRPr>
-          </a:p>
-          <a:p>
-            <a:pPr lvl="1"/>
-            <a:endParaRPr lang="es-ES" sz="1200" dirty="0">
-              <a:latin typeface="Titillium Web" panose="00000500000000000000" pitchFamily="2" charset="0"/>
-              <a:sym typeface="Wingdings" panose="05000000000000000000" pitchFamily="2" charset="2"/>
-            </a:endParaRPr>
-          </a:p>
-          <a:p>
-            <a:pPr lvl="1"/>
-            <a:r>
-              <a:rPr lang="es-ES" sz="1200" dirty="0">
-                <a:latin typeface="Titillium Web" panose="00000500000000000000" pitchFamily="2" charset="0"/>
-                <a:sym typeface="Wingdings" panose="05000000000000000000" pitchFamily="2" charset="2"/>
-              </a:rPr>
-              <a:t>Para crear el controlador, lo que realizaremos es trabajar en la vista que nos proporciona VSC. </a:t>
-            </a:r>
-          </a:p>
-          <a:p>
-            <a:pPr marL="628650" lvl="1" indent="-171450">
-              <a:buFont typeface="Arial" panose="020B0604020202020204" pitchFamily="34" charset="0"/>
-              <a:buChar char="•"/>
-            </a:pPr>
-            <a:endParaRPr lang="es-ES" sz="1200" dirty="0">
-              <a:latin typeface="Titillium Web" panose="00000500000000000000" pitchFamily="2" charset="0"/>
-              <a:sym typeface="Wingdings" panose="05000000000000000000" pitchFamily="2" charset="2"/>
-            </a:endParaRPr>
-          </a:p>
-          <a:p>
-            <a:pPr marL="628650" lvl="1" indent="-171450">
-              <a:buFont typeface="Arial" panose="020B0604020202020204" pitchFamily="34" charset="0"/>
-              <a:buChar char="•"/>
-            </a:pPr>
-            <a:r>
-              <a:rPr lang="es-ES" sz="1200" dirty="0">
-                <a:latin typeface="Titillium Web" panose="00000500000000000000" pitchFamily="2" charset="0"/>
-                <a:sym typeface="Wingdings" panose="05000000000000000000" pitchFamily="2" charset="2"/>
-              </a:rPr>
-              <a:t>Ahora creamos la vista: </a:t>
+              <a:t>La vista</a:t>
+            </a:r>
+          </a:p>
+          <a:p>
+            <a:pPr lvl="1"/>
+            <a:endParaRPr lang="es-ES" sz="1200" dirty="0">
+              <a:latin typeface="Titillium Web" panose="00000500000000000000" pitchFamily="2" charset="0"/>
+              <a:sym typeface="Wingdings" panose="05000000000000000000" pitchFamily="2" charset="2"/>
+            </a:endParaRPr>
+          </a:p>
+          <a:p>
+            <a:pPr lvl="1"/>
+            <a:r>
+              <a:rPr lang="es-ES" sz="1200" dirty="0">
+                <a:latin typeface="Titillium Web" panose="00000500000000000000" pitchFamily="2" charset="0"/>
+                <a:sym typeface="Wingdings" panose="05000000000000000000" pitchFamily="2" charset="2"/>
+              </a:rPr>
+              <a:t>Desde VSC si pinchamos y ponemos </a:t>
             </a:r>
             <a:r>
               <a:rPr lang="es-ES" sz="1200" dirty="0" err="1">
                 <a:latin typeface="Titillium Web" panose="00000500000000000000" pitchFamily="2" charset="0"/>
                 <a:sym typeface="Wingdings" panose="05000000000000000000" pitchFamily="2" charset="2"/>
               </a:rPr>
-              <a:t>Resources</a:t>
-            </a:r>
-            <a:r>
-              <a:rPr lang="es-ES" sz="1200" dirty="0">
-                <a:latin typeface="Titillium Web" panose="00000500000000000000" pitchFamily="2" charset="0"/>
-                <a:sym typeface="Wingdings" panose="05000000000000000000" pitchFamily="2" charset="2"/>
-              </a:rPr>
-              <a:t> </a:t>
+              <a:t>html</a:t>
+            </a:r>
+            <a:r>
+              <a:rPr lang="es-ES" sz="1200" dirty="0">
+                <a:latin typeface="Titillium Web" panose="00000500000000000000" pitchFamily="2" charset="0"/>
+                <a:sym typeface="Wingdings" panose="05000000000000000000" pitchFamily="2" charset="2"/>
+              </a:rPr>
+              <a:t>: Nos permitirá seleccionar la estructura y ya nos generará el  archivo de </a:t>
             </a:r>
             <a:r>
               <a:rPr lang="es-ES" sz="1200" dirty="0" err="1">
                 <a:latin typeface="Titillium Web" panose="00000500000000000000" pitchFamily="2" charset="0"/>
                 <a:sym typeface="Wingdings" panose="05000000000000000000" pitchFamily="2" charset="2"/>
               </a:rPr>
-              <a:t>Template</a:t>
-            </a:r>
-            <a:r>
-              <a:rPr lang="es-ES" sz="1200" dirty="0">
-                <a:latin typeface="Titillium Web" panose="00000500000000000000" pitchFamily="2" charset="0"/>
-                <a:sym typeface="Wingdings" panose="05000000000000000000" pitchFamily="2" charset="2"/>
-              </a:rPr>
-              <a:t>( login.html)</a:t>
-            </a:r>
-          </a:p>
-          <a:p>
-            <a:pPr marL="628650" lvl="1" indent="-171450">
-              <a:buFont typeface="Arial" panose="020B0604020202020204" pitchFamily="34" charset="0"/>
-              <a:buChar char="•"/>
-            </a:pPr>
-            <a:r>
-              <a:rPr lang="es-ES" sz="1200" dirty="0">
-                <a:latin typeface="Titillium Web" panose="00000500000000000000" pitchFamily="2" charset="0"/>
-                <a:sym typeface="Wingdings" panose="05000000000000000000" pitchFamily="2" charset="2"/>
-              </a:rPr>
-              <a:t>Ahora  una vez que hemos creado nuestra vista similar a la parte superior. </a:t>
-            </a:r>
-          </a:p>
-          <a:p>
-            <a:pPr marL="628650" lvl="1" indent="-171450">
-              <a:buFont typeface="Arial" panose="020B0604020202020204" pitchFamily="34" charset="0"/>
-              <a:buChar char="•"/>
-            </a:pPr>
-            <a:r>
-              <a:rPr lang="es-ES" sz="1200" dirty="0">
-                <a:latin typeface="Titillium Web" panose="00000500000000000000" pitchFamily="2" charset="0"/>
-                <a:sym typeface="Wingdings" panose="05000000000000000000" pitchFamily="2" charset="2"/>
-              </a:rPr>
-              <a:t>Dos pasos:</a:t>
-            </a:r>
-          </a:p>
-          <a:p>
-            <a:pPr marL="1085850" lvl="2" indent="-171450">
-              <a:buFont typeface="Arial" panose="020B0604020202020204" pitchFamily="34" charset="0"/>
-              <a:buChar char="•"/>
-            </a:pPr>
-            <a:r>
-              <a:rPr lang="es-ES" sz="1200" dirty="0">
-                <a:latin typeface="Titillium Web" panose="00000500000000000000" pitchFamily="2" charset="0"/>
-                <a:sym typeface="Wingdings" panose="05000000000000000000" pitchFamily="2" charset="2"/>
-              </a:rPr>
-              <a:t>En nuestro controlador definir los datos de entrada de la vista.</a:t>
-            </a:r>
-          </a:p>
-          <a:p>
-            <a:pPr marL="1085850" lvl="2" indent="-171450">
-              <a:buFont typeface="Arial" panose="020B0604020202020204" pitchFamily="34" charset="0"/>
-              <a:buChar char="•"/>
-            </a:pPr>
-            <a:endParaRPr lang="es-ES" sz="1200" dirty="0">
-              <a:latin typeface="Titillium Web" panose="00000500000000000000" pitchFamily="2" charset="0"/>
-              <a:sym typeface="Wingdings" panose="05000000000000000000" pitchFamily="2" charset="2"/>
-            </a:endParaRPr>
-          </a:p>
-          <a:p>
-            <a:pPr marL="1085850" lvl="2" indent="-171450">
-              <a:buFont typeface="Arial" panose="020B0604020202020204" pitchFamily="34" charset="0"/>
-              <a:buChar char="•"/>
-            </a:pPr>
-            <a:r>
-              <a:rPr lang="es-ES" sz="1200" dirty="0">
-                <a:latin typeface="Titillium Web" panose="00000500000000000000" pitchFamily="2" charset="0"/>
-                <a:sym typeface="Wingdings" panose="05000000000000000000" pitchFamily="2" charset="2"/>
-              </a:rPr>
-              <a:t>En nuestra vista definir la estructura </a:t>
-            </a:r>
+              <a:t>html</a:t>
+            </a:r>
+            <a:r>
+              <a:rPr lang="es-ES" sz="1200" dirty="0">
+                <a:latin typeface="Titillium Web" panose="00000500000000000000" pitchFamily="2" charset="0"/>
+                <a:sym typeface="Wingdings" panose="05000000000000000000" pitchFamily="2" charset="2"/>
+              </a:rPr>
+              <a:t>.</a:t>
+            </a:r>
+          </a:p>
+          <a:p>
+            <a:pPr lvl="1"/>
+            <a:endParaRPr lang="es-ES" sz="1200" dirty="0">
+              <a:latin typeface="Titillium Web" panose="00000500000000000000" pitchFamily="2" charset="0"/>
+              <a:sym typeface="Wingdings" panose="05000000000000000000" pitchFamily="2" charset="2"/>
+            </a:endParaRPr>
+          </a:p>
+          <a:p>
+            <a:pPr lvl="1"/>
             <a:r>
               <a:rPr lang="es-ES" sz="1200" dirty="0" err="1">
                 <a:latin typeface="Titillium Web" panose="00000500000000000000" pitchFamily="2" charset="0"/>
@@ -13077,230 +13096,151 @@
               </a:rPr>
               <a:t>Thymeleaf</a:t>
             </a:r>
-            <a:r>
-              <a:rPr lang="es-ES" sz="1200" dirty="0">
-                <a:latin typeface="Titillium Web" panose="00000500000000000000" pitchFamily="2" charset="0"/>
-                <a:sym typeface="Wingdings" panose="05000000000000000000" pitchFamily="2" charset="2"/>
-              </a:rPr>
-              <a:t> para poder recibir esos datos.</a:t>
-            </a:r>
-          </a:p>
-          <a:p>
-            <a:pPr marL="1085850" lvl="2" indent="-171450">
-              <a:buFont typeface="Arial" panose="020B0604020202020204" pitchFamily="34" charset="0"/>
-              <a:buChar char="•"/>
-            </a:pPr>
-            <a:endParaRPr lang="es-ES" sz="1200" dirty="0">
-              <a:latin typeface="Titillium Web" panose="00000500000000000000" pitchFamily="2" charset="0"/>
-              <a:sym typeface="Wingdings" panose="05000000000000000000" pitchFamily="2" charset="2"/>
-            </a:endParaRPr>
-          </a:p>
-          <a:p>
-            <a:pPr marL="1085850" lvl="2" indent="-171450">
-              <a:buFont typeface="Arial" panose="020B0604020202020204" pitchFamily="34" charset="0"/>
-              <a:buChar char="•"/>
-            </a:pPr>
-            <a:r>
-              <a:rPr lang="es-ES" sz="1200" dirty="0">
-                <a:latin typeface="Titillium Web" panose="00000500000000000000" pitchFamily="2" charset="0"/>
-                <a:sym typeface="Wingdings" panose="05000000000000000000" pitchFamily="2" charset="2"/>
-              </a:rPr>
-              <a:t>@Vista: Configuramos en la cabecera para usar el gestor de </a:t>
+            <a:endParaRPr lang="es-ES" sz="1200" dirty="0">
+              <a:latin typeface="Titillium Web" panose="00000500000000000000" pitchFamily="2" charset="0"/>
+              <a:sym typeface="Wingdings" panose="05000000000000000000" pitchFamily="2" charset="2"/>
+            </a:endParaRPr>
+          </a:p>
+          <a:p>
+            <a:pPr lvl="1"/>
+            <a:endParaRPr lang="es-ES" sz="1200" dirty="0">
+              <a:latin typeface="Titillium Web" panose="00000500000000000000" pitchFamily="2" charset="0"/>
+              <a:sym typeface="Wingdings" panose="05000000000000000000" pitchFamily="2" charset="2"/>
+            </a:endParaRPr>
+          </a:p>
+          <a:p>
+            <a:pPr lvl="1"/>
+            <a:r>
+              <a:rPr lang="es-ES" sz="1200" dirty="0">
+                <a:latin typeface="Titillium Web" panose="00000500000000000000" pitchFamily="2" charset="0"/>
+                <a:sym typeface="Wingdings" panose="05000000000000000000" pitchFamily="2" charset="2"/>
+              </a:rPr>
+              <a:t>¿Qué es </a:t>
             </a:r>
             <a:r>
               <a:rPr lang="es-ES" sz="1200" dirty="0" err="1">
                 <a:latin typeface="Titillium Web" panose="00000500000000000000" pitchFamily="2" charset="0"/>
                 <a:sym typeface="Wingdings" panose="05000000000000000000" pitchFamily="2" charset="2"/>
               </a:rPr>
-              <a:t>plantilllas</a:t>
-            </a:r>
-            <a:r>
-              <a:rPr lang="es-ES" sz="1200" dirty="0">
-                <a:latin typeface="Titillium Web" panose="00000500000000000000" pitchFamily="2" charset="0"/>
-                <a:sym typeface="Wingdings" panose="05000000000000000000" pitchFamily="2" charset="2"/>
-              </a:rPr>
-              <a:t> de </a:t>
+              <a:t>Thymeleaf</a:t>
+            </a:r>
+            <a:r>
+              <a:rPr lang="es-ES" sz="1200" dirty="0">
+                <a:latin typeface="Titillium Web" panose="00000500000000000000" pitchFamily="2" charset="0"/>
+                <a:sym typeface="Wingdings" panose="05000000000000000000" pitchFamily="2" charset="2"/>
+              </a:rPr>
+              <a:t>?</a:t>
+            </a:r>
+          </a:p>
+          <a:p>
+            <a:pPr lvl="1"/>
+            <a:endParaRPr lang="es-ES" sz="1200" dirty="0">
+              <a:latin typeface="Titillium Web" panose="00000500000000000000" pitchFamily="2" charset="0"/>
+              <a:sym typeface="Wingdings" panose="05000000000000000000" pitchFamily="2" charset="2"/>
+            </a:endParaRPr>
+          </a:p>
+          <a:p>
+            <a:pPr lvl="1"/>
+            <a:r>
+              <a:rPr lang="es-ES" sz="1200" dirty="0">
+                <a:solidFill>
+                  <a:schemeClr val="accent3">
+                    <a:lumMod val="60000"/>
+                    <a:lumOff val="40000"/>
+                  </a:schemeClr>
+                </a:solidFill>
+                <a:latin typeface="Titillium Web" panose="00000500000000000000" pitchFamily="2" charset="0"/>
+                <a:sym typeface="Wingdings" panose="05000000000000000000" pitchFamily="2" charset="2"/>
+              </a:rPr>
+              <a:t>Es un motor de plantillas o </a:t>
             </a:r>
             <a:r>
               <a:rPr lang="es-ES" sz="1200" dirty="0" err="1">
-                <a:latin typeface="Titillium Web" panose="00000500000000000000" pitchFamily="2" charset="0"/>
-                <a:sym typeface="Wingdings" panose="05000000000000000000" pitchFamily="2" charset="2"/>
-              </a:rPr>
-              <a:t>Thymeleaf</a:t>
-            </a:r>
-            <a:r>
-              <a:rPr lang="es-ES" sz="1200" dirty="0">
-                <a:latin typeface="Titillium Web" panose="00000500000000000000" pitchFamily="2" charset="0"/>
-                <a:sym typeface="Wingdings" panose="05000000000000000000" pitchFamily="2" charset="2"/>
-              </a:rPr>
-              <a:t>:</a:t>
-            </a:r>
-          </a:p>
-          <a:p>
-            <a:pPr marL="1543050" lvl="3" indent="-171450">
-              <a:buFont typeface="Arial" panose="020B0604020202020204" pitchFamily="34" charset="0"/>
-              <a:buChar char="•"/>
-            </a:pPr>
-            <a:endParaRPr lang="es-ES" sz="1200" dirty="0">
-              <a:latin typeface="Titillium Web" panose="00000500000000000000" pitchFamily="2" charset="0"/>
-              <a:sym typeface="Wingdings" panose="05000000000000000000" pitchFamily="2" charset="2"/>
-            </a:endParaRPr>
-          </a:p>
-          <a:p>
-            <a:pPr marL="1543050" lvl="3" indent="-171450">
-              <a:buFont typeface="Arial" panose="020B0604020202020204" pitchFamily="34" charset="0"/>
-              <a:buChar char="•"/>
-            </a:pPr>
-            <a:r>
-              <a:rPr lang="es-ES" sz="1200" dirty="0">
-                <a:latin typeface="Titillium Web" panose="00000500000000000000" pitchFamily="2" charset="0"/>
-                <a:sym typeface="Wingdings" panose="05000000000000000000" pitchFamily="2" charset="2"/>
-              </a:rPr>
-              <a:t>Y para recibir los datos del controlador en la etiqueta del campo realizaremos:</a:t>
-            </a:r>
-          </a:p>
-          <a:p>
-            <a:pPr marL="2000250" lvl="4" indent="-171450">
-              <a:buFont typeface="Arial" panose="020B0604020202020204" pitchFamily="34" charset="0"/>
-              <a:buChar char="•"/>
-            </a:pPr>
-            <a:r>
-              <a:rPr lang="es-ES" sz="1200" dirty="0">
-                <a:latin typeface="Titillium Web" panose="00000500000000000000" pitchFamily="2" charset="0"/>
-                <a:sym typeface="Wingdings" panose="05000000000000000000" pitchFamily="2" charset="2"/>
-              </a:rPr>
-              <a:t>&lt;h1 </a:t>
-            </a:r>
-            <a:r>
-              <a:rPr lang="es-ES" sz="1200" dirty="0" err="1">
-                <a:latin typeface="Titillium Web" panose="00000500000000000000" pitchFamily="2" charset="0"/>
-                <a:sym typeface="Wingdings" panose="05000000000000000000" pitchFamily="2" charset="2"/>
-              </a:rPr>
-              <a:t>th:text</a:t>
-            </a:r>
-            <a:r>
-              <a:rPr lang="es-ES" sz="1200" dirty="0">
-                <a:latin typeface="Titillium Web" panose="00000500000000000000" pitchFamily="2" charset="0"/>
-                <a:sym typeface="Wingdings" panose="05000000000000000000" pitchFamily="2" charset="2"/>
-              </a:rPr>
-              <a:t>=“${</a:t>
-            </a:r>
-            <a:r>
-              <a:rPr lang="es-ES" sz="1200" dirty="0" err="1">
-                <a:latin typeface="Titillium Web" panose="00000500000000000000" pitchFamily="2" charset="0"/>
-                <a:sym typeface="Wingdings" panose="05000000000000000000" pitchFamily="2" charset="2"/>
-              </a:rPr>
-              <a:t>nombre_variable_controlador</a:t>
-            </a:r>
-            <a:r>
-              <a:rPr lang="es-ES" sz="1200" dirty="0">
-                <a:latin typeface="Titillium Web" panose="00000500000000000000" pitchFamily="2" charset="0"/>
-                <a:sym typeface="Wingdings" panose="05000000000000000000" pitchFamily="2" charset="2"/>
-              </a:rPr>
-              <a:t>}”&gt; &lt;/h1&gt;</a:t>
-            </a:r>
-          </a:p>
-          <a:p>
-            <a:pPr lvl="4"/>
-            <a:endParaRPr lang="es-ES" sz="1200" dirty="0">
-              <a:latin typeface="Titillium Web" panose="00000500000000000000" pitchFamily="2" charset="0"/>
-              <a:sym typeface="Wingdings" panose="05000000000000000000" pitchFamily="2" charset="2"/>
-            </a:endParaRPr>
-          </a:p>
-          <a:p>
-            <a:pPr lvl="4"/>
-            <a:endParaRPr lang="es-ES" sz="1200" dirty="0">
-              <a:latin typeface="Titillium Web" panose="00000500000000000000" pitchFamily="2" charset="0"/>
-              <a:sym typeface="Wingdings" panose="05000000000000000000" pitchFamily="2" charset="2"/>
-            </a:endParaRPr>
-          </a:p>
-          <a:p>
-            <a:pPr marL="1085850" lvl="2" indent="-171450">
-              <a:buFont typeface="Arial" panose="020B0604020202020204" pitchFamily="34" charset="0"/>
-              <a:buChar char="•"/>
-            </a:pPr>
-            <a:endParaRPr lang="es-ES" sz="1200" dirty="0">
-              <a:latin typeface="Titillium Web" panose="00000500000000000000" pitchFamily="2" charset="0"/>
-              <a:sym typeface="Wingdings" panose="05000000000000000000" pitchFamily="2" charset="2"/>
-            </a:endParaRPr>
-          </a:p>
-          <a:p>
-            <a:pPr lvl="3"/>
-            <a:endParaRPr lang="es-ES" sz="1200" dirty="0">
-              <a:latin typeface="Titillium Web" panose="00000500000000000000" pitchFamily="2" charset="0"/>
-              <a:sym typeface="Wingdings" panose="05000000000000000000" pitchFamily="2" charset="2"/>
-            </a:endParaRPr>
-          </a:p>
-          <a:p>
-            <a:pPr lvl="3"/>
-            <a:endParaRPr lang="es-ES" sz="1200" dirty="0">
-              <a:latin typeface="Titillium Web" panose="00000500000000000000" pitchFamily="2" charset="0"/>
-              <a:sym typeface="Wingdings" panose="05000000000000000000" pitchFamily="2" charset="2"/>
-            </a:endParaRPr>
-          </a:p>
-          <a:p>
-            <a:pPr lvl="3"/>
-            <a:endParaRPr lang="es-ES" sz="1200" dirty="0">
-              <a:latin typeface="Titillium Web" panose="00000500000000000000" pitchFamily="2" charset="0"/>
-              <a:sym typeface="Wingdings" panose="05000000000000000000" pitchFamily="2" charset="2"/>
-            </a:endParaRPr>
-          </a:p>
-          <a:p>
-            <a:pPr marL="1543050" lvl="3" indent="-171450">
-              <a:buFont typeface="Arial" panose="020B0604020202020204" pitchFamily="34" charset="0"/>
-              <a:buChar char="•"/>
-            </a:pPr>
-            <a:endParaRPr lang="es-ES" sz="1200" dirty="0">
-              <a:latin typeface="Titillium Web" panose="00000500000000000000" pitchFamily="2" charset="0"/>
-              <a:sym typeface="Wingdings" panose="05000000000000000000" pitchFamily="2" charset="2"/>
-            </a:endParaRPr>
-          </a:p>
-          <a:p>
-            <a:pPr marL="1543050" lvl="3" indent="-171450">
-              <a:buFont typeface="Arial" panose="020B0604020202020204" pitchFamily="34" charset="0"/>
-              <a:buChar char="•"/>
-            </a:pPr>
-            <a:endParaRPr lang="es-ES" sz="1200" dirty="0">
-              <a:latin typeface="Titillium Web" panose="00000500000000000000" pitchFamily="2" charset="0"/>
-              <a:sym typeface="Wingdings" panose="05000000000000000000" pitchFamily="2" charset="2"/>
-            </a:endParaRPr>
-          </a:p>
-          <a:p>
-            <a:pPr lvl="3"/>
-            <a:endParaRPr lang="es-ES" sz="1200" dirty="0">
-              <a:latin typeface="Titillium Web" panose="00000500000000000000" pitchFamily="2" charset="0"/>
-              <a:sym typeface="Wingdings" panose="05000000000000000000" pitchFamily="2" charset="2"/>
-            </a:endParaRPr>
-          </a:p>
-          <a:p>
-            <a:pPr lvl="3"/>
-            <a:endParaRPr lang="es-ES" sz="1200" dirty="0">
-              <a:latin typeface="Titillium Web" panose="00000500000000000000" pitchFamily="2" charset="0"/>
-              <a:sym typeface="Wingdings" panose="05000000000000000000" pitchFamily="2" charset="2"/>
-            </a:endParaRPr>
-          </a:p>
-          <a:p>
-            <a:pPr lvl="3"/>
-            <a:endParaRPr lang="es-ES" sz="1200" dirty="0">
-              <a:latin typeface="Titillium Web" panose="00000500000000000000" pitchFamily="2" charset="0"/>
-              <a:sym typeface="Wingdings" panose="05000000000000000000" pitchFamily="2" charset="2"/>
-            </a:endParaRPr>
-          </a:p>
-          <a:p>
-            <a:pPr marL="1085850" lvl="2" indent="-171450">
-              <a:buFont typeface="Arial" panose="020B0604020202020204" pitchFamily="34" charset="0"/>
-              <a:buChar char="•"/>
-            </a:pPr>
-            <a:endParaRPr lang="es-ES" sz="1200" dirty="0">
-              <a:latin typeface="Titillium Web" panose="00000500000000000000" pitchFamily="2" charset="0"/>
-              <a:sym typeface="Wingdings" panose="05000000000000000000" pitchFamily="2" charset="2"/>
-            </a:endParaRPr>
-          </a:p>
-          <a:p>
-            <a:pPr marL="628650" lvl="1" indent="-171450">
-              <a:buFont typeface="Arial" panose="020B0604020202020204" pitchFamily="34" charset="0"/>
-              <a:buChar char="•"/>
-            </a:pPr>
+                <a:solidFill>
+                  <a:schemeClr val="accent3">
+                    <a:lumMod val="60000"/>
+                    <a:lumOff val="40000"/>
+                  </a:schemeClr>
+                </a:solidFill>
+                <a:latin typeface="Titillium Web" panose="00000500000000000000" pitchFamily="2" charset="0"/>
+                <a:sym typeface="Wingdings" panose="05000000000000000000" pitchFamily="2" charset="2"/>
+              </a:rPr>
+              <a:t>template</a:t>
+            </a:r>
+            <a:r>
+              <a:rPr lang="es-ES" sz="1200" dirty="0">
+                <a:solidFill>
+                  <a:schemeClr val="accent3">
+                    <a:lumMod val="60000"/>
+                    <a:lumOff val="40000"/>
+                  </a:schemeClr>
+                </a:solidFill>
+                <a:latin typeface="Titillium Web" panose="00000500000000000000" pitchFamily="2" charset="0"/>
+                <a:sym typeface="Wingdings" panose="05000000000000000000" pitchFamily="2" charset="2"/>
+              </a:rPr>
+              <a:t> que permite la creación de plantillas HTML que pueden ser procesadas al lado del servidor para poder integrar datos dinámicos provenientes de una aplicación Java. </a:t>
+            </a:r>
+          </a:p>
+          <a:p>
+            <a:pPr lvl="1"/>
+            <a:endParaRPr lang="es-ES" sz="1200" dirty="0">
+              <a:solidFill>
+                <a:schemeClr val="accent3">
+                  <a:lumMod val="60000"/>
+                  <a:lumOff val="40000"/>
+                </a:schemeClr>
+              </a:solidFill>
+              <a:latin typeface="Titillium Web" panose="00000500000000000000" pitchFamily="2" charset="0"/>
+              <a:sym typeface="Wingdings" panose="05000000000000000000" pitchFamily="2" charset="2"/>
+            </a:endParaRPr>
+          </a:p>
+          <a:p>
+            <a:pPr lvl="1"/>
+            <a:r>
+              <a:rPr lang="es-ES" sz="1200" dirty="0">
+                <a:solidFill>
+                  <a:schemeClr val="accent3">
+                    <a:lumMod val="60000"/>
+                    <a:lumOff val="40000"/>
+                  </a:schemeClr>
+                </a:solidFill>
+                <a:latin typeface="Titillium Web" panose="00000500000000000000" pitchFamily="2" charset="0"/>
+                <a:sym typeface="Wingdings" panose="05000000000000000000" pitchFamily="2" charset="2"/>
+              </a:rPr>
+              <a:t>Si accedemos a su URL podremos ver ciertas características o formas de poder definir nuestra vista y la comunicación con la aplicación en el servidor de JAVA. </a:t>
+            </a:r>
+          </a:p>
+          <a:p>
+            <a:pPr lvl="1"/>
+            <a:endParaRPr lang="es-ES" sz="1200" dirty="0">
+              <a:latin typeface="Titillium Web" panose="00000500000000000000" pitchFamily="2" charset="0"/>
+              <a:sym typeface="Wingdings" panose="05000000000000000000" pitchFamily="2" charset="2"/>
+            </a:endParaRPr>
+          </a:p>
+          <a:p>
+            <a:pPr lvl="1"/>
+            <a:r>
+              <a:rPr lang="es-ES" sz="1200" dirty="0">
+                <a:latin typeface="Titillium Web" panose="00000500000000000000" pitchFamily="2" charset="0"/>
+                <a:sym typeface="Wingdings" panose="05000000000000000000" pitchFamily="2" charset="2"/>
+                <a:hlinkClick r:id="rId5"/>
+              </a:rPr>
+              <a:t>https://www.thymeleaf.org/doc/articles/standardurlsyntax.html</a:t>
+            </a:r>
+            <a:endParaRPr lang="es-ES" sz="1200" dirty="0">
+              <a:latin typeface="Titillium Web" panose="00000500000000000000" pitchFamily="2" charset="0"/>
+              <a:sym typeface="Wingdings" panose="05000000000000000000" pitchFamily="2" charset="2"/>
+            </a:endParaRPr>
+          </a:p>
+          <a:p>
+            <a:pPr lvl="1"/>
+            <a:endParaRPr lang="es-ES" sz="1200" dirty="0">
+              <a:latin typeface="Titillium Web" panose="00000500000000000000" pitchFamily="2" charset="0"/>
+              <a:sym typeface="Wingdings" panose="05000000000000000000" pitchFamily="2" charset="2"/>
+            </a:endParaRPr>
+          </a:p>
+          <a:p>
+            <a:pPr lvl="1"/>
             <a:endParaRPr lang="es-ES" sz="1200" dirty="0">
               <a:latin typeface="Titillium Web" panose="00000500000000000000" pitchFamily="2" charset="0"/>
               <a:sym typeface="Wingdings" panose="05000000000000000000" pitchFamily="2" charset="2"/>
@@ -13397,37 +13337,7 @@
           <p:cNvPr id="6" name="Imagen 5">
             <a:extLst>
               <a:ext uri="{FF2B5EF4-FFF2-40B4-BE49-F238E27FC236}">
-                <a16:creationId xmlns:a16="http://schemas.microsoft.com/office/drawing/2014/main" id="{71D73539-973A-2F53-FA0D-D320685D88BA}"/>
-              </a:ext>
-            </a:extLst>
-          </p:cNvPr>
-          <p:cNvPicPr>
-            <a:picLocks noChangeAspect="1"/>
-          </p:cNvPicPr>
-          <p:nvPr/>
-        </p:nvPicPr>
-        <p:blipFill>
-          <a:blip r:embed="rId5"/>
-          <a:stretch>
-            <a:fillRect/>
-          </a:stretch>
-        </p:blipFill>
-        <p:spPr>
-          <a:xfrm>
-            <a:off x="7139836" y="121700"/>
-            <a:ext cx="3689014" cy="987295"/>
-          </a:xfrm>
-          <a:prstGeom prst="rect">
-            <a:avLst/>
-          </a:prstGeom>
-        </p:spPr>
-      </p:pic>
-      <p:pic>
-        <p:nvPicPr>
-          <p:cNvPr id="10" name="Imagen 9">
-            <a:extLst>
-              <a:ext uri="{FF2B5EF4-FFF2-40B4-BE49-F238E27FC236}">
-                <a16:creationId xmlns:a16="http://schemas.microsoft.com/office/drawing/2014/main" id="{67CC91AF-4C45-D50E-B6E8-EEF0DDFEFE7F}"/>
+                <a16:creationId xmlns:a16="http://schemas.microsoft.com/office/drawing/2014/main" id="{19B8B63F-0AD0-F365-046E-B2EA057AC9E7}"/>
               </a:ext>
             </a:extLst>
           </p:cNvPr>
@@ -13444,8 +13354,38 @@
         </p:blipFill>
         <p:spPr>
           <a:xfrm>
-            <a:off x="7139836" y="1173230"/>
-            <a:ext cx="3689015" cy="1904293"/>
+            <a:off x="6427391" y="432400"/>
+            <a:ext cx="2599709" cy="468800"/>
+          </a:xfrm>
+          <a:prstGeom prst="rect">
+            <a:avLst/>
+          </a:prstGeom>
+        </p:spPr>
+      </p:pic>
+      <p:pic>
+        <p:nvPicPr>
+          <p:cNvPr id="8" name="Imagen 7">
+            <a:extLst>
+              <a:ext uri="{FF2B5EF4-FFF2-40B4-BE49-F238E27FC236}">
+                <a16:creationId xmlns:a16="http://schemas.microsoft.com/office/drawing/2014/main" id="{F03340EB-236F-CA11-748B-151FD05D6CA8}"/>
+              </a:ext>
+            </a:extLst>
+          </p:cNvPr>
+          <p:cNvPicPr>
+            <a:picLocks noChangeAspect="1"/>
+          </p:cNvPicPr>
+          <p:nvPr/>
+        </p:nvPicPr>
+        <p:blipFill>
+          <a:blip r:embed="rId7"/>
+          <a:stretch>
+            <a:fillRect/>
+          </a:stretch>
+        </p:blipFill>
+        <p:spPr>
+          <a:xfrm>
+            <a:off x="6427391" y="1116661"/>
+            <a:ext cx="2715004" cy="724001"/>
           </a:xfrm>
           <a:prstGeom prst="rect">
             <a:avLst/>
@@ -13455,7 +13395,7 @@
     </p:spTree>
     <p:extLst>
       <p:ext uri="{BB962C8B-B14F-4D97-AF65-F5344CB8AC3E}">
-        <p14:creationId xmlns:p14="http://schemas.microsoft.com/office/powerpoint/2010/main" val="3151998399"/>
+        <p14:creationId xmlns:p14="http://schemas.microsoft.com/office/powerpoint/2010/main" val="1371740013"/>
       </p:ext>
     </p:extLst>
   </p:cSld>
@@ -13731,6 +13671,1634 @@
         <p:spPr>
           <a:xfrm>
             <a:off x="1253654" y="1952032"/>
+            <a:ext cx="9079954" cy="6186309"/>
+          </a:xfrm>
+          <a:prstGeom prst="rect">
+            <a:avLst/>
+          </a:prstGeom>
+          <a:noFill/>
+        </p:spPr>
+        <p:txBody>
+          <a:bodyPr wrap="square" rtlCol="0">
+            <a:spAutoFit/>
+          </a:bodyPr>
+          <a:lstStyle/>
+          <a:p>
+            <a:pPr lvl="1"/>
+            <a:endParaRPr lang="es-ES" sz="1200" dirty="0">
+              <a:latin typeface="Titillium Web" panose="00000500000000000000" pitchFamily="2" charset="0"/>
+              <a:sym typeface="Wingdings" panose="05000000000000000000" pitchFamily="2" charset="2"/>
+            </a:endParaRPr>
+          </a:p>
+          <a:p>
+            <a:pPr lvl="1"/>
+            <a:r>
+              <a:rPr lang="es-ES" sz="1200" dirty="0">
+                <a:latin typeface="Titillium Web" panose="00000500000000000000" pitchFamily="2" charset="0"/>
+                <a:sym typeface="Wingdings" panose="05000000000000000000" pitchFamily="2" charset="2"/>
+              </a:rPr>
+              <a:t>Aplicación 1: </a:t>
+            </a:r>
+            <a:r>
+              <a:rPr lang="es-ES" sz="1200" dirty="0" err="1">
+                <a:latin typeface="Titillium Web" panose="00000500000000000000" pitchFamily="2" charset="0"/>
+                <a:sym typeface="Wingdings" panose="05000000000000000000" pitchFamily="2" charset="2"/>
+              </a:rPr>
+              <a:t>DemoMVC</a:t>
+            </a:r>
+            <a:endParaRPr lang="es-ES" sz="1200" dirty="0">
+              <a:latin typeface="Titillium Web" panose="00000500000000000000" pitchFamily="2" charset="0"/>
+              <a:sym typeface="Wingdings" panose="05000000000000000000" pitchFamily="2" charset="2"/>
+            </a:endParaRPr>
+          </a:p>
+          <a:p>
+            <a:pPr lvl="1"/>
+            <a:endParaRPr lang="es-ES" sz="1200" dirty="0">
+              <a:latin typeface="Titillium Web" panose="00000500000000000000" pitchFamily="2" charset="0"/>
+              <a:sym typeface="Wingdings" panose="05000000000000000000" pitchFamily="2" charset="2"/>
+            </a:endParaRPr>
+          </a:p>
+          <a:p>
+            <a:pPr lvl="1"/>
+            <a:r>
+              <a:rPr lang="es-ES" sz="1200" dirty="0">
+                <a:latin typeface="Titillium Web" panose="00000500000000000000" pitchFamily="2" charset="0"/>
+                <a:sym typeface="Wingdings" panose="05000000000000000000" pitchFamily="2" charset="2"/>
+              </a:rPr>
+              <a:t>Creación del Controlador:</a:t>
+            </a:r>
+          </a:p>
+          <a:p>
+            <a:pPr lvl="1"/>
+            <a:endParaRPr lang="es-ES" sz="1200" dirty="0">
+              <a:latin typeface="Titillium Web" panose="00000500000000000000" pitchFamily="2" charset="0"/>
+              <a:sym typeface="Wingdings" panose="05000000000000000000" pitchFamily="2" charset="2"/>
+            </a:endParaRPr>
+          </a:p>
+          <a:p>
+            <a:pPr lvl="1"/>
+            <a:endParaRPr lang="es-ES" sz="1200" dirty="0">
+              <a:latin typeface="Titillium Web" panose="00000500000000000000" pitchFamily="2" charset="0"/>
+              <a:sym typeface="Wingdings" panose="05000000000000000000" pitchFamily="2" charset="2"/>
+            </a:endParaRPr>
+          </a:p>
+          <a:p>
+            <a:pPr lvl="1"/>
+            <a:r>
+              <a:rPr lang="es-ES" sz="1200" dirty="0">
+                <a:latin typeface="Titillium Web" panose="00000500000000000000" pitchFamily="2" charset="0"/>
+                <a:sym typeface="Wingdings" panose="05000000000000000000" pitchFamily="2" charset="2"/>
+              </a:rPr>
+              <a:t>Para crear el controlador, lo que realizaremos es trabajar en la vista que nos proporciona VSC. </a:t>
+            </a:r>
+          </a:p>
+          <a:p>
+            <a:pPr marL="628650" lvl="1" indent="-171450">
+              <a:buFont typeface="Arial" panose="020B0604020202020204" pitchFamily="34" charset="0"/>
+              <a:buChar char="•"/>
+            </a:pPr>
+            <a:endParaRPr lang="es-ES" sz="1200" dirty="0">
+              <a:latin typeface="Titillium Web" panose="00000500000000000000" pitchFamily="2" charset="0"/>
+              <a:sym typeface="Wingdings" panose="05000000000000000000" pitchFamily="2" charset="2"/>
+            </a:endParaRPr>
+          </a:p>
+          <a:p>
+            <a:pPr marL="628650" lvl="1" indent="-171450">
+              <a:buFont typeface="Arial" panose="020B0604020202020204" pitchFamily="34" charset="0"/>
+              <a:buChar char="•"/>
+            </a:pPr>
+            <a:r>
+              <a:rPr lang="es-ES" sz="1200" dirty="0">
+                <a:latin typeface="Titillium Web" panose="00000500000000000000" pitchFamily="2" charset="0"/>
+                <a:sym typeface="Wingdings" panose="05000000000000000000" pitchFamily="2" charset="2"/>
+              </a:rPr>
+              <a:t>Ahora creamos la vista: </a:t>
+            </a:r>
+            <a:r>
+              <a:rPr lang="es-ES" sz="1200" dirty="0" err="1">
+                <a:latin typeface="Titillium Web" panose="00000500000000000000" pitchFamily="2" charset="0"/>
+                <a:sym typeface="Wingdings" panose="05000000000000000000" pitchFamily="2" charset="2"/>
+              </a:rPr>
+              <a:t>Resources</a:t>
+            </a:r>
+            <a:r>
+              <a:rPr lang="es-ES" sz="1200" dirty="0">
+                <a:latin typeface="Titillium Web" panose="00000500000000000000" pitchFamily="2" charset="0"/>
+                <a:sym typeface="Wingdings" panose="05000000000000000000" pitchFamily="2" charset="2"/>
+              </a:rPr>
+              <a:t> </a:t>
+            </a:r>
+            <a:r>
+              <a:rPr lang="es-ES" sz="1200" dirty="0" err="1">
+                <a:latin typeface="Titillium Web" panose="00000500000000000000" pitchFamily="2" charset="0"/>
+                <a:sym typeface="Wingdings" panose="05000000000000000000" pitchFamily="2" charset="2"/>
+              </a:rPr>
+              <a:t>Template</a:t>
+            </a:r>
+            <a:r>
+              <a:rPr lang="es-ES" sz="1200" dirty="0">
+                <a:latin typeface="Titillium Web" panose="00000500000000000000" pitchFamily="2" charset="0"/>
+                <a:sym typeface="Wingdings" panose="05000000000000000000" pitchFamily="2" charset="2"/>
+              </a:rPr>
+              <a:t>( login.html)</a:t>
+            </a:r>
+          </a:p>
+          <a:p>
+            <a:pPr marL="628650" lvl="1" indent="-171450">
+              <a:buFont typeface="Arial" panose="020B0604020202020204" pitchFamily="34" charset="0"/>
+              <a:buChar char="•"/>
+            </a:pPr>
+            <a:r>
+              <a:rPr lang="es-ES" sz="1200" dirty="0">
+                <a:latin typeface="Titillium Web" panose="00000500000000000000" pitchFamily="2" charset="0"/>
+                <a:sym typeface="Wingdings" panose="05000000000000000000" pitchFamily="2" charset="2"/>
+              </a:rPr>
+              <a:t>Ahora  una vez que hemos creado nuestra vista similar a la parte superior. </a:t>
+            </a:r>
+          </a:p>
+          <a:p>
+            <a:pPr marL="628650" lvl="1" indent="-171450">
+              <a:buFont typeface="Arial" panose="020B0604020202020204" pitchFamily="34" charset="0"/>
+              <a:buChar char="•"/>
+            </a:pPr>
+            <a:r>
+              <a:rPr lang="es-ES" sz="1200" dirty="0">
+                <a:latin typeface="Titillium Web" panose="00000500000000000000" pitchFamily="2" charset="0"/>
+                <a:sym typeface="Wingdings" panose="05000000000000000000" pitchFamily="2" charset="2"/>
+              </a:rPr>
+              <a:t>Dos pasos:</a:t>
+            </a:r>
+          </a:p>
+          <a:p>
+            <a:pPr marL="1085850" lvl="2" indent="-171450">
+              <a:buFont typeface="Arial" panose="020B0604020202020204" pitchFamily="34" charset="0"/>
+              <a:buChar char="•"/>
+            </a:pPr>
+            <a:r>
+              <a:rPr lang="es-ES" sz="1200" dirty="0">
+                <a:latin typeface="Titillium Web" panose="00000500000000000000" pitchFamily="2" charset="0"/>
+                <a:sym typeface="Wingdings" panose="05000000000000000000" pitchFamily="2" charset="2"/>
+              </a:rPr>
+              <a:t>En nuestro controlador definir los datos de entrada de la vista.</a:t>
+            </a:r>
+          </a:p>
+          <a:p>
+            <a:pPr marL="1085850" lvl="2" indent="-171450">
+              <a:buFont typeface="Arial" panose="020B0604020202020204" pitchFamily="34" charset="0"/>
+              <a:buChar char="•"/>
+            </a:pPr>
+            <a:r>
+              <a:rPr lang="es-ES" sz="1200" dirty="0">
+                <a:latin typeface="Titillium Web" panose="00000500000000000000" pitchFamily="2" charset="0"/>
+                <a:sym typeface="Wingdings" panose="05000000000000000000" pitchFamily="2" charset="2"/>
+              </a:rPr>
+              <a:t>En nuestra vista definir la estructura </a:t>
+            </a:r>
+            <a:r>
+              <a:rPr lang="es-ES" sz="1200" dirty="0" err="1">
+                <a:latin typeface="Titillium Web" panose="00000500000000000000" pitchFamily="2" charset="0"/>
+                <a:sym typeface="Wingdings" panose="05000000000000000000" pitchFamily="2" charset="2"/>
+              </a:rPr>
+              <a:t>Thymeleaf</a:t>
+            </a:r>
+            <a:r>
+              <a:rPr lang="es-ES" sz="1200" dirty="0">
+                <a:latin typeface="Titillium Web" panose="00000500000000000000" pitchFamily="2" charset="0"/>
+                <a:sym typeface="Wingdings" panose="05000000000000000000" pitchFamily="2" charset="2"/>
+              </a:rPr>
+              <a:t> para poder recibir esos datos.</a:t>
+            </a:r>
+          </a:p>
+          <a:p>
+            <a:pPr marL="1085850" lvl="2" indent="-171450">
+              <a:buFont typeface="Arial" panose="020B0604020202020204" pitchFamily="34" charset="0"/>
+              <a:buChar char="•"/>
+            </a:pPr>
+            <a:r>
+              <a:rPr lang="es-ES" sz="1200" dirty="0">
+                <a:latin typeface="Titillium Web" panose="00000500000000000000" pitchFamily="2" charset="0"/>
+                <a:sym typeface="Wingdings" panose="05000000000000000000" pitchFamily="2" charset="2"/>
+              </a:rPr>
+              <a:t>@Controller: Utilizamos la clase </a:t>
+            </a:r>
+            <a:r>
+              <a:rPr lang="es-ES" sz="1200" dirty="0" err="1">
+                <a:latin typeface="Titillium Web" panose="00000500000000000000" pitchFamily="2" charset="0"/>
+                <a:sym typeface="Wingdings" panose="05000000000000000000" pitchFamily="2" charset="2"/>
+              </a:rPr>
+              <a:t>Model</a:t>
+            </a:r>
+            <a:r>
+              <a:rPr lang="es-ES" sz="1200" dirty="0">
+                <a:latin typeface="Titillium Web" panose="00000500000000000000" pitchFamily="2" charset="0"/>
+                <a:sym typeface="Wingdings" panose="05000000000000000000" pitchFamily="2" charset="2"/>
+              </a:rPr>
+              <a:t> para enviar los datos. Recuerden enviar los datos con un </a:t>
+            </a:r>
+            <a:r>
+              <a:rPr lang="es-ES" sz="1200" dirty="0" err="1">
+                <a:latin typeface="Titillium Web" panose="00000500000000000000" pitchFamily="2" charset="0"/>
+                <a:sym typeface="Wingdings" panose="05000000000000000000" pitchFamily="2" charset="2"/>
+              </a:rPr>
+              <a:t>String</a:t>
+            </a:r>
+            <a:r>
+              <a:rPr lang="es-ES" sz="1200" dirty="0">
+                <a:latin typeface="Titillium Web" panose="00000500000000000000" pitchFamily="2" charset="0"/>
+                <a:sym typeface="Wingdings" panose="05000000000000000000" pitchFamily="2" charset="2"/>
+              </a:rPr>
+              <a:t>, y en el </a:t>
+            </a:r>
+            <a:r>
+              <a:rPr lang="es-ES" sz="1200" dirty="0" err="1">
+                <a:latin typeface="Titillium Web" panose="00000500000000000000" pitchFamily="2" charset="0"/>
+                <a:sym typeface="Wingdings" panose="05000000000000000000" pitchFamily="2" charset="2"/>
+              </a:rPr>
+              <a:t>return</a:t>
+            </a:r>
+            <a:r>
+              <a:rPr lang="es-ES" sz="1200" dirty="0">
+                <a:latin typeface="Titillium Web" panose="00000500000000000000" pitchFamily="2" charset="0"/>
+                <a:sym typeface="Wingdings" panose="05000000000000000000" pitchFamily="2" charset="2"/>
+              </a:rPr>
+              <a:t> apuntar  a la página web recibirá los datos a partir del </a:t>
+            </a:r>
+            <a:r>
+              <a:rPr lang="es-ES" sz="1200" dirty="0" err="1">
+                <a:latin typeface="Titillium Web" panose="00000500000000000000" pitchFamily="2" charset="0"/>
+                <a:sym typeface="Wingdings" panose="05000000000000000000" pitchFamily="2" charset="2"/>
+              </a:rPr>
+              <a:t>Model</a:t>
+            </a:r>
+            <a:r>
+              <a:rPr lang="es-ES" sz="1200" dirty="0">
+                <a:latin typeface="Titillium Web" panose="00000500000000000000" pitchFamily="2" charset="0"/>
+                <a:sym typeface="Wingdings" panose="05000000000000000000" pitchFamily="2" charset="2"/>
+              </a:rPr>
+              <a:t>.</a:t>
+            </a:r>
+          </a:p>
+          <a:p>
+            <a:pPr lvl="3"/>
+            <a:endParaRPr lang="es-ES" sz="1200" dirty="0">
+              <a:latin typeface="Titillium Web" panose="00000500000000000000" pitchFamily="2" charset="0"/>
+              <a:sym typeface="Wingdings" panose="05000000000000000000" pitchFamily="2" charset="2"/>
+            </a:endParaRPr>
+          </a:p>
+          <a:p>
+            <a:pPr lvl="3"/>
+            <a:endParaRPr lang="es-ES" sz="1200" dirty="0">
+              <a:latin typeface="Titillium Web" panose="00000500000000000000" pitchFamily="2" charset="0"/>
+              <a:sym typeface="Wingdings" panose="05000000000000000000" pitchFamily="2" charset="2"/>
+            </a:endParaRPr>
+          </a:p>
+          <a:p>
+            <a:pPr lvl="3"/>
+            <a:endParaRPr lang="es-ES" sz="1200" dirty="0">
+              <a:latin typeface="Titillium Web" panose="00000500000000000000" pitchFamily="2" charset="0"/>
+              <a:sym typeface="Wingdings" panose="05000000000000000000" pitchFamily="2" charset="2"/>
+            </a:endParaRPr>
+          </a:p>
+          <a:p>
+            <a:pPr marL="1543050" lvl="3" indent="-171450">
+              <a:buFont typeface="Arial" panose="020B0604020202020204" pitchFamily="34" charset="0"/>
+              <a:buChar char="•"/>
+            </a:pPr>
+            <a:endParaRPr lang="es-ES" sz="1200" dirty="0">
+              <a:latin typeface="Titillium Web" panose="00000500000000000000" pitchFamily="2" charset="0"/>
+              <a:sym typeface="Wingdings" panose="05000000000000000000" pitchFamily="2" charset="2"/>
+            </a:endParaRPr>
+          </a:p>
+          <a:p>
+            <a:pPr marL="1543050" lvl="3" indent="-171450">
+              <a:buFont typeface="Arial" panose="020B0604020202020204" pitchFamily="34" charset="0"/>
+              <a:buChar char="•"/>
+            </a:pPr>
+            <a:endParaRPr lang="es-ES" sz="1200" dirty="0">
+              <a:latin typeface="Titillium Web" panose="00000500000000000000" pitchFamily="2" charset="0"/>
+              <a:sym typeface="Wingdings" panose="05000000000000000000" pitchFamily="2" charset="2"/>
+            </a:endParaRPr>
+          </a:p>
+          <a:p>
+            <a:pPr lvl="3"/>
+            <a:endParaRPr lang="es-ES" sz="1200" dirty="0">
+              <a:latin typeface="Titillium Web" panose="00000500000000000000" pitchFamily="2" charset="0"/>
+              <a:sym typeface="Wingdings" panose="05000000000000000000" pitchFamily="2" charset="2"/>
+            </a:endParaRPr>
+          </a:p>
+          <a:p>
+            <a:pPr lvl="3"/>
+            <a:endParaRPr lang="es-ES" sz="1200" dirty="0">
+              <a:latin typeface="Titillium Web" panose="00000500000000000000" pitchFamily="2" charset="0"/>
+              <a:sym typeface="Wingdings" panose="05000000000000000000" pitchFamily="2" charset="2"/>
+            </a:endParaRPr>
+          </a:p>
+          <a:p>
+            <a:pPr lvl="3"/>
+            <a:endParaRPr lang="es-ES" sz="1200" dirty="0">
+              <a:latin typeface="Titillium Web" panose="00000500000000000000" pitchFamily="2" charset="0"/>
+              <a:sym typeface="Wingdings" panose="05000000000000000000" pitchFamily="2" charset="2"/>
+            </a:endParaRPr>
+          </a:p>
+          <a:p>
+            <a:pPr marL="1085850" lvl="2" indent="-171450">
+              <a:buFont typeface="Arial" panose="020B0604020202020204" pitchFamily="34" charset="0"/>
+              <a:buChar char="•"/>
+            </a:pPr>
+            <a:endParaRPr lang="es-ES" sz="1200" dirty="0">
+              <a:latin typeface="Titillium Web" panose="00000500000000000000" pitchFamily="2" charset="0"/>
+              <a:sym typeface="Wingdings" panose="05000000000000000000" pitchFamily="2" charset="2"/>
+            </a:endParaRPr>
+          </a:p>
+          <a:p>
+            <a:pPr marL="628650" lvl="1" indent="-171450">
+              <a:buFont typeface="Arial" panose="020B0604020202020204" pitchFamily="34" charset="0"/>
+              <a:buChar char="•"/>
+            </a:pPr>
+            <a:endParaRPr lang="es-ES" sz="1200" dirty="0">
+              <a:latin typeface="Titillium Web" panose="00000500000000000000" pitchFamily="2" charset="0"/>
+              <a:sym typeface="Wingdings" panose="05000000000000000000" pitchFamily="2" charset="2"/>
+            </a:endParaRPr>
+          </a:p>
+          <a:p>
+            <a:pPr lvl="1"/>
+            <a:endParaRPr lang="es-ES" sz="1200" dirty="0">
+              <a:latin typeface="Titillium Web" panose="00000500000000000000" pitchFamily="2" charset="0"/>
+              <a:sym typeface="Wingdings" panose="05000000000000000000" pitchFamily="2" charset="2"/>
+            </a:endParaRPr>
+          </a:p>
+          <a:p>
+            <a:pPr lvl="1"/>
+            <a:endParaRPr lang="es-ES" sz="1200" dirty="0">
+              <a:latin typeface="Titillium Web" panose="00000500000000000000" pitchFamily="2" charset="0"/>
+              <a:sym typeface="Wingdings" panose="05000000000000000000" pitchFamily="2" charset="2"/>
+            </a:endParaRPr>
+          </a:p>
+          <a:p>
+            <a:pPr marL="1085850" lvl="2" indent="-171450">
+              <a:buFont typeface="Arial" panose="020B0604020202020204" pitchFamily="34" charset="0"/>
+              <a:buChar char="•"/>
+            </a:pPr>
+            <a:endParaRPr lang="es-ES" sz="1200" dirty="0">
+              <a:latin typeface="Titillium Web" panose="00000500000000000000" pitchFamily="2" charset="0"/>
+              <a:sym typeface="Wingdings" panose="05000000000000000000" pitchFamily="2" charset="2"/>
+            </a:endParaRPr>
+          </a:p>
+          <a:p>
+            <a:pPr marL="1085850" lvl="2" indent="-171450">
+              <a:buFont typeface="Arial" panose="020B0604020202020204" pitchFamily="34" charset="0"/>
+              <a:buChar char="•"/>
+            </a:pPr>
+            <a:endParaRPr lang="es-ES" sz="1200" dirty="0">
+              <a:solidFill>
+                <a:schemeClr val="accent4">
+                  <a:lumMod val="60000"/>
+                  <a:lumOff val="40000"/>
+                </a:schemeClr>
+              </a:solidFill>
+            </a:endParaRPr>
+          </a:p>
+          <a:p>
+            <a:pPr lvl="1"/>
+            <a:br>
+              <a:rPr lang="es-ES" sz="1200" dirty="0">
+                <a:solidFill>
+                  <a:schemeClr val="accent4">
+                    <a:lumMod val="60000"/>
+                    <a:lumOff val="40000"/>
+                  </a:schemeClr>
+                </a:solidFill>
+              </a:rPr>
+            </a:br>
+            <a:endParaRPr lang="es-ES" sz="1200" dirty="0">
+              <a:solidFill>
+                <a:schemeClr val="accent4">
+                  <a:lumMod val="60000"/>
+                  <a:lumOff val="40000"/>
+                </a:schemeClr>
+              </a:solidFill>
+            </a:endParaRPr>
+          </a:p>
+          <a:p>
+            <a:pPr lvl="1"/>
+            <a:endParaRPr lang="es-ES" sz="1200" dirty="0">
+              <a:solidFill>
+                <a:schemeClr val="accent1">
+                  <a:lumMod val="40000"/>
+                  <a:lumOff val="60000"/>
+                </a:schemeClr>
+              </a:solidFill>
+              <a:latin typeface="Titillium Web" panose="00000500000000000000" pitchFamily="2" charset="0"/>
+            </a:endParaRPr>
+          </a:p>
+          <a:p>
+            <a:pPr lvl="1"/>
+            <a:endParaRPr lang="es-ES" sz="1200" b="0" i="0" dirty="0">
+              <a:solidFill>
+                <a:schemeClr val="accent4">
+                  <a:lumMod val="60000"/>
+                  <a:lumOff val="40000"/>
+                </a:schemeClr>
+              </a:solidFill>
+              <a:effectLst/>
+              <a:latin typeface="Titillium Web" panose="00000500000000000000" pitchFamily="2" charset="0"/>
+            </a:endParaRPr>
+          </a:p>
+        </p:txBody>
+      </p:sp>
+      <p:pic>
+        <p:nvPicPr>
+          <p:cNvPr id="7" name="Imagen 6">
+            <a:extLst>
+              <a:ext uri="{FF2B5EF4-FFF2-40B4-BE49-F238E27FC236}">
+                <a16:creationId xmlns:a16="http://schemas.microsoft.com/office/drawing/2014/main" id="{CC9A87DA-5CCC-E5DD-DDBC-15DCCD207956}"/>
+              </a:ext>
+            </a:extLst>
+          </p:cNvPr>
+          <p:cNvPicPr>
+            <a:picLocks noChangeAspect="1"/>
+          </p:cNvPicPr>
+          <p:nvPr/>
+        </p:nvPicPr>
+        <p:blipFill>
+          <a:blip r:embed="rId5"/>
+          <a:stretch>
+            <a:fillRect/>
+          </a:stretch>
+        </p:blipFill>
+        <p:spPr>
+          <a:xfrm>
+            <a:off x="5699341" y="453239"/>
+            <a:ext cx="3337929" cy="738882"/>
+          </a:xfrm>
+          <a:prstGeom prst="rect">
+            <a:avLst/>
+          </a:prstGeom>
+        </p:spPr>
+      </p:pic>
+      <p:pic>
+        <p:nvPicPr>
+          <p:cNvPr id="11" name="Imagen 10">
+            <a:extLst>
+              <a:ext uri="{FF2B5EF4-FFF2-40B4-BE49-F238E27FC236}">
+                <a16:creationId xmlns:a16="http://schemas.microsoft.com/office/drawing/2014/main" id="{2A350083-9A8D-EE7B-10A9-B226E32898E9}"/>
+              </a:ext>
+            </a:extLst>
+          </p:cNvPr>
+          <p:cNvPicPr>
+            <a:picLocks noChangeAspect="1"/>
+          </p:cNvPicPr>
+          <p:nvPr/>
+        </p:nvPicPr>
+        <p:blipFill>
+          <a:blip r:embed="rId6"/>
+          <a:stretch>
+            <a:fillRect/>
+          </a:stretch>
+        </p:blipFill>
+        <p:spPr>
+          <a:xfrm>
+            <a:off x="3669669" y="4777480"/>
+            <a:ext cx="3825528" cy="1704010"/>
+          </a:xfrm>
+          <a:prstGeom prst="rect">
+            <a:avLst/>
+          </a:prstGeom>
+        </p:spPr>
+      </p:pic>
+    </p:spTree>
+    <p:extLst>
+      <p:ext uri="{BB962C8B-B14F-4D97-AF65-F5344CB8AC3E}">
+        <p14:creationId xmlns:p14="http://schemas.microsoft.com/office/powerpoint/2010/main" val="4001750378"/>
+      </p:ext>
+    </p:extLst>
+  </p:cSld>
+  <p:clrMapOvr>
+    <a:masterClrMapping/>
+  </p:clrMapOvr>
+</p:sld>
+</file>
+
+<file path=ppt/slides/slide18.xml><?xml version="1.0" encoding="utf-8"?>
+<p:sld xmlns:a="http://schemas.openxmlformats.org/drawingml/2006/main" xmlns:r="http://schemas.openxmlformats.org/officeDocument/2006/relationships" xmlns:p="http://schemas.openxmlformats.org/presentationml/2006/main">
+  <p:cSld>
+    <p:spTree>
+      <p:nvGrpSpPr>
+        <p:cNvPr id="1" name=""/>
+        <p:cNvGrpSpPr/>
+        <p:nvPr/>
+      </p:nvGrpSpPr>
+      <p:grpSpPr>
+        <a:xfrm>
+          <a:off x="0" y="0"/>
+          <a:ext cx="0" cy="0"/>
+          <a:chOff x="0" y="0"/>
+          <a:chExt cx="0" cy="0"/>
+        </a:xfrm>
+      </p:grpSpPr>
+      <p:pic>
+        <p:nvPicPr>
+          <p:cNvPr id="1032" name="Picture 8" descr="Nuestro Equipo">
+            <a:extLst>
+              <a:ext uri="{FF2B5EF4-FFF2-40B4-BE49-F238E27FC236}">
+                <a16:creationId xmlns:a16="http://schemas.microsoft.com/office/drawing/2014/main" id="{9948F5C4-A11B-BB63-E587-6CEB747BDDEB}"/>
+              </a:ext>
+            </a:extLst>
+          </p:cNvPr>
+          <p:cNvPicPr>
+            <a:picLocks noChangeAspect="1" noChangeArrowheads="1"/>
+          </p:cNvPicPr>
+          <p:nvPr/>
+        </p:nvPicPr>
+        <p:blipFill>
+          <a:blip r:embed="rId3">
+            <a:extLst>
+              <a:ext uri="{28A0092B-C50C-407E-A947-70E740481C1C}">
+                <a14:useLocalDpi xmlns:a14="http://schemas.microsoft.com/office/drawing/2010/main" val="0"/>
+              </a:ext>
+            </a:extLst>
+          </a:blip>
+          <a:srcRect/>
+          <a:stretch>
+            <a:fillRect/>
+          </a:stretch>
+        </p:blipFill>
+        <p:spPr bwMode="auto">
+          <a:xfrm>
+            <a:off x="11003858" y="6068461"/>
+            <a:ext cx="675692" cy="675692"/>
+          </a:xfrm>
+          <a:prstGeom prst="rect">
+            <a:avLst/>
+          </a:prstGeom>
+          <a:noFill/>
+          <a:extLst>
+            <a:ext uri="{909E8E84-426E-40DD-AFC4-6F175D3DCCD1}">
+              <a14:hiddenFill xmlns:a14="http://schemas.microsoft.com/office/drawing/2010/main">
+                <a:solidFill>
+                  <a:srgbClr val="FFFFFF"/>
+                </a:solidFill>
+              </a14:hiddenFill>
+            </a:ext>
+          </a:extLst>
+        </p:spPr>
+      </p:pic>
+      <p:sp>
+        <p:nvSpPr>
+          <p:cNvPr id="3" name="CuadroTexto 2">
+            <a:extLst>
+              <a:ext uri="{FF2B5EF4-FFF2-40B4-BE49-F238E27FC236}">
+                <a16:creationId xmlns:a16="http://schemas.microsoft.com/office/drawing/2014/main" id="{D1FA320B-398B-F9F1-38EA-BAF5DD083F19}"/>
+              </a:ext>
+            </a:extLst>
+          </p:cNvPr>
+          <p:cNvSpPr txBox="1"/>
+          <p:nvPr/>
+        </p:nvSpPr>
+        <p:spPr>
+          <a:xfrm>
+            <a:off x="1253654" y="935650"/>
+            <a:ext cx="9079954" cy="2031325"/>
+          </a:xfrm>
+          <a:prstGeom prst="rect">
+            <a:avLst/>
+          </a:prstGeom>
+          <a:noFill/>
+        </p:spPr>
+        <p:txBody>
+          <a:bodyPr wrap="square" rtlCol="0">
+            <a:spAutoFit/>
+          </a:bodyPr>
+          <a:lstStyle/>
+          <a:p>
+            <a:r>
+              <a:rPr lang="es-ES" dirty="0"/>
+              <a:t>SPRING FRAMEWORK</a:t>
+            </a:r>
+          </a:p>
+          <a:p>
+            <a:pPr lvl="1"/>
+            <a:endParaRPr lang="es-ES" sz="1200" dirty="0">
+              <a:solidFill>
+                <a:srgbClr val="FF0000"/>
+              </a:solidFill>
+              <a:latin typeface="Titillium Web" panose="00000500000000000000" pitchFamily="2" charset="0"/>
+            </a:endParaRPr>
+          </a:p>
+          <a:p>
+            <a:pPr lvl="1"/>
+            <a:endParaRPr lang="es-ES" sz="1200" dirty="0">
+              <a:solidFill>
+                <a:schemeClr val="accent4">
+                  <a:lumMod val="60000"/>
+                  <a:lumOff val="40000"/>
+                </a:schemeClr>
+              </a:solidFill>
+              <a:latin typeface="Titillium Web" panose="00000500000000000000" pitchFamily="2" charset="0"/>
+            </a:endParaRPr>
+          </a:p>
+          <a:p>
+            <a:pPr lvl="1"/>
+            <a:r>
+              <a:rPr lang="es-ES" sz="1200" dirty="0">
+                <a:solidFill>
+                  <a:schemeClr val="accent4">
+                    <a:lumMod val="60000"/>
+                    <a:lumOff val="40000"/>
+                  </a:schemeClr>
+                </a:solidFill>
+                <a:latin typeface="Titillium Web" panose="00000500000000000000" pitchFamily="2" charset="0"/>
+              </a:rPr>
+              <a:t>SPRING MVC</a:t>
+            </a:r>
+          </a:p>
+          <a:p>
+            <a:pPr lvl="1"/>
+            <a:endParaRPr lang="es-ES" sz="1200" dirty="0">
+              <a:solidFill>
+                <a:schemeClr val="accent4">
+                  <a:lumMod val="60000"/>
+                  <a:lumOff val="40000"/>
+                </a:schemeClr>
+              </a:solidFill>
+              <a:latin typeface="Titillium Web" panose="00000500000000000000" pitchFamily="2" charset="0"/>
+            </a:endParaRPr>
+          </a:p>
+          <a:p>
+            <a:pPr lvl="1"/>
+            <a:endParaRPr lang="es-ES" sz="1200" dirty="0">
+              <a:solidFill>
+                <a:schemeClr val="accent4">
+                  <a:lumMod val="60000"/>
+                  <a:lumOff val="40000"/>
+                </a:schemeClr>
+              </a:solidFill>
+            </a:endParaRPr>
+          </a:p>
+          <a:p>
+            <a:pPr lvl="1"/>
+            <a:br>
+              <a:rPr lang="es-ES" sz="1200" dirty="0">
+                <a:solidFill>
+                  <a:schemeClr val="accent4">
+                    <a:lumMod val="60000"/>
+                    <a:lumOff val="40000"/>
+                  </a:schemeClr>
+                </a:solidFill>
+              </a:rPr>
+            </a:br>
+            <a:endParaRPr lang="es-ES" sz="1200" dirty="0">
+              <a:solidFill>
+                <a:schemeClr val="accent4">
+                  <a:lumMod val="60000"/>
+                  <a:lumOff val="40000"/>
+                </a:schemeClr>
+              </a:solidFill>
+            </a:endParaRPr>
+          </a:p>
+          <a:p>
+            <a:pPr lvl="1"/>
+            <a:endParaRPr lang="es-ES" sz="1200" dirty="0">
+              <a:solidFill>
+                <a:schemeClr val="accent1">
+                  <a:lumMod val="40000"/>
+                  <a:lumOff val="60000"/>
+                </a:schemeClr>
+              </a:solidFill>
+              <a:latin typeface="Titillium Web" panose="00000500000000000000" pitchFamily="2" charset="0"/>
+            </a:endParaRPr>
+          </a:p>
+          <a:p>
+            <a:pPr lvl="1"/>
+            <a:endParaRPr lang="es-ES" sz="1200" b="0" i="0" dirty="0">
+              <a:solidFill>
+                <a:schemeClr val="accent4">
+                  <a:lumMod val="60000"/>
+                  <a:lumOff val="40000"/>
+                </a:schemeClr>
+              </a:solidFill>
+              <a:effectLst/>
+              <a:latin typeface="Titillium Web" panose="00000500000000000000" pitchFamily="2" charset="0"/>
+            </a:endParaRPr>
+          </a:p>
+        </p:txBody>
+      </p:sp>
+      <p:pic>
+        <p:nvPicPr>
+          <p:cNvPr id="5" name="Picture 2" descr="Spring | Home">
+            <a:extLst>
+              <a:ext uri="{FF2B5EF4-FFF2-40B4-BE49-F238E27FC236}">
+                <a16:creationId xmlns:a16="http://schemas.microsoft.com/office/drawing/2014/main" id="{6CBE6F06-F98A-B85B-B6AA-917CBDD1C2C3}"/>
+              </a:ext>
+            </a:extLst>
+          </p:cNvPr>
+          <p:cNvPicPr>
+            <a:picLocks noChangeAspect="1" noChangeArrowheads="1"/>
+          </p:cNvPicPr>
+          <p:nvPr/>
+        </p:nvPicPr>
+        <p:blipFill>
+          <a:blip r:embed="rId4">
+            <a:extLst>
+              <a:ext uri="{28A0092B-C50C-407E-A947-70E740481C1C}">
+                <a14:useLocalDpi xmlns:a14="http://schemas.microsoft.com/office/drawing/2010/main" val="0"/>
+              </a:ext>
+            </a:extLst>
+          </a:blip>
+          <a:srcRect/>
+          <a:stretch>
+            <a:fillRect/>
+          </a:stretch>
+        </p:blipFill>
+        <p:spPr bwMode="auto">
+          <a:xfrm>
+            <a:off x="10666011" y="5262959"/>
+            <a:ext cx="1351386" cy="675693"/>
+          </a:xfrm>
+          <a:prstGeom prst="rect">
+            <a:avLst/>
+          </a:prstGeom>
+          <a:noFill/>
+          <a:extLst>
+            <a:ext uri="{909E8E84-426E-40DD-AFC4-6F175D3DCCD1}">
+              <a14:hiddenFill xmlns:a14="http://schemas.microsoft.com/office/drawing/2010/main">
+                <a:solidFill>
+                  <a:srgbClr val="FFFFFF"/>
+                </a:solidFill>
+              </a14:hiddenFill>
+            </a:ext>
+          </a:extLst>
+        </p:spPr>
+      </p:pic>
+      <p:sp>
+        <p:nvSpPr>
+          <p:cNvPr id="2" name="CuadroTexto 1">
+            <a:extLst>
+              <a:ext uri="{FF2B5EF4-FFF2-40B4-BE49-F238E27FC236}">
+                <a16:creationId xmlns:a16="http://schemas.microsoft.com/office/drawing/2014/main" id="{477BDFD5-86BF-359C-0E77-061F61200E12}"/>
+              </a:ext>
+            </a:extLst>
+          </p:cNvPr>
+          <p:cNvSpPr txBox="1"/>
+          <p:nvPr/>
+        </p:nvSpPr>
+        <p:spPr>
+          <a:xfrm>
+            <a:off x="1253654" y="1952032"/>
+            <a:ext cx="9079954" cy="7478970"/>
+          </a:xfrm>
+          <a:prstGeom prst="rect">
+            <a:avLst/>
+          </a:prstGeom>
+          <a:noFill/>
+        </p:spPr>
+        <p:txBody>
+          <a:bodyPr wrap="square" rtlCol="0">
+            <a:spAutoFit/>
+          </a:bodyPr>
+          <a:lstStyle/>
+          <a:p>
+            <a:pPr lvl="1"/>
+            <a:endParaRPr lang="es-ES" sz="1200" dirty="0">
+              <a:latin typeface="Titillium Web" panose="00000500000000000000" pitchFamily="2" charset="0"/>
+              <a:sym typeface="Wingdings" panose="05000000000000000000" pitchFamily="2" charset="2"/>
+            </a:endParaRPr>
+          </a:p>
+          <a:p>
+            <a:pPr lvl="1"/>
+            <a:r>
+              <a:rPr lang="es-ES" sz="1200" dirty="0">
+                <a:latin typeface="Titillium Web" panose="00000500000000000000" pitchFamily="2" charset="0"/>
+                <a:sym typeface="Wingdings" panose="05000000000000000000" pitchFamily="2" charset="2"/>
+              </a:rPr>
+              <a:t>Aplicación 1: </a:t>
+            </a:r>
+            <a:r>
+              <a:rPr lang="es-ES" sz="1200" dirty="0" err="1">
+                <a:latin typeface="Titillium Web" panose="00000500000000000000" pitchFamily="2" charset="0"/>
+                <a:sym typeface="Wingdings" panose="05000000000000000000" pitchFamily="2" charset="2"/>
+              </a:rPr>
+              <a:t>DemoMVC</a:t>
+            </a:r>
+            <a:endParaRPr lang="es-ES" sz="1200" dirty="0">
+              <a:latin typeface="Titillium Web" panose="00000500000000000000" pitchFamily="2" charset="0"/>
+              <a:sym typeface="Wingdings" panose="05000000000000000000" pitchFamily="2" charset="2"/>
+            </a:endParaRPr>
+          </a:p>
+          <a:p>
+            <a:pPr lvl="1"/>
+            <a:endParaRPr lang="es-ES" sz="1200" dirty="0">
+              <a:latin typeface="Titillium Web" panose="00000500000000000000" pitchFamily="2" charset="0"/>
+              <a:sym typeface="Wingdings" panose="05000000000000000000" pitchFamily="2" charset="2"/>
+            </a:endParaRPr>
+          </a:p>
+          <a:p>
+            <a:pPr lvl="1"/>
+            <a:r>
+              <a:rPr lang="es-ES" sz="1200" dirty="0">
+                <a:latin typeface="Titillium Web" panose="00000500000000000000" pitchFamily="2" charset="0"/>
+                <a:sym typeface="Wingdings" panose="05000000000000000000" pitchFamily="2" charset="2"/>
+              </a:rPr>
+              <a:t>Creación del Controlador:</a:t>
+            </a:r>
+          </a:p>
+          <a:p>
+            <a:pPr lvl="1"/>
+            <a:endParaRPr lang="es-ES" sz="1200" dirty="0">
+              <a:latin typeface="Titillium Web" panose="00000500000000000000" pitchFamily="2" charset="0"/>
+              <a:sym typeface="Wingdings" panose="05000000000000000000" pitchFamily="2" charset="2"/>
+            </a:endParaRPr>
+          </a:p>
+          <a:p>
+            <a:pPr lvl="1"/>
+            <a:endParaRPr lang="es-ES" sz="1200" dirty="0">
+              <a:latin typeface="Titillium Web" panose="00000500000000000000" pitchFamily="2" charset="0"/>
+              <a:sym typeface="Wingdings" panose="05000000000000000000" pitchFamily="2" charset="2"/>
+            </a:endParaRPr>
+          </a:p>
+          <a:p>
+            <a:pPr lvl="1"/>
+            <a:r>
+              <a:rPr lang="es-ES" sz="1200" dirty="0">
+                <a:latin typeface="Titillium Web" panose="00000500000000000000" pitchFamily="2" charset="0"/>
+                <a:sym typeface="Wingdings" panose="05000000000000000000" pitchFamily="2" charset="2"/>
+              </a:rPr>
+              <a:t>Para crear el controlador, lo que realizaremos es trabajar en la vista que nos proporciona VSC. </a:t>
+            </a:r>
+          </a:p>
+          <a:p>
+            <a:pPr marL="628650" lvl="1" indent="-171450">
+              <a:buFont typeface="Arial" panose="020B0604020202020204" pitchFamily="34" charset="0"/>
+              <a:buChar char="•"/>
+            </a:pPr>
+            <a:endParaRPr lang="es-ES" sz="1200" dirty="0">
+              <a:latin typeface="Titillium Web" panose="00000500000000000000" pitchFamily="2" charset="0"/>
+              <a:sym typeface="Wingdings" panose="05000000000000000000" pitchFamily="2" charset="2"/>
+            </a:endParaRPr>
+          </a:p>
+          <a:p>
+            <a:pPr marL="628650" lvl="1" indent="-171450">
+              <a:buFont typeface="Arial" panose="020B0604020202020204" pitchFamily="34" charset="0"/>
+              <a:buChar char="•"/>
+            </a:pPr>
+            <a:r>
+              <a:rPr lang="es-ES" sz="1200" dirty="0">
+                <a:latin typeface="Titillium Web" panose="00000500000000000000" pitchFamily="2" charset="0"/>
+                <a:sym typeface="Wingdings" panose="05000000000000000000" pitchFamily="2" charset="2"/>
+              </a:rPr>
+              <a:t>Ahora creamos la vista: </a:t>
+            </a:r>
+            <a:r>
+              <a:rPr lang="es-ES" sz="1200" dirty="0" err="1">
+                <a:latin typeface="Titillium Web" panose="00000500000000000000" pitchFamily="2" charset="0"/>
+                <a:sym typeface="Wingdings" panose="05000000000000000000" pitchFamily="2" charset="2"/>
+              </a:rPr>
+              <a:t>Resources</a:t>
+            </a:r>
+            <a:r>
+              <a:rPr lang="es-ES" sz="1200" dirty="0">
+                <a:latin typeface="Titillium Web" panose="00000500000000000000" pitchFamily="2" charset="0"/>
+                <a:sym typeface="Wingdings" panose="05000000000000000000" pitchFamily="2" charset="2"/>
+              </a:rPr>
+              <a:t> </a:t>
+            </a:r>
+            <a:r>
+              <a:rPr lang="es-ES" sz="1200" dirty="0" err="1">
+                <a:latin typeface="Titillium Web" panose="00000500000000000000" pitchFamily="2" charset="0"/>
+                <a:sym typeface="Wingdings" panose="05000000000000000000" pitchFamily="2" charset="2"/>
+              </a:rPr>
+              <a:t>Template</a:t>
+            </a:r>
+            <a:r>
+              <a:rPr lang="es-ES" sz="1200" dirty="0">
+                <a:latin typeface="Titillium Web" panose="00000500000000000000" pitchFamily="2" charset="0"/>
+                <a:sym typeface="Wingdings" panose="05000000000000000000" pitchFamily="2" charset="2"/>
+              </a:rPr>
+              <a:t>( login.html)</a:t>
+            </a:r>
+          </a:p>
+          <a:p>
+            <a:pPr marL="628650" lvl="1" indent="-171450">
+              <a:buFont typeface="Arial" panose="020B0604020202020204" pitchFamily="34" charset="0"/>
+              <a:buChar char="•"/>
+            </a:pPr>
+            <a:r>
+              <a:rPr lang="es-ES" sz="1200" dirty="0">
+                <a:latin typeface="Titillium Web" panose="00000500000000000000" pitchFamily="2" charset="0"/>
+                <a:sym typeface="Wingdings" panose="05000000000000000000" pitchFamily="2" charset="2"/>
+              </a:rPr>
+              <a:t>Ahora  una vez que hemos creado nuestra vista similar a la parte superior. </a:t>
+            </a:r>
+          </a:p>
+          <a:p>
+            <a:pPr marL="628650" lvl="1" indent="-171450">
+              <a:buFont typeface="Arial" panose="020B0604020202020204" pitchFamily="34" charset="0"/>
+              <a:buChar char="•"/>
+            </a:pPr>
+            <a:r>
+              <a:rPr lang="es-ES" sz="1200" dirty="0">
+                <a:latin typeface="Titillium Web" panose="00000500000000000000" pitchFamily="2" charset="0"/>
+                <a:sym typeface="Wingdings" panose="05000000000000000000" pitchFamily="2" charset="2"/>
+              </a:rPr>
+              <a:t>Dos pasos:</a:t>
+            </a:r>
+          </a:p>
+          <a:p>
+            <a:pPr marL="1085850" lvl="2" indent="-171450">
+              <a:buFont typeface="Arial" panose="020B0604020202020204" pitchFamily="34" charset="0"/>
+              <a:buChar char="•"/>
+            </a:pPr>
+            <a:r>
+              <a:rPr lang="es-ES" sz="1200" dirty="0">
+                <a:latin typeface="Titillium Web" panose="00000500000000000000" pitchFamily="2" charset="0"/>
+                <a:sym typeface="Wingdings" panose="05000000000000000000" pitchFamily="2" charset="2"/>
+              </a:rPr>
+              <a:t>En nuestro controlador definir los datos de entrada de la vista.</a:t>
+            </a:r>
+          </a:p>
+          <a:p>
+            <a:pPr marL="1085850" lvl="2" indent="-171450">
+              <a:buFont typeface="Arial" panose="020B0604020202020204" pitchFamily="34" charset="0"/>
+              <a:buChar char="•"/>
+            </a:pPr>
+            <a:endParaRPr lang="es-ES" sz="1200" dirty="0">
+              <a:latin typeface="Titillium Web" panose="00000500000000000000" pitchFamily="2" charset="0"/>
+              <a:sym typeface="Wingdings" panose="05000000000000000000" pitchFamily="2" charset="2"/>
+            </a:endParaRPr>
+          </a:p>
+          <a:p>
+            <a:pPr marL="1085850" lvl="2" indent="-171450">
+              <a:buFont typeface="Arial" panose="020B0604020202020204" pitchFamily="34" charset="0"/>
+              <a:buChar char="•"/>
+            </a:pPr>
+            <a:r>
+              <a:rPr lang="es-ES" sz="1200" dirty="0">
+                <a:latin typeface="Titillium Web" panose="00000500000000000000" pitchFamily="2" charset="0"/>
+                <a:sym typeface="Wingdings" panose="05000000000000000000" pitchFamily="2" charset="2"/>
+              </a:rPr>
+              <a:t>En nuestra vista definir la estructura </a:t>
+            </a:r>
+            <a:r>
+              <a:rPr lang="es-ES" sz="1200" dirty="0" err="1">
+                <a:latin typeface="Titillium Web" panose="00000500000000000000" pitchFamily="2" charset="0"/>
+                <a:sym typeface="Wingdings" panose="05000000000000000000" pitchFamily="2" charset="2"/>
+              </a:rPr>
+              <a:t>Thymeleaf</a:t>
+            </a:r>
+            <a:r>
+              <a:rPr lang="es-ES" sz="1200" dirty="0">
+                <a:latin typeface="Titillium Web" panose="00000500000000000000" pitchFamily="2" charset="0"/>
+                <a:sym typeface="Wingdings" panose="05000000000000000000" pitchFamily="2" charset="2"/>
+              </a:rPr>
+              <a:t> para poder recibir esos datos.</a:t>
+            </a:r>
+          </a:p>
+          <a:p>
+            <a:pPr marL="1085850" lvl="2" indent="-171450">
+              <a:buFont typeface="Arial" panose="020B0604020202020204" pitchFamily="34" charset="0"/>
+              <a:buChar char="•"/>
+            </a:pPr>
+            <a:endParaRPr lang="es-ES" sz="1200" dirty="0">
+              <a:latin typeface="Titillium Web" panose="00000500000000000000" pitchFamily="2" charset="0"/>
+              <a:sym typeface="Wingdings" panose="05000000000000000000" pitchFamily="2" charset="2"/>
+            </a:endParaRPr>
+          </a:p>
+          <a:p>
+            <a:pPr marL="1085850" lvl="2" indent="-171450">
+              <a:buFont typeface="Arial" panose="020B0604020202020204" pitchFamily="34" charset="0"/>
+              <a:buChar char="•"/>
+            </a:pPr>
+            <a:r>
+              <a:rPr lang="es-ES" sz="1200" dirty="0">
+                <a:latin typeface="Titillium Web" panose="00000500000000000000" pitchFamily="2" charset="0"/>
+                <a:sym typeface="Wingdings" panose="05000000000000000000" pitchFamily="2" charset="2"/>
+              </a:rPr>
+              <a:t>@Vista: Configuramos en la cabecera para usar el gestor de </a:t>
+            </a:r>
+            <a:r>
+              <a:rPr lang="es-ES" sz="1200" dirty="0" err="1">
+                <a:latin typeface="Titillium Web" panose="00000500000000000000" pitchFamily="2" charset="0"/>
+                <a:sym typeface="Wingdings" panose="05000000000000000000" pitchFamily="2" charset="2"/>
+              </a:rPr>
+              <a:t>plantilllas</a:t>
+            </a:r>
+            <a:r>
+              <a:rPr lang="es-ES" sz="1200" dirty="0">
+                <a:latin typeface="Titillium Web" panose="00000500000000000000" pitchFamily="2" charset="0"/>
+                <a:sym typeface="Wingdings" panose="05000000000000000000" pitchFamily="2" charset="2"/>
+              </a:rPr>
+              <a:t> de </a:t>
+            </a:r>
+            <a:r>
+              <a:rPr lang="es-ES" sz="1200" dirty="0" err="1">
+                <a:latin typeface="Titillium Web" panose="00000500000000000000" pitchFamily="2" charset="0"/>
+                <a:sym typeface="Wingdings" panose="05000000000000000000" pitchFamily="2" charset="2"/>
+              </a:rPr>
+              <a:t>Thymeleaf</a:t>
+            </a:r>
+            <a:r>
+              <a:rPr lang="es-ES" sz="1200" dirty="0">
+                <a:latin typeface="Titillium Web" panose="00000500000000000000" pitchFamily="2" charset="0"/>
+                <a:sym typeface="Wingdings" panose="05000000000000000000" pitchFamily="2" charset="2"/>
+              </a:rPr>
+              <a:t>:</a:t>
+            </a:r>
+          </a:p>
+          <a:p>
+            <a:pPr marL="1543050" lvl="3" indent="-171450">
+              <a:buFont typeface="Arial" panose="020B0604020202020204" pitchFamily="34" charset="0"/>
+              <a:buChar char="•"/>
+            </a:pPr>
+            <a:endParaRPr lang="es-ES" sz="1200" dirty="0">
+              <a:latin typeface="Titillium Web" panose="00000500000000000000" pitchFamily="2" charset="0"/>
+              <a:sym typeface="Wingdings" panose="05000000000000000000" pitchFamily="2" charset="2"/>
+            </a:endParaRPr>
+          </a:p>
+          <a:p>
+            <a:pPr marL="1543050" lvl="3" indent="-171450">
+              <a:buFont typeface="Arial" panose="020B0604020202020204" pitchFamily="34" charset="0"/>
+              <a:buChar char="•"/>
+            </a:pPr>
+            <a:r>
+              <a:rPr lang="es-ES" sz="1200" dirty="0">
+                <a:latin typeface="Titillium Web" panose="00000500000000000000" pitchFamily="2" charset="0"/>
+                <a:sym typeface="Wingdings" panose="05000000000000000000" pitchFamily="2" charset="2"/>
+              </a:rPr>
+              <a:t>Y para recibir los datos del controlador en la etiqueta del campo realizaremos:</a:t>
+            </a:r>
+          </a:p>
+          <a:p>
+            <a:pPr marL="2000250" lvl="4" indent="-171450">
+              <a:buFont typeface="Arial" panose="020B0604020202020204" pitchFamily="34" charset="0"/>
+              <a:buChar char="•"/>
+            </a:pPr>
+            <a:r>
+              <a:rPr lang="es-ES" sz="1200" dirty="0">
+                <a:latin typeface="Titillium Web" panose="00000500000000000000" pitchFamily="2" charset="0"/>
+                <a:sym typeface="Wingdings" panose="05000000000000000000" pitchFamily="2" charset="2"/>
+              </a:rPr>
+              <a:t>&lt;h1 </a:t>
+            </a:r>
+            <a:r>
+              <a:rPr lang="es-ES" sz="1200" dirty="0" err="1">
+                <a:latin typeface="Titillium Web" panose="00000500000000000000" pitchFamily="2" charset="0"/>
+                <a:sym typeface="Wingdings" panose="05000000000000000000" pitchFamily="2" charset="2"/>
+              </a:rPr>
+              <a:t>th:text</a:t>
+            </a:r>
+            <a:r>
+              <a:rPr lang="es-ES" sz="1200" dirty="0">
+                <a:latin typeface="Titillium Web" panose="00000500000000000000" pitchFamily="2" charset="0"/>
+                <a:sym typeface="Wingdings" panose="05000000000000000000" pitchFamily="2" charset="2"/>
+              </a:rPr>
+              <a:t>=“${</a:t>
+            </a:r>
+            <a:r>
+              <a:rPr lang="es-ES" sz="1200" dirty="0" err="1">
+                <a:latin typeface="Titillium Web" panose="00000500000000000000" pitchFamily="2" charset="0"/>
+                <a:sym typeface="Wingdings" panose="05000000000000000000" pitchFamily="2" charset="2"/>
+              </a:rPr>
+              <a:t>nombre_variable_controlador</a:t>
+            </a:r>
+            <a:r>
+              <a:rPr lang="es-ES" sz="1200" dirty="0">
+                <a:latin typeface="Titillium Web" panose="00000500000000000000" pitchFamily="2" charset="0"/>
+                <a:sym typeface="Wingdings" panose="05000000000000000000" pitchFamily="2" charset="2"/>
+              </a:rPr>
+              <a:t>}”&gt; &lt;/h1&gt;</a:t>
+            </a:r>
+          </a:p>
+          <a:p>
+            <a:pPr lvl="4"/>
+            <a:endParaRPr lang="es-ES" sz="1200" dirty="0">
+              <a:latin typeface="Titillium Web" panose="00000500000000000000" pitchFamily="2" charset="0"/>
+              <a:sym typeface="Wingdings" panose="05000000000000000000" pitchFamily="2" charset="2"/>
+            </a:endParaRPr>
+          </a:p>
+          <a:p>
+            <a:pPr lvl="4"/>
+            <a:endParaRPr lang="es-ES" sz="1200" dirty="0">
+              <a:latin typeface="Titillium Web" panose="00000500000000000000" pitchFamily="2" charset="0"/>
+              <a:sym typeface="Wingdings" panose="05000000000000000000" pitchFamily="2" charset="2"/>
+            </a:endParaRPr>
+          </a:p>
+          <a:p>
+            <a:pPr marL="1085850" lvl="2" indent="-171450">
+              <a:buFont typeface="Arial" panose="020B0604020202020204" pitchFamily="34" charset="0"/>
+              <a:buChar char="•"/>
+            </a:pPr>
+            <a:endParaRPr lang="es-ES" sz="1200" dirty="0">
+              <a:latin typeface="Titillium Web" panose="00000500000000000000" pitchFamily="2" charset="0"/>
+              <a:sym typeface="Wingdings" panose="05000000000000000000" pitchFamily="2" charset="2"/>
+            </a:endParaRPr>
+          </a:p>
+          <a:p>
+            <a:pPr lvl="3"/>
+            <a:endParaRPr lang="es-ES" sz="1200" dirty="0">
+              <a:latin typeface="Titillium Web" panose="00000500000000000000" pitchFamily="2" charset="0"/>
+              <a:sym typeface="Wingdings" panose="05000000000000000000" pitchFamily="2" charset="2"/>
+            </a:endParaRPr>
+          </a:p>
+          <a:p>
+            <a:pPr lvl="3"/>
+            <a:endParaRPr lang="es-ES" sz="1200" dirty="0">
+              <a:latin typeface="Titillium Web" panose="00000500000000000000" pitchFamily="2" charset="0"/>
+              <a:sym typeface="Wingdings" panose="05000000000000000000" pitchFamily="2" charset="2"/>
+            </a:endParaRPr>
+          </a:p>
+          <a:p>
+            <a:pPr lvl="3"/>
+            <a:endParaRPr lang="es-ES" sz="1200" dirty="0">
+              <a:latin typeface="Titillium Web" panose="00000500000000000000" pitchFamily="2" charset="0"/>
+              <a:sym typeface="Wingdings" panose="05000000000000000000" pitchFamily="2" charset="2"/>
+            </a:endParaRPr>
+          </a:p>
+          <a:p>
+            <a:pPr marL="1543050" lvl="3" indent="-171450">
+              <a:buFont typeface="Arial" panose="020B0604020202020204" pitchFamily="34" charset="0"/>
+              <a:buChar char="•"/>
+            </a:pPr>
+            <a:endParaRPr lang="es-ES" sz="1200" dirty="0">
+              <a:latin typeface="Titillium Web" panose="00000500000000000000" pitchFamily="2" charset="0"/>
+              <a:sym typeface="Wingdings" panose="05000000000000000000" pitchFamily="2" charset="2"/>
+            </a:endParaRPr>
+          </a:p>
+          <a:p>
+            <a:pPr marL="1543050" lvl="3" indent="-171450">
+              <a:buFont typeface="Arial" panose="020B0604020202020204" pitchFamily="34" charset="0"/>
+              <a:buChar char="•"/>
+            </a:pPr>
+            <a:endParaRPr lang="es-ES" sz="1200" dirty="0">
+              <a:latin typeface="Titillium Web" panose="00000500000000000000" pitchFamily="2" charset="0"/>
+              <a:sym typeface="Wingdings" panose="05000000000000000000" pitchFamily="2" charset="2"/>
+            </a:endParaRPr>
+          </a:p>
+          <a:p>
+            <a:pPr lvl="3"/>
+            <a:endParaRPr lang="es-ES" sz="1200" dirty="0">
+              <a:latin typeface="Titillium Web" panose="00000500000000000000" pitchFamily="2" charset="0"/>
+              <a:sym typeface="Wingdings" panose="05000000000000000000" pitchFamily="2" charset="2"/>
+            </a:endParaRPr>
+          </a:p>
+          <a:p>
+            <a:pPr lvl="3"/>
+            <a:endParaRPr lang="es-ES" sz="1200" dirty="0">
+              <a:latin typeface="Titillium Web" panose="00000500000000000000" pitchFamily="2" charset="0"/>
+              <a:sym typeface="Wingdings" panose="05000000000000000000" pitchFamily="2" charset="2"/>
+            </a:endParaRPr>
+          </a:p>
+          <a:p>
+            <a:pPr lvl="3"/>
+            <a:endParaRPr lang="es-ES" sz="1200" dirty="0">
+              <a:latin typeface="Titillium Web" panose="00000500000000000000" pitchFamily="2" charset="0"/>
+              <a:sym typeface="Wingdings" panose="05000000000000000000" pitchFamily="2" charset="2"/>
+            </a:endParaRPr>
+          </a:p>
+          <a:p>
+            <a:pPr marL="1085850" lvl="2" indent="-171450">
+              <a:buFont typeface="Arial" panose="020B0604020202020204" pitchFamily="34" charset="0"/>
+              <a:buChar char="•"/>
+            </a:pPr>
+            <a:endParaRPr lang="es-ES" sz="1200" dirty="0">
+              <a:latin typeface="Titillium Web" panose="00000500000000000000" pitchFamily="2" charset="0"/>
+              <a:sym typeface="Wingdings" panose="05000000000000000000" pitchFamily="2" charset="2"/>
+            </a:endParaRPr>
+          </a:p>
+          <a:p>
+            <a:pPr marL="628650" lvl="1" indent="-171450">
+              <a:buFont typeface="Arial" panose="020B0604020202020204" pitchFamily="34" charset="0"/>
+              <a:buChar char="•"/>
+            </a:pPr>
+            <a:endParaRPr lang="es-ES" sz="1200" dirty="0">
+              <a:latin typeface="Titillium Web" panose="00000500000000000000" pitchFamily="2" charset="0"/>
+              <a:sym typeface="Wingdings" panose="05000000000000000000" pitchFamily="2" charset="2"/>
+            </a:endParaRPr>
+          </a:p>
+          <a:p>
+            <a:pPr lvl="1"/>
+            <a:endParaRPr lang="es-ES" sz="1200" dirty="0">
+              <a:latin typeface="Titillium Web" panose="00000500000000000000" pitchFamily="2" charset="0"/>
+              <a:sym typeface="Wingdings" panose="05000000000000000000" pitchFamily="2" charset="2"/>
+            </a:endParaRPr>
+          </a:p>
+          <a:p>
+            <a:pPr lvl="1"/>
+            <a:endParaRPr lang="es-ES" sz="1200" dirty="0">
+              <a:latin typeface="Titillium Web" panose="00000500000000000000" pitchFamily="2" charset="0"/>
+              <a:sym typeface="Wingdings" panose="05000000000000000000" pitchFamily="2" charset="2"/>
+            </a:endParaRPr>
+          </a:p>
+          <a:p>
+            <a:pPr marL="1085850" lvl="2" indent="-171450">
+              <a:buFont typeface="Arial" panose="020B0604020202020204" pitchFamily="34" charset="0"/>
+              <a:buChar char="•"/>
+            </a:pPr>
+            <a:endParaRPr lang="es-ES" sz="1200" dirty="0">
+              <a:latin typeface="Titillium Web" panose="00000500000000000000" pitchFamily="2" charset="0"/>
+              <a:sym typeface="Wingdings" panose="05000000000000000000" pitchFamily="2" charset="2"/>
+            </a:endParaRPr>
+          </a:p>
+          <a:p>
+            <a:pPr marL="1085850" lvl="2" indent="-171450">
+              <a:buFont typeface="Arial" panose="020B0604020202020204" pitchFamily="34" charset="0"/>
+              <a:buChar char="•"/>
+            </a:pPr>
+            <a:endParaRPr lang="es-ES" sz="1200" dirty="0">
+              <a:solidFill>
+                <a:schemeClr val="accent4">
+                  <a:lumMod val="60000"/>
+                  <a:lumOff val="40000"/>
+                </a:schemeClr>
+              </a:solidFill>
+            </a:endParaRPr>
+          </a:p>
+          <a:p>
+            <a:pPr lvl="1"/>
+            <a:br>
+              <a:rPr lang="es-ES" sz="1200" dirty="0">
+                <a:solidFill>
+                  <a:schemeClr val="accent4">
+                    <a:lumMod val="60000"/>
+                    <a:lumOff val="40000"/>
+                  </a:schemeClr>
+                </a:solidFill>
+              </a:rPr>
+            </a:br>
+            <a:endParaRPr lang="es-ES" sz="1200" dirty="0">
+              <a:solidFill>
+                <a:schemeClr val="accent4">
+                  <a:lumMod val="60000"/>
+                  <a:lumOff val="40000"/>
+                </a:schemeClr>
+              </a:solidFill>
+            </a:endParaRPr>
+          </a:p>
+          <a:p>
+            <a:pPr lvl="1"/>
+            <a:endParaRPr lang="es-ES" sz="1200" dirty="0">
+              <a:solidFill>
+                <a:schemeClr val="accent1">
+                  <a:lumMod val="40000"/>
+                  <a:lumOff val="60000"/>
+                </a:schemeClr>
+              </a:solidFill>
+              <a:latin typeface="Titillium Web" panose="00000500000000000000" pitchFamily="2" charset="0"/>
+            </a:endParaRPr>
+          </a:p>
+          <a:p>
+            <a:pPr lvl="1"/>
+            <a:endParaRPr lang="es-ES" sz="1200" b="0" i="0" dirty="0">
+              <a:solidFill>
+                <a:schemeClr val="accent4">
+                  <a:lumMod val="60000"/>
+                  <a:lumOff val="40000"/>
+                </a:schemeClr>
+              </a:solidFill>
+              <a:effectLst/>
+              <a:latin typeface="Titillium Web" panose="00000500000000000000" pitchFamily="2" charset="0"/>
+            </a:endParaRPr>
+          </a:p>
+        </p:txBody>
+      </p:sp>
+      <p:pic>
+        <p:nvPicPr>
+          <p:cNvPr id="6" name="Imagen 5">
+            <a:extLst>
+              <a:ext uri="{FF2B5EF4-FFF2-40B4-BE49-F238E27FC236}">
+                <a16:creationId xmlns:a16="http://schemas.microsoft.com/office/drawing/2014/main" id="{71D73539-973A-2F53-FA0D-D320685D88BA}"/>
+              </a:ext>
+            </a:extLst>
+          </p:cNvPr>
+          <p:cNvPicPr>
+            <a:picLocks noChangeAspect="1"/>
+          </p:cNvPicPr>
+          <p:nvPr/>
+        </p:nvPicPr>
+        <p:blipFill>
+          <a:blip r:embed="rId5"/>
+          <a:stretch>
+            <a:fillRect/>
+          </a:stretch>
+        </p:blipFill>
+        <p:spPr>
+          <a:xfrm>
+            <a:off x="7139836" y="121700"/>
+            <a:ext cx="3689014" cy="987295"/>
+          </a:xfrm>
+          <a:prstGeom prst="rect">
+            <a:avLst/>
+          </a:prstGeom>
+        </p:spPr>
+      </p:pic>
+      <p:pic>
+        <p:nvPicPr>
+          <p:cNvPr id="10" name="Imagen 9">
+            <a:extLst>
+              <a:ext uri="{FF2B5EF4-FFF2-40B4-BE49-F238E27FC236}">
+                <a16:creationId xmlns:a16="http://schemas.microsoft.com/office/drawing/2014/main" id="{67CC91AF-4C45-D50E-B6E8-EEF0DDFEFE7F}"/>
+              </a:ext>
+            </a:extLst>
+          </p:cNvPr>
+          <p:cNvPicPr>
+            <a:picLocks noChangeAspect="1"/>
+          </p:cNvPicPr>
+          <p:nvPr/>
+        </p:nvPicPr>
+        <p:blipFill>
+          <a:blip r:embed="rId6"/>
+          <a:stretch>
+            <a:fillRect/>
+          </a:stretch>
+        </p:blipFill>
+        <p:spPr>
+          <a:xfrm>
+            <a:off x="7139836" y="1173230"/>
+            <a:ext cx="3689015" cy="1904293"/>
+          </a:xfrm>
+          <a:prstGeom prst="rect">
+            <a:avLst/>
+          </a:prstGeom>
+        </p:spPr>
+      </p:pic>
+    </p:spTree>
+    <p:extLst>
+      <p:ext uri="{BB962C8B-B14F-4D97-AF65-F5344CB8AC3E}">
+        <p14:creationId xmlns:p14="http://schemas.microsoft.com/office/powerpoint/2010/main" val="3151998399"/>
+      </p:ext>
+    </p:extLst>
+  </p:cSld>
+  <p:clrMapOvr>
+    <a:masterClrMapping/>
+  </p:clrMapOvr>
+</p:sld>
+</file>
+
+<file path=ppt/slides/slide19.xml><?xml version="1.0" encoding="utf-8"?>
+<p:sld xmlns:a="http://schemas.openxmlformats.org/drawingml/2006/main" xmlns:r="http://schemas.openxmlformats.org/officeDocument/2006/relationships" xmlns:p="http://schemas.openxmlformats.org/presentationml/2006/main">
+  <p:cSld>
+    <p:spTree>
+      <p:nvGrpSpPr>
+        <p:cNvPr id="1" name=""/>
+        <p:cNvGrpSpPr/>
+        <p:nvPr/>
+      </p:nvGrpSpPr>
+      <p:grpSpPr>
+        <a:xfrm>
+          <a:off x="0" y="0"/>
+          <a:ext cx="0" cy="0"/>
+          <a:chOff x="0" y="0"/>
+          <a:chExt cx="0" cy="0"/>
+        </a:xfrm>
+      </p:grpSpPr>
+      <p:pic>
+        <p:nvPicPr>
+          <p:cNvPr id="1032" name="Picture 8" descr="Nuestro Equipo">
+            <a:extLst>
+              <a:ext uri="{FF2B5EF4-FFF2-40B4-BE49-F238E27FC236}">
+                <a16:creationId xmlns:a16="http://schemas.microsoft.com/office/drawing/2014/main" id="{9948F5C4-A11B-BB63-E587-6CEB747BDDEB}"/>
+              </a:ext>
+            </a:extLst>
+          </p:cNvPr>
+          <p:cNvPicPr>
+            <a:picLocks noChangeAspect="1" noChangeArrowheads="1"/>
+          </p:cNvPicPr>
+          <p:nvPr/>
+        </p:nvPicPr>
+        <p:blipFill>
+          <a:blip r:embed="rId3">
+            <a:extLst>
+              <a:ext uri="{28A0092B-C50C-407E-A947-70E740481C1C}">
+                <a14:useLocalDpi xmlns:a14="http://schemas.microsoft.com/office/drawing/2010/main" val="0"/>
+              </a:ext>
+            </a:extLst>
+          </a:blip>
+          <a:srcRect/>
+          <a:stretch>
+            <a:fillRect/>
+          </a:stretch>
+        </p:blipFill>
+        <p:spPr bwMode="auto">
+          <a:xfrm>
+            <a:off x="11003858" y="6068461"/>
+            <a:ext cx="675692" cy="675692"/>
+          </a:xfrm>
+          <a:prstGeom prst="rect">
+            <a:avLst/>
+          </a:prstGeom>
+          <a:noFill/>
+          <a:extLst>
+            <a:ext uri="{909E8E84-426E-40DD-AFC4-6F175D3DCCD1}">
+              <a14:hiddenFill xmlns:a14="http://schemas.microsoft.com/office/drawing/2010/main">
+                <a:solidFill>
+                  <a:srgbClr val="FFFFFF"/>
+                </a:solidFill>
+              </a14:hiddenFill>
+            </a:ext>
+          </a:extLst>
+        </p:spPr>
+      </p:pic>
+      <p:sp>
+        <p:nvSpPr>
+          <p:cNvPr id="3" name="CuadroTexto 2">
+            <a:extLst>
+              <a:ext uri="{FF2B5EF4-FFF2-40B4-BE49-F238E27FC236}">
+                <a16:creationId xmlns:a16="http://schemas.microsoft.com/office/drawing/2014/main" id="{D1FA320B-398B-F9F1-38EA-BAF5DD083F19}"/>
+              </a:ext>
+            </a:extLst>
+          </p:cNvPr>
+          <p:cNvSpPr txBox="1"/>
+          <p:nvPr/>
+        </p:nvSpPr>
+        <p:spPr>
+          <a:xfrm>
+            <a:off x="1253654" y="935650"/>
+            <a:ext cx="9079954" cy="2031325"/>
+          </a:xfrm>
+          <a:prstGeom prst="rect">
+            <a:avLst/>
+          </a:prstGeom>
+          <a:noFill/>
+        </p:spPr>
+        <p:txBody>
+          <a:bodyPr wrap="square" rtlCol="0">
+            <a:spAutoFit/>
+          </a:bodyPr>
+          <a:lstStyle/>
+          <a:p>
+            <a:r>
+              <a:rPr lang="es-ES" dirty="0"/>
+              <a:t>SPRING FRAMEWORK</a:t>
+            </a:r>
+          </a:p>
+          <a:p>
+            <a:pPr lvl="1"/>
+            <a:endParaRPr lang="es-ES" sz="1200" dirty="0">
+              <a:solidFill>
+                <a:srgbClr val="FF0000"/>
+              </a:solidFill>
+              <a:latin typeface="Titillium Web" panose="00000500000000000000" pitchFamily="2" charset="0"/>
+            </a:endParaRPr>
+          </a:p>
+          <a:p>
+            <a:pPr lvl="1"/>
+            <a:endParaRPr lang="es-ES" sz="1200" dirty="0">
+              <a:solidFill>
+                <a:schemeClr val="accent4">
+                  <a:lumMod val="60000"/>
+                  <a:lumOff val="40000"/>
+                </a:schemeClr>
+              </a:solidFill>
+              <a:latin typeface="Titillium Web" panose="00000500000000000000" pitchFamily="2" charset="0"/>
+            </a:endParaRPr>
+          </a:p>
+          <a:p>
+            <a:pPr lvl="1"/>
+            <a:r>
+              <a:rPr lang="es-ES" sz="1200" dirty="0">
+                <a:solidFill>
+                  <a:schemeClr val="accent4">
+                    <a:lumMod val="60000"/>
+                    <a:lumOff val="40000"/>
+                  </a:schemeClr>
+                </a:solidFill>
+                <a:latin typeface="Titillium Web" panose="00000500000000000000" pitchFamily="2" charset="0"/>
+              </a:rPr>
+              <a:t>SPRING MVC</a:t>
+            </a:r>
+          </a:p>
+          <a:p>
+            <a:pPr lvl="1"/>
+            <a:endParaRPr lang="es-ES" sz="1200" dirty="0">
+              <a:solidFill>
+                <a:schemeClr val="accent4">
+                  <a:lumMod val="60000"/>
+                  <a:lumOff val="40000"/>
+                </a:schemeClr>
+              </a:solidFill>
+              <a:latin typeface="Titillium Web" panose="00000500000000000000" pitchFamily="2" charset="0"/>
+            </a:endParaRPr>
+          </a:p>
+          <a:p>
+            <a:pPr lvl="1"/>
+            <a:endParaRPr lang="es-ES" sz="1200" dirty="0">
+              <a:solidFill>
+                <a:schemeClr val="accent4">
+                  <a:lumMod val="60000"/>
+                  <a:lumOff val="40000"/>
+                </a:schemeClr>
+              </a:solidFill>
+            </a:endParaRPr>
+          </a:p>
+          <a:p>
+            <a:pPr lvl="1"/>
+            <a:br>
+              <a:rPr lang="es-ES" sz="1200" dirty="0">
+                <a:solidFill>
+                  <a:schemeClr val="accent4">
+                    <a:lumMod val="60000"/>
+                    <a:lumOff val="40000"/>
+                  </a:schemeClr>
+                </a:solidFill>
+              </a:rPr>
+            </a:br>
+            <a:endParaRPr lang="es-ES" sz="1200" dirty="0">
+              <a:solidFill>
+                <a:schemeClr val="accent4">
+                  <a:lumMod val="60000"/>
+                  <a:lumOff val="40000"/>
+                </a:schemeClr>
+              </a:solidFill>
+            </a:endParaRPr>
+          </a:p>
+          <a:p>
+            <a:pPr lvl="1"/>
+            <a:endParaRPr lang="es-ES" sz="1200" dirty="0">
+              <a:solidFill>
+                <a:schemeClr val="accent1">
+                  <a:lumMod val="40000"/>
+                  <a:lumOff val="60000"/>
+                </a:schemeClr>
+              </a:solidFill>
+              <a:latin typeface="Titillium Web" panose="00000500000000000000" pitchFamily="2" charset="0"/>
+            </a:endParaRPr>
+          </a:p>
+          <a:p>
+            <a:pPr lvl="1"/>
+            <a:endParaRPr lang="es-ES" sz="1200" b="0" i="0" dirty="0">
+              <a:solidFill>
+                <a:schemeClr val="accent4">
+                  <a:lumMod val="60000"/>
+                  <a:lumOff val="40000"/>
+                </a:schemeClr>
+              </a:solidFill>
+              <a:effectLst/>
+              <a:latin typeface="Titillium Web" panose="00000500000000000000" pitchFamily="2" charset="0"/>
+            </a:endParaRPr>
+          </a:p>
+        </p:txBody>
+      </p:sp>
+      <p:pic>
+        <p:nvPicPr>
+          <p:cNvPr id="5" name="Picture 2" descr="Spring | Home">
+            <a:extLst>
+              <a:ext uri="{FF2B5EF4-FFF2-40B4-BE49-F238E27FC236}">
+                <a16:creationId xmlns:a16="http://schemas.microsoft.com/office/drawing/2014/main" id="{6CBE6F06-F98A-B85B-B6AA-917CBDD1C2C3}"/>
+              </a:ext>
+            </a:extLst>
+          </p:cNvPr>
+          <p:cNvPicPr>
+            <a:picLocks noChangeAspect="1" noChangeArrowheads="1"/>
+          </p:cNvPicPr>
+          <p:nvPr/>
+        </p:nvPicPr>
+        <p:blipFill>
+          <a:blip r:embed="rId4">
+            <a:extLst>
+              <a:ext uri="{28A0092B-C50C-407E-A947-70E740481C1C}">
+                <a14:useLocalDpi xmlns:a14="http://schemas.microsoft.com/office/drawing/2010/main" val="0"/>
+              </a:ext>
+            </a:extLst>
+          </a:blip>
+          <a:srcRect/>
+          <a:stretch>
+            <a:fillRect/>
+          </a:stretch>
+        </p:blipFill>
+        <p:spPr bwMode="auto">
+          <a:xfrm>
+            <a:off x="10666011" y="5262959"/>
+            <a:ext cx="1351386" cy="675693"/>
+          </a:xfrm>
+          <a:prstGeom prst="rect">
+            <a:avLst/>
+          </a:prstGeom>
+          <a:noFill/>
+          <a:extLst>
+            <a:ext uri="{909E8E84-426E-40DD-AFC4-6F175D3DCCD1}">
+              <a14:hiddenFill xmlns:a14="http://schemas.microsoft.com/office/drawing/2010/main">
+                <a:solidFill>
+                  <a:srgbClr val="FFFFFF"/>
+                </a:solidFill>
+              </a14:hiddenFill>
+            </a:ext>
+          </a:extLst>
+        </p:spPr>
+      </p:pic>
+      <p:sp>
+        <p:nvSpPr>
+          <p:cNvPr id="2" name="CuadroTexto 1">
+            <a:extLst>
+              <a:ext uri="{FF2B5EF4-FFF2-40B4-BE49-F238E27FC236}">
+                <a16:creationId xmlns:a16="http://schemas.microsoft.com/office/drawing/2014/main" id="{477BDFD5-86BF-359C-0E77-061F61200E12}"/>
+              </a:ext>
+            </a:extLst>
+          </p:cNvPr>
+          <p:cNvSpPr txBox="1"/>
+          <p:nvPr/>
+        </p:nvSpPr>
+        <p:spPr>
+          <a:xfrm>
+            <a:off x="1253654" y="1952032"/>
             <a:ext cx="9079954" cy="7294305"/>
           </a:xfrm>
           <a:prstGeom prst="rect">
@@ -14196,7 +15764,424 @@
 </p:sld>
 </file>
 
-<file path=ppt/slides/slide18.xml><?xml version="1.0" encoding="utf-8"?>
+<file path=ppt/slides/slide2.xml><?xml version="1.0" encoding="utf-8"?>
+<p:sld xmlns:a="http://schemas.openxmlformats.org/drawingml/2006/main" xmlns:r="http://schemas.openxmlformats.org/officeDocument/2006/relationships" xmlns:p="http://schemas.openxmlformats.org/presentationml/2006/main">
+  <p:cSld>
+    <p:spTree>
+      <p:nvGrpSpPr>
+        <p:cNvPr id="1" name=""/>
+        <p:cNvGrpSpPr/>
+        <p:nvPr/>
+      </p:nvGrpSpPr>
+      <p:grpSpPr>
+        <a:xfrm>
+          <a:off x="0" y="0"/>
+          <a:ext cx="0" cy="0"/>
+          <a:chOff x="0" y="0"/>
+          <a:chExt cx="0" cy="0"/>
+        </a:xfrm>
+      </p:grpSpPr>
+      <p:pic>
+        <p:nvPicPr>
+          <p:cNvPr id="1032" name="Picture 8" descr="Nuestro Equipo">
+            <a:extLst>
+              <a:ext uri="{FF2B5EF4-FFF2-40B4-BE49-F238E27FC236}">
+                <a16:creationId xmlns:a16="http://schemas.microsoft.com/office/drawing/2014/main" id="{9948F5C4-A11B-BB63-E587-6CEB747BDDEB}"/>
+              </a:ext>
+            </a:extLst>
+          </p:cNvPr>
+          <p:cNvPicPr>
+            <a:picLocks noChangeAspect="1" noChangeArrowheads="1"/>
+          </p:cNvPicPr>
+          <p:nvPr/>
+        </p:nvPicPr>
+        <p:blipFill>
+          <a:blip r:embed="rId3">
+            <a:extLst>
+              <a:ext uri="{28A0092B-C50C-407E-A947-70E740481C1C}">
+                <a14:useLocalDpi xmlns:a14="http://schemas.microsoft.com/office/drawing/2010/main" val="0"/>
+              </a:ext>
+            </a:extLst>
+          </a:blip>
+          <a:srcRect/>
+          <a:stretch>
+            <a:fillRect/>
+          </a:stretch>
+        </p:blipFill>
+        <p:spPr bwMode="auto">
+          <a:xfrm>
+            <a:off x="11003858" y="6068461"/>
+            <a:ext cx="675692" cy="675692"/>
+          </a:xfrm>
+          <a:prstGeom prst="rect">
+            <a:avLst/>
+          </a:prstGeom>
+          <a:noFill/>
+          <a:extLst>
+            <a:ext uri="{909E8E84-426E-40DD-AFC4-6F175D3DCCD1}">
+              <a14:hiddenFill xmlns:a14="http://schemas.microsoft.com/office/drawing/2010/main">
+                <a:solidFill>
+                  <a:srgbClr val="FFFFFF"/>
+                </a:solidFill>
+              </a14:hiddenFill>
+            </a:ext>
+          </a:extLst>
+        </p:spPr>
+      </p:pic>
+      <p:sp>
+        <p:nvSpPr>
+          <p:cNvPr id="3" name="CuadroTexto 2">
+            <a:extLst>
+              <a:ext uri="{FF2B5EF4-FFF2-40B4-BE49-F238E27FC236}">
+                <a16:creationId xmlns:a16="http://schemas.microsoft.com/office/drawing/2014/main" id="{D1FA320B-398B-F9F1-38EA-BAF5DD083F19}"/>
+              </a:ext>
+            </a:extLst>
+          </p:cNvPr>
+          <p:cNvSpPr txBox="1"/>
+          <p:nvPr/>
+        </p:nvSpPr>
+        <p:spPr>
+          <a:xfrm>
+            <a:off x="1253654" y="935650"/>
+            <a:ext cx="9079954" cy="2031325"/>
+          </a:xfrm>
+          <a:prstGeom prst="rect">
+            <a:avLst/>
+          </a:prstGeom>
+          <a:noFill/>
+        </p:spPr>
+        <p:txBody>
+          <a:bodyPr wrap="square" rtlCol="0">
+            <a:spAutoFit/>
+          </a:bodyPr>
+          <a:lstStyle/>
+          <a:p>
+            <a:r>
+              <a:rPr lang="es-ES" dirty="0"/>
+              <a:t>SPRING FRAMEWORK</a:t>
+            </a:r>
+          </a:p>
+          <a:p>
+            <a:pPr lvl="1"/>
+            <a:endParaRPr lang="es-ES" sz="1200" dirty="0">
+              <a:solidFill>
+                <a:srgbClr val="FF0000"/>
+              </a:solidFill>
+              <a:latin typeface="Titillium Web" panose="00000500000000000000" pitchFamily="2" charset="0"/>
+            </a:endParaRPr>
+          </a:p>
+          <a:p>
+            <a:pPr lvl="1"/>
+            <a:endParaRPr lang="es-ES" sz="1200" dirty="0">
+              <a:solidFill>
+                <a:schemeClr val="accent4">
+                  <a:lumMod val="60000"/>
+                  <a:lumOff val="40000"/>
+                </a:schemeClr>
+              </a:solidFill>
+              <a:latin typeface="Titillium Web" panose="00000500000000000000" pitchFamily="2" charset="0"/>
+            </a:endParaRPr>
+          </a:p>
+          <a:p>
+            <a:pPr lvl="1"/>
+            <a:r>
+              <a:rPr lang="es-ES" sz="1200" dirty="0">
+                <a:solidFill>
+                  <a:schemeClr val="accent4">
+                    <a:lumMod val="60000"/>
+                    <a:lumOff val="40000"/>
+                  </a:schemeClr>
+                </a:solidFill>
+                <a:latin typeface="Titillium Web" panose="00000500000000000000" pitchFamily="2" charset="0"/>
+              </a:rPr>
+              <a:t>SPRING MVC</a:t>
+            </a:r>
+          </a:p>
+          <a:p>
+            <a:pPr lvl="1"/>
+            <a:endParaRPr lang="es-ES" sz="1200" dirty="0">
+              <a:solidFill>
+                <a:schemeClr val="accent4">
+                  <a:lumMod val="60000"/>
+                  <a:lumOff val="40000"/>
+                </a:schemeClr>
+              </a:solidFill>
+              <a:latin typeface="Titillium Web" panose="00000500000000000000" pitchFamily="2" charset="0"/>
+            </a:endParaRPr>
+          </a:p>
+          <a:p>
+            <a:pPr lvl="1"/>
+            <a:endParaRPr lang="es-ES" sz="1200" dirty="0">
+              <a:solidFill>
+                <a:schemeClr val="accent4">
+                  <a:lumMod val="60000"/>
+                  <a:lumOff val="40000"/>
+                </a:schemeClr>
+              </a:solidFill>
+            </a:endParaRPr>
+          </a:p>
+          <a:p>
+            <a:pPr lvl="1"/>
+            <a:br>
+              <a:rPr lang="es-ES" sz="1200" dirty="0">
+                <a:solidFill>
+                  <a:schemeClr val="accent4">
+                    <a:lumMod val="60000"/>
+                    <a:lumOff val="40000"/>
+                  </a:schemeClr>
+                </a:solidFill>
+              </a:rPr>
+            </a:br>
+            <a:endParaRPr lang="es-ES" sz="1200" dirty="0">
+              <a:solidFill>
+                <a:schemeClr val="accent4">
+                  <a:lumMod val="60000"/>
+                  <a:lumOff val="40000"/>
+                </a:schemeClr>
+              </a:solidFill>
+            </a:endParaRPr>
+          </a:p>
+          <a:p>
+            <a:pPr lvl="1"/>
+            <a:endParaRPr lang="es-ES" sz="1200" dirty="0">
+              <a:solidFill>
+                <a:schemeClr val="accent1">
+                  <a:lumMod val="40000"/>
+                  <a:lumOff val="60000"/>
+                </a:schemeClr>
+              </a:solidFill>
+              <a:latin typeface="Titillium Web" panose="00000500000000000000" pitchFamily="2" charset="0"/>
+            </a:endParaRPr>
+          </a:p>
+          <a:p>
+            <a:pPr lvl="1"/>
+            <a:endParaRPr lang="es-ES" sz="1200" b="0" i="0" dirty="0">
+              <a:solidFill>
+                <a:schemeClr val="accent4">
+                  <a:lumMod val="60000"/>
+                  <a:lumOff val="40000"/>
+                </a:schemeClr>
+              </a:solidFill>
+              <a:effectLst/>
+              <a:latin typeface="Titillium Web" panose="00000500000000000000" pitchFamily="2" charset="0"/>
+            </a:endParaRPr>
+          </a:p>
+        </p:txBody>
+      </p:sp>
+      <p:pic>
+        <p:nvPicPr>
+          <p:cNvPr id="5" name="Picture 2" descr="Spring | Home">
+            <a:extLst>
+              <a:ext uri="{FF2B5EF4-FFF2-40B4-BE49-F238E27FC236}">
+                <a16:creationId xmlns:a16="http://schemas.microsoft.com/office/drawing/2014/main" id="{6CBE6F06-F98A-B85B-B6AA-917CBDD1C2C3}"/>
+              </a:ext>
+            </a:extLst>
+          </p:cNvPr>
+          <p:cNvPicPr>
+            <a:picLocks noChangeAspect="1" noChangeArrowheads="1"/>
+          </p:cNvPicPr>
+          <p:nvPr/>
+        </p:nvPicPr>
+        <p:blipFill>
+          <a:blip r:embed="rId4">
+            <a:extLst>
+              <a:ext uri="{28A0092B-C50C-407E-A947-70E740481C1C}">
+                <a14:useLocalDpi xmlns:a14="http://schemas.microsoft.com/office/drawing/2010/main" val="0"/>
+              </a:ext>
+            </a:extLst>
+          </a:blip>
+          <a:srcRect/>
+          <a:stretch>
+            <a:fillRect/>
+          </a:stretch>
+        </p:blipFill>
+        <p:spPr bwMode="auto">
+          <a:xfrm>
+            <a:off x="10666011" y="5262959"/>
+            <a:ext cx="1351386" cy="675693"/>
+          </a:xfrm>
+          <a:prstGeom prst="rect">
+            <a:avLst/>
+          </a:prstGeom>
+          <a:noFill/>
+          <a:extLst>
+            <a:ext uri="{909E8E84-426E-40DD-AFC4-6F175D3DCCD1}">
+              <a14:hiddenFill xmlns:a14="http://schemas.microsoft.com/office/drawing/2010/main">
+                <a:solidFill>
+                  <a:srgbClr val="FFFFFF"/>
+                </a:solidFill>
+              </a14:hiddenFill>
+            </a:ext>
+          </a:extLst>
+        </p:spPr>
+      </p:pic>
+      <p:sp>
+        <p:nvSpPr>
+          <p:cNvPr id="2" name="CuadroTexto 1">
+            <a:extLst>
+              <a:ext uri="{FF2B5EF4-FFF2-40B4-BE49-F238E27FC236}">
+                <a16:creationId xmlns:a16="http://schemas.microsoft.com/office/drawing/2014/main" id="{477BDFD5-86BF-359C-0E77-061F61200E12}"/>
+              </a:ext>
+            </a:extLst>
+          </p:cNvPr>
+          <p:cNvSpPr txBox="1"/>
+          <p:nvPr/>
+        </p:nvSpPr>
+        <p:spPr>
+          <a:xfrm>
+            <a:off x="1253654" y="1966940"/>
+            <a:ext cx="9079954" cy="1754326"/>
+          </a:xfrm>
+          <a:prstGeom prst="rect">
+            <a:avLst/>
+          </a:prstGeom>
+          <a:noFill/>
+        </p:spPr>
+        <p:txBody>
+          <a:bodyPr wrap="square" rtlCol="0">
+            <a:spAutoFit/>
+          </a:bodyPr>
+          <a:lstStyle/>
+          <a:p>
+            <a:pPr lvl="1"/>
+            <a:endParaRPr lang="es-ES" sz="1200" dirty="0">
+              <a:latin typeface="Titillium Web" panose="00000500000000000000" pitchFamily="2" charset="0"/>
+              <a:sym typeface="Wingdings" panose="05000000000000000000" pitchFamily="2" charset="2"/>
+            </a:endParaRPr>
+          </a:p>
+          <a:p>
+            <a:pPr lvl="1"/>
+            <a:endParaRPr lang="es-ES" sz="1200" dirty="0">
+              <a:latin typeface="Titillium Web" panose="00000500000000000000" pitchFamily="2" charset="0"/>
+              <a:sym typeface="Wingdings" panose="05000000000000000000" pitchFamily="2" charset="2"/>
+            </a:endParaRPr>
+          </a:p>
+          <a:p>
+            <a:pPr marL="1085850" lvl="2" indent="-171450">
+              <a:buFont typeface="Arial" panose="020B0604020202020204" pitchFamily="34" charset="0"/>
+              <a:buChar char="•"/>
+            </a:pPr>
+            <a:endParaRPr lang="es-ES" sz="1200" dirty="0">
+              <a:latin typeface="Titillium Web" panose="00000500000000000000" pitchFamily="2" charset="0"/>
+              <a:sym typeface="Wingdings" panose="05000000000000000000" pitchFamily="2" charset="2"/>
+            </a:endParaRPr>
+          </a:p>
+          <a:p>
+            <a:pPr marL="1085850" lvl="2" indent="-171450">
+              <a:buFont typeface="Arial" panose="020B0604020202020204" pitchFamily="34" charset="0"/>
+              <a:buChar char="•"/>
+            </a:pPr>
+            <a:endParaRPr lang="es-ES" sz="1200" dirty="0">
+              <a:latin typeface="Titillium Web" panose="00000500000000000000" pitchFamily="2" charset="0"/>
+              <a:sym typeface="Wingdings" panose="05000000000000000000" pitchFamily="2" charset="2"/>
+            </a:endParaRPr>
+          </a:p>
+          <a:p>
+            <a:pPr marL="1085850" lvl="2" indent="-171450">
+              <a:buFont typeface="Arial" panose="020B0604020202020204" pitchFamily="34" charset="0"/>
+              <a:buChar char="•"/>
+            </a:pPr>
+            <a:endParaRPr lang="es-ES" sz="1200" dirty="0">
+              <a:solidFill>
+                <a:schemeClr val="accent4">
+                  <a:lumMod val="60000"/>
+                  <a:lumOff val="40000"/>
+                </a:schemeClr>
+              </a:solidFill>
+            </a:endParaRPr>
+          </a:p>
+          <a:p>
+            <a:pPr lvl="1"/>
+            <a:br>
+              <a:rPr lang="es-ES" sz="1200" dirty="0">
+                <a:solidFill>
+                  <a:schemeClr val="accent4">
+                    <a:lumMod val="60000"/>
+                    <a:lumOff val="40000"/>
+                  </a:schemeClr>
+                </a:solidFill>
+              </a:rPr>
+            </a:br>
+            <a:endParaRPr lang="es-ES" sz="1200" dirty="0">
+              <a:solidFill>
+                <a:schemeClr val="accent4">
+                  <a:lumMod val="60000"/>
+                  <a:lumOff val="40000"/>
+                </a:schemeClr>
+              </a:solidFill>
+            </a:endParaRPr>
+          </a:p>
+          <a:p>
+            <a:pPr lvl="1"/>
+            <a:endParaRPr lang="es-ES" sz="1200" dirty="0">
+              <a:solidFill>
+                <a:schemeClr val="accent1">
+                  <a:lumMod val="40000"/>
+                  <a:lumOff val="60000"/>
+                </a:schemeClr>
+              </a:solidFill>
+              <a:latin typeface="Titillium Web" panose="00000500000000000000" pitchFamily="2" charset="0"/>
+            </a:endParaRPr>
+          </a:p>
+          <a:p>
+            <a:pPr lvl="1"/>
+            <a:endParaRPr lang="es-ES" sz="1200" b="0" i="0" dirty="0">
+              <a:solidFill>
+                <a:schemeClr val="accent4">
+                  <a:lumMod val="60000"/>
+                  <a:lumOff val="40000"/>
+                </a:schemeClr>
+              </a:solidFill>
+              <a:effectLst/>
+              <a:latin typeface="Titillium Web" panose="00000500000000000000" pitchFamily="2" charset="0"/>
+            </a:endParaRPr>
+          </a:p>
+        </p:txBody>
+      </p:sp>
+      <p:pic>
+        <p:nvPicPr>
+          <p:cNvPr id="6" name="Imagen 5">
+            <a:extLst>
+              <a:ext uri="{FF2B5EF4-FFF2-40B4-BE49-F238E27FC236}">
+                <a16:creationId xmlns:a16="http://schemas.microsoft.com/office/drawing/2014/main" id="{5BB080C9-5360-6881-0267-5BBBC6972259}"/>
+              </a:ext>
+            </a:extLst>
+          </p:cNvPr>
+          <p:cNvPicPr>
+            <a:picLocks noChangeAspect="1"/>
+          </p:cNvPicPr>
+          <p:nvPr/>
+        </p:nvPicPr>
+        <p:blipFill>
+          <a:blip r:embed="rId5"/>
+          <a:stretch>
+            <a:fillRect/>
+          </a:stretch>
+        </p:blipFill>
+        <p:spPr>
+          <a:xfrm>
+            <a:off x="3303802" y="2050742"/>
+            <a:ext cx="5845978" cy="4105922"/>
+          </a:xfrm>
+          <a:prstGeom prst="rect">
+            <a:avLst/>
+          </a:prstGeom>
+        </p:spPr>
+      </p:pic>
+    </p:spTree>
+    <p:extLst>
+      <p:ext uri="{BB962C8B-B14F-4D97-AF65-F5344CB8AC3E}">
+        <p14:creationId xmlns:p14="http://schemas.microsoft.com/office/powerpoint/2010/main" val="247109989"/>
+      </p:ext>
+    </p:extLst>
+  </p:cSld>
+  <p:clrMapOvr>
+    <a:masterClrMapping/>
+  </p:clrMapOvr>
+</p:sld>
+</file>
+
+<file path=ppt/slides/slide20.xml><?xml version="1.0" encoding="utf-8"?>
 <p:sld xmlns:a="http://schemas.openxmlformats.org/drawingml/2006/main" xmlns:r="http://schemas.openxmlformats.org/officeDocument/2006/relationships" xmlns:p="http://schemas.openxmlformats.org/presentationml/2006/main">
   <p:cSld>
     <p:spTree>
@@ -14982,7 +16967,7 @@
 </p:sld>
 </file>
 
-<file path=ppt/slides/slide19.xml><?xml version="1.0" encoding="utf-8"?>
+<file path=ppt/slides/slide21.xml><?xml version="1.0" encoding="utf-8"?>
 <p:sld xmlns:a="http://schemas.openxmlformats.org/drawingml/2006/main" xmlns:r="http://schemas.openxmlformats.org/officeDocument/2006/relationships" xmlns:p="http://schemas.openxmlformats.org/presentationml/2006/main">
   <p:cSld>
     <p:spTree>
@@ -15563,424 +17548,7 @@
 </p:sld>
 </file>
 
-<file path=ppt/slides/slide2.xml><?xml version="1.0" encoding="utf-8"?>
-<p:sld xmlns:a="http://schemas.openxmlformats.org/drawingml/2006/main" xmlns:r="http://schemas.openxmlformats.org/officeDocument/2006/relationships" xmlns:p="http://schemas.openxmlformats.org/presentationml/2006/main">
-  <p:cSld>
-    <p:spTree>
-      <p:nvGrpSpPr>
-        <p:cNvPr id="1" name=""/>
-        <p:cNvGrpSpPr/>
-        <p:nvPr/>
-      </p:nvGrpSpPr>
-      <p:grpSpPr>
-        <a:xfrm>
-          <a:off x="0" y="0"/>
-          <a:ext cx="0" cy="0"/>
-          <a:chOff x="0" y="0"/>
-          <a:chExt cx="0" cy="0"/>
-        </a:xfrm>
-      </p:grpSpPr>
-      <p:pic>
-        <p:nvPicPr>
-          <p:cNvPr id="1032" name="Picture 8" descr="Nuestro Equipo">
-            <a:extLst>
-              <a:ext uri="{FF2B5EF4-FFF2-40B4-BE49-F238E27FC236}">
-                <a16:creationId xmlns:a16="http://schemas.microsoft.com/office/drawing/2014/main" id="{9948F5C4-A11B-BB63-E587-6CEB747BDDEB}"/>
-              </a:ext>
-            </a:extLst>
-          </p:cNvPr>
-          <p:cNvPicPr>
-            <a:picLocks noChangeAspect="1" noChangeArrowheads="1"/>
-          </p:cNvPicPr>
-          <p:nvPr/>
-        </p:nvPicPr>
-        <p:blipFill>
-          <a:blip r:embed="rId3">
-            <a:extLst>
-              <a:ext uri="{28A0092B-C50C-407E-A947-70E740481C1C}">
-                <a14:useLocalDpi xmlns:a14="http://schemas.microsoft.com/office/drawing/2010/main" val="0"/>
-              </a:ext>
-            </a:extLst>
-          </a:blip>
-          <a:srcRect/>
-          <a:stretch>
-            <a:fillRect/>
-          </a:stretch>
-        </p:blipFill>
-        <p:spPr bwMode="auto">
-          <a:xfrm>
-            <a:off x="11003858" y="6068461"/>
-            <a:ext cx="675692" cy="675692"/>
-          </a:xfrm>
-          <a:prstGeom prst="rect">
-            <a:avLst/>
-          </a:prstGeom>
-          <a:noFill/>
-          <a:extLst>
-            <a:ext uri="{909E8E84-426E-40DD-AFC4-6F175D3DCCD1}">
-              <a14:hiddenFill xmlns:a14="http://schemas.microsoft.com/office/drawing/2010/main">
-                <a:solidFill>
-                  <a:srgbClr val="FFFFFF"/>
-                </a:solidFill>
-              </a14:hiddenFill>
-            </a:ext>
-          </a:extLst>
-        </p:spPr>
-      </p:pic>
-      <p:sp>
-        <p:nvSpPr>
-          <p:cNvPr id="3" name="CuadroTexto 2">
-            <a:extLst>
-              <a:ext uri="{FF2B5EF4-FFF2-40B4-BE49-F238E27FC236}">
-                <a16:creationId xmlns:a16="http://schemas.microsoft.com/office/drawing/2014/main" id="{D1FA320B-398B-F9F1-38EA-BAF5DD083F19}"/>
-              </a:ext>
-            </a:extLst>
-          </p:cNvPr>
-          <p:cNvSpPr txBox="1"/>
-          <p:nvPr/>
-        </p:nvSpPr>
-        <p:spPr>
-          <a:xfrm>
-            <a:off x="1253654" y="935650"/>
-            <a:ext cx="9079954" cy="2031325"/>
-          </a:xfrm>
-          <a:prstGeom prst="rect">
-            <a:avLst/>
-          </a:prstGeom>
-          <a:noFill/>
-        </p:spPr>
-        <p:txBody>
-          <a:bodyPr wrap="square" rtlCol="0">
-            <a:spAutoFit/>
-          </a:bodyPr>
-          <a:lstStyle/>
-          <a:p>
-            <a:r>
-              <a:rPr lang="es-ES" dirty="0"/>
-              <a:t>SPRING FRAMEWORK</a:t>
-            </a:r>
-          </a:p>
-          <a:p>
-            <a:pPr lvl="1"/>
-            <a:endParaRPr lang="es-ES" sz="1200" dirty="0">
-              <a:solidFill>
-                <a:srgbClr val="FF0000"/>
-              </a:solidFill>
-              <a:latin typeface="Titillium Web" panose="00000500000000000000" pitchFamily="2" charset="0"/>
-            </a:endParaRPr>
-          </a:p>
-          <a:p>
-            <a:pPr lvl="1"/>
-            <a:endParaRPr lang="es-ES" sz="1200" dirty="0">
-              <a:solidFill>
-                <a:schemeClr val="accent4">
-                  <a:lumMod val="60000"/>
-                  <a:lumOff val="40000"/>
-                </a:schemeClr>
-              </a:solidFill>
-              <a:latin typeface="Titillium Web" panose="00000500000000000000" pitchFamily="2" charset="0"/>
-            </a:endParaRPr>
-          </a:p>
-          <a:p>
-            <a:pPr lvl="1"/>
-            <a:r>
-              <a:rPr lang="es-ES" sz="1200" dirty="0">
-                <a:solidFill>
-                  <a:schemeClr val="accent4">
-                    <a:lumMod val="60000"/>
-                    <a:lumOff val="40000"/>
-                  </a:schemeClr>
-                </a:solidFill>
-                <a:latin typeface="Titillium Web" panose="00000500000000000000" pitchFamily="2" charset="0"/>
-              </a:rPr>
-              <a:t>SPRING MVC</a:t>
-            </a:r>
-          </a:p>
-          <a:p>
-            <a:pPr lvl="1"/>
-            <a:endParaRPr lang="es-ES" sz="1200" dirty="0">
-              <a:solidFill>
-                <a:schemeClr val="accent4">
-                  <a:lumMod val="60000"/>
-                  <a:lumOff val="40000"/>
-                </a:schemeClr>
-              </a:solidFill>
-              <a:latin typeface="Titillium Web" panose="00000500000000000000" pitchFamily="2" charset="0"/>
-            </a:endParaRPr>
-          </a:p>
-          <a:p>
-            <a:pPr lvl="1"/>
-            <a:endParaRPr lang="es-ES" sz="1200" dirty="0">
-              <a:solidFill>
-                <a:schemeClr val="accent4">
-                  <a:lumMod val="60000"/>
-                  <a:lumOff val="40000"/>
-                </a:schemeClr>
-              </a:solidFill>
-            </a:endParaRPr>
-          </a:p>
-          <a:p>
-            <a:pPr lvl="1"/>
-            <a:br>
-              <a:rPr lang="es-ES" sz="1200" dirty="0">
-                <a:solidFill>
-                  <a:schemeClr val="accent4">
-                    <a:lumMod val="60000"/>
-                    <a:lumOff val="40000"/>
-                  </a:schemeClr>
-                </a:solidFill>
-              </a:rPr>
-            </a:br>
-            <a:endParaRPr lang="es-ES" sz="1200" dirty="0">
-              <a:solidFill>
-                <a:schemeClr val="accent4">
-                  <a:lumMod val="60000"/>
-                  <a:lumOff val="40000"/>
-                </a:schemeClr>
-              </a:solidFill>
-            </a:endParaRPr>
-          </a:p>
-          <a:p>
-            <a:pPr lvl="1"/>
-            <a:endParaRPr lang="es-ES" sz="1200" dirty="0">
-              <a:solidFill>
-                <a:schemeClr val="accent1">
-                  <a:lumMod val="40000"/>
-                  <a:lumOff val="60000"/>
-                </a:schemeClr>
-              </a:solidFill>
-              <a:latin typeface="Titillium Web" panose="00000500000000000000" pitchFamily="2" charset="0"/>
-            </a:endParaRPr>
-          </a:p>
-          <a:p>
-            <a:pPr lvl="1"/>
-            <a:endParaRPr lang="es-ES" sz="1200" b="0" i="0" dirty="0">
-              <a:solidFill>
-                <a:schemeClr val="accent4">
-                  <a:lumMod val="60000"/>
-                  <a:lumOff val="40000"/>
-                </a:schemeClr>
-              </a:solidFill>
-              <a:effectLst/>
-              <a:latin typeface="Titillium Web" panose="00000500000000000000" pitchFamily="2" charset="0"/>
-            </a:endParaRPr>
-          </a:p>
-        </p:txBody>
-      </p:sp>
-      <p:pic>
-        <p:nvPicPr>
-          <p:cNvPr id="5" name="Picture 2" descr="Spring | Home">
-            <a:extLst>
-              <a:ext uri="{FF2B5EF4-FFF2-40B4-BE49-F238E27FC236}">
-                <a16:creationId xmlns:a16="http://schemas.microsoft.com/office/drawing/2014/main" id="{6CBE6F06-F98A-B85B-B6AA-917CBDD1C2C3}"/>
-              </a:ext>
-            </a:extLst>
-          </p:cNvPr>
-          <p:cNvPicPr>
-            <a:picLocks noChangeAspect="1" noChangeArrowheads="1"/>
-          </p:cNvPicPr>
-          <p:nvPr/>
-        </p:nvPicPr>
-        <p:blipFill>
-          <a:blip r:embed="rId4">
-            <a:extLst>
-              <a:ext uri="{28A0092B-C50C-407E-A947-70E740481C1C}">
-                <a14:useLocalDpi xmlns:a14="http://schemas.microsoft.com/office/drawing/2010/main" val="0"/>
-              </a:ext>
-            </a:extLst>
-          </a:blip>
-          <a:srcRect/>
-          <a:stretch>
-            <a:fillRect/>
-          </a:stretch>
-        </p:blipFill>
-        <p:spPr bwMode="auto">
-          <a:xfrm>
-            <a:off x="10666011" y="5262959"/>
-            <a:ext cx="1351386" cy="675693"/>
-          </a:xfrm>
-          <a:prstGeom prst="rect">
-            <a:avLst/>
-          </a:prstGeom>
-          <a:noFill/>
-          <a:extLst>
-            <a:ext uri="{909E8E84-426E-40DD-AFC4-6F175D3DCCD1}">
-              <a14:hiddenFill xmlns:a14="http://schemas.microsoft.com/office/drawing/2010/main">
-                <a:solidFill>
-                  <a:srgbClr val="FFFFFF"/>
-                </a:solidFill>
-              </a14:hiddenFill>
-            </a:ext>
-          </a:extLst>
-        </p:spPr>
-      </p:pic>
-      <p:sp>
-        <p:nvSpPr>
-          <p:cNvPr id="2" name="CuadroTexto 1">
-            <a:extLst>
-              <a:ext uri="{FF2B5EF4-FFF2-40B4-BE49-F238E27FC236}">
-                <a16:creationId xmlns:a16="http://schemas.microsoft.com/office/drawing/2014/main" id="{477BDFD5-86BF-359C-0E77-061F61200E12}"/>
-              </a:ext>
-            </a:extLst>
-          </p:cNvPr>
-          <p:cNvSpPr txBox="1"/>
-          <p:nvPr/>
-        </p:nvSpPr>
-        <p:spPr>
-          <a:xfrm>
-            <a:off x="1253654" y="1966940"/>
-            <a:ext cx="9079954" cy="1754326"/>
-          </a:xfrm>
-          <a:prstGeom prst="rect">
-            <a:avLst/>
-          </a:prstGeom>
-          <a:noFill/>
-        </p:spPr>
-        <p:txBody>
-          <a:bodyPr wrap="square" rtlCol="0">
-            <a:spAutoFit/>
-          </a:bodyPr>
-          <a:lstStyle/>
-          <a:p>
-            <a:pPr lvl="1"/>
-            <a:endParaRPr lang="es-ES" sz="1200" dirty="0">
-              <a:latin typeface="Titillium Web" panose="00000500000000000000" pitchFamily="2" charset="0"/>
-              <a:sym typeface="Wingdings" panose="05000000000000000000" pitchFamily="2" charset="2"/>
-            </a:endParaRPr>
-          </a:p>
-          <a:p>
-            <a:pPr lvl="1"/>
-            <a:endParaRPr lang="es-ES" sz="1200" dirty="0">
-              <a:latin typeface="Titillium Web" panose="00000500000000000000" pitchFamily="2" charset="0"/>
-              <a:sym typeface="Wingdings" panose="05000000000000000000" pitchFamily="2" charset="2"/>
-            </a:endParaRPr>
-          </a:p>
-          <a:p>
-            <a:pPr marL="1085850" lvl="2" indent="-171450">
-              <a:buFont typeface="Arial" panose="020B0604020202020204" pitchFamily="34" charset="0"/>
-              <a:buChar char="•"/>
-            </a:pPr>
-            <a:endParaRPr lang="es-ES" sz="1200" dirty="0">
-              <a:latin typeface="Titillium Web" panose="00000500000000000000" pitchFamily="2" charset="0"/>
-              <a:sym typeface="Wingdings" panose="05000000000000000000" pitchFamily="2" charset="2"/>
-            </a:endParaRPr>
-          </a:p>
-          <a:p>
-            <a:pPr marL="1085850" lvl="2" indent="-171450">
-              <a:buFont typeface="Arial" panose="020B0604020202020204" pitchFamily="34" charset="0"/>
-              <a:buChar char="•"/>
-            </a:pPr>
-            <a:endParaRPr lang="es-ES" sz="1200" dirty="0">
-              <a:latin typeface="Titillium Web" panose="00000500000000000000" pitchFamily="2" charset="0"/>
-              <a:sym typeface="Wingdings" panose="05000000000000000000" pitchFamily="2" charset="2"/>
-            </a:endParaRPr>
-          </a:p>
-          <a:p>
-            <a:pPr marL="1085850" lvl="2" indent="-171450">
-              <a:buFont typeface="Arial" panose="020B0604020202020204" pitchFamily="34" charset="0"/>
-              <a:buChar char="•"/>
-            </a:pPr>
-            <a:endParaRPr lang="es-ES" sz="1200" dirty="0">
-              <a:solidFill>
-                <a:schemeClr val="accent4">
-                  <a:lumMod val="60000"/>
-                  <a:lumOff val="40000"/>
-                </a:schemeClr>
-              </a:solidFill>
-            </a:endParaRPr>
-          </a:p>
-          <a:p>
-            <a:pPr lvl="1"/>
-            <a:br>
-              <a:rPr lang="es-ES" sz="1200" dirty="0">
-                <a:solidFill>
-                  <a:schemeClr val="accent4">
-                    <a:lumMod val="60000"/>
-                    <a:lumOff val="40000"/>
-                  </a:schemeClr>
-                </a:solidFill>
-              </a:rPr>
-            </a:br>
-            <a:endParaRPr lang="es-ES" sz="1200" dirty="0">
-              <a:solidFill>
-                <a:schemeClr val="accent4">
-                  <a:lumMod val="60000"/>
-                  <a:lumOff val="40000"/>
-                </a:schemeClr>
-              </a:solidFill>
-            </a:endParaRPr>
-          </a:p>
-          <a:p>
-            <a:pPr lvl="1"/>
-            <a:endParaRPr lang="es-ES" sz="1200" dirty="0">
-              <a:solidFill>
-                <a:schemeClr val="accent1">
-                  <a:lumMod val="40000"/>
-                  <a:lumOff val="60000"/>
-                </a:schemeClr>
-              </a:solidFill>
-              <a:latin typeface="Titillium Web" panose="00000500000000000000" pitchFamily="2" charset="0"/>
-            </a:endParaRPr>
-          </a:p>
-          <a:p>
-            <a:pPr lvl="1"/>
-            <a:endParaRPr lang="es-ES" sz="1200" b="0" i="0" dirty="0">
-              <a:solidFill>
-                <a:schemeClr val="accent4">
-                  <a:lumMod val="60000"/>
-                  <a:lumOff val="40000"/>
-                </a:schemeClr>
-              </a:solidFill>
-              <a:effectLst/>
-              <a:latin typeface="Titillium Web" panose="00000500000000000000" pitchFamily="2" charset="0"/>
-            </a:endParaRPr>
-          </a:p>
-        </p:txBody>
-      </p:sp>
-      <p:pic>
-        <p:nvPicPr>
-          <p:cNvPr id="6" name="Imagen 5">
-            <a:extLst>
-              <a:ext uri="{FF2B5EF4-FFF2-40B4-BE49-F238E27FC236}">
-                <a16:creationId xmlns:a16="http://schemas.microsoft.com/office/drawing/2014/main" id="{5BB080C9-5360-6881-0267-5BBBC6972259}"/>
-              </a:ext>
-            </a:extLst>
-          </p:cNvPr>
-          <p:cNvPicPr>
-            <a:picLocks noChangeAspect="1"/>
-          </p:cNvPicPr>
-          <p:nvPr/>
-        </p:nvPicPr>
-        <p:blipFill>
-          <a:blip r:embed="rId5"/>
-          <a:stretch>
-            <a:fillRect/>
-          </a:stretch>
-        </p:blipFill>
-        <p:spPr>
-          <a:xfrm>
-            <a:off x="3303802" y="2050742"/>
-            <a:ext cx="5845978" cy="4105922"/>
-          </a:xfrm>
-          <a:prstGeom prst="rect">
-            <a:avLst/>
-          </a:prstGeom>
-        </p:spPr>
-      </p:pic>
-    </p:spTree>
-    <p:extLst>
-      <p:ext uri="{BB962C8B-B14F-4D97-AF65-F5344CB8AC3E}">
-        <p14:creationId xmlns:p14="http://schemas.microsoft.com/office/powerpoint/2010/main" val="247109989"/>
-      </p:ext>
-    </p:extLst>
-  </p:cSld>
-  <p:clrMapOvr>
-    <a:masterClrMapping/>
-  </p:clrMapOvr>
-</p:sld>
-</file>
-
-<file path=ppt/slides/slide20.xml><?xml version="1.0" encoding="utf-8"?>
+<file path=ppt/slides/slide22.xml><?xml version="1.0" encoding="utf-8"?>
 <p:sld xmlns:a="http://schemas.openxmlformats.org/drawingml/2006/main" xmlns:r="http://schemas.openxmlformats.org/officeDocument/2006/relationships" xmlns:p="http://schemas.openxmlformats.org/presentationml/2006/main">
   <p:cSld>
     <p:spTree>
